--- a/Test-Driven Development.pptx
+++ b/Test-Driven Development.pptx
@@ -109,6 +109,11 @@
       </a:defRPr>
     </a:lvl9pPr>
   </p:defaultTextStyle>
+  <p:extLst>
+    <p:ext uri="{EFAFB233-063F-42B5-8137-9DF3F51BA10A}">
+      <p15:sldGuideLst xmlns:p15="http://schemas.microsoft.com/office/powerpoint/2012/main"/>
+    </p:ext>
+  </p:extLst>
 </p:presentation>
 </file>
 
@@ -4233,7 +4238,7 @@
             </a:r>
             <a:r>
               <a:rPr lang="en-US" sz="1800" dirty="0"/>
-              <a:t> objects are injected in it. Ideally domain code should never use the new operator. The new operator is called from outside the domain code, to set up an aggregate of objects that collaborate together.</a:t>
+              <a:t> objects are injected in it. Ideally domain code should never use the new operator. The new operator is called from outside the domain code, to set up an aggregate of objects that work together.</a:t>
             </a:r>
           </a:p>
           <a:p>
@@ -4544,7 +4549,7 @@
           <a:p>
             <a:r>
               <a:rPr lang="en-US" dirty="0"/>
-              <a:t>Useful Links</a:t>
+              <a:t>Additional Resources</a:t>
             </a:r>
             <a:endParaRPr lang="en-US" i="1" dirty="0"/>
           </a:p>

--- a/Test-Driven Development.pptx
+++ b/Test-Driven Development.pptx
@@ -4,13 +4,26 @@
   <p:sldMasterIdLst>
     <p:sldMasterId id="2147483648" r:id="rId1"/>
   </p:sldMasterIdLst>
+  <p:notesMasterIdLst>
+    <p:notesMasterId r:id="rId18"/>
+  </p:notesMasterIdLst>
   <p:sldIdLst>
     <p:sldId id="256" r:id="rId2"/>
     <p:sldId id="258" r:id="rId3"/>
     <p:sldId id="257" r:id="rId4"/>
-    <p:sldId id="259" r:id="rId5"/>
-    <p:sldId id="260" r:id="rId6"/>
-    <p:sldId id="262" r:id="rId7"/>
+    <p:sldId id="266" r:id="rId5"/>
+    <p:sldId id="265" r:id="rId6"/>
+    <p:sldId id="267" r:id="rId7"/>
+    <p:sldId id="270" r:id="rId8"/>
+    <p:sldId id="271" r:id="rId9"/>
+    <p:sldId id="269" r:id="rId10"/>
+    <p:sldId id="272" r:id="rId11"/>
+    <p:sldId id="268" r:id="rId12"/>
+    <p:sldId id="264" r:id="rId13"/>
+    <p:sldId id="259" r:id="rId14"/>
+    <p:sldId id="263" r:id="rId15"/>
+    <p:sldId id="260" r:id="rId16"/>
+    <p:sldId id="262" r:id="rId17"/>
   </p:sldIdLst>
   <p:sldSz cx="12192000" cy="6858000"/>
   <p:notesSz cx="6858000" cy="9144000"/>
@@ -117,6 +130,640 @@
 </p:presentation>
 </file>
 
+<file path=ppt/notesMasters/notesMaster1.xml><?xml version="1.0" encoding="utf-8"?>
+<p:notesMaster xmlns:a="http://schemas.openxmlformats.org/drawingml/2006/main" xmlns:r="http://schemas.openxmlformats.org/officeDocument/2006/relationships" xmlns:p="http://schemas.openxmlformats.org/presentationml/2006/main">
+  <p:cSld>
+    <p:bg>
+      <p:bgRef idx="1001">
+        <a:schemeClr val="bg1"/>
+      </p:bgRef>
+    </p:bg>
+    <p:spTree>
+      <p:nvGrpSpPr>
+        <p:cNvPr id="1" name=""/>
+        <p:cNvGrpSpPr/>
+        <p:nvPr/>
+      </p:nvGrpSpPr>
+      <p:grpSpPr>
+        <a:xfrm>
+          <a:off x="0" y="0"/>
+          <a:ext cx="0" cy="0"/>
+          <a:chOff x="0" y="0"/>
+          <a:chExt cx="0" cy="0"/>
+        </a:xfrm>
+      </p:grpSpPr>
+      <p:sp>
+        <p:nvSpPr>
+          <p:cNvPr id="2" name="Header Placeholder 1"/>
+          <p:cNvSpPr>
+            <a:spLocks noGrp="1"/>
+          </p:cNvSpPr>
+          <p:nvPr>
+            <p:ph type="hdr" sz="quarter"/>
+          </p:nvPr>
+        </p:nvSpPr>
+        <p:spPr>
+          <a:xfrm>
+            <a:off x="0" y="0"/>
+            <a:ext cx="2971800" cy="458788"/>
+          </a:xfrm>
+          <a:prstGeom prst="rect">
+            <a:avLst/>
+          </a:prstGeom>
+        </p:spPr>
+        <p:txBody>
+          <a:bodyPr vert="horz" lIns="91440" tIns="45720" rIns="91440" bIns="45720" rtlCol="0"/>
+          <a:lstStyle>
+            <a:lvl1pPr algn="l">
+              <a:defRPr sz="1200"/>
+            </a:lvl1pPr>
+          </a:lstStyle>
+          <a:p>
+            <a:endParaRPr lang="en-US"/>
+          </a:p>
+        </p:txBody>
+      </p:sp>
+      <p:sp>
+        <p:nvSpPr>
+          <p:cNvPr id="3" name="Date Placeholder 2"/>
+          <p:cNvSpPr>
+            <a:spLocks noGrp="1"/>
+          </p:cNvSpPr>
+          <p:nvPr>
+            <p:ph type="dt" idx="1"/>
+          </p:nvPr>
+        </p:nvSpPr>
+        <p:spPr>
+          <a:xfrm>
+            <a:off x="3884613" y="0"/>
+            <a:ext cx="2971800" cy="458788"/>
+          </a:xfrm>
+          <a:prstGeom prst="rect">
+            <a:avLst/>
+          </a:prstGeom>
+        </p:spPr>
+        <p:txBody>
+          <a:bodyPr vert="horz" lIns="91440" tIns="45720" rIns="91440" bIns="45720" rtlCol="0"/>
+          <a:lstStyle>
+            <a:lvl1pPr algn="r">
+              <a:defRPr sz="1200"/>
+            </a:lvl1pPr>
+          </a:lstStyle>
+          <a:p>
+            <a:fld id="{A0B3B3BE-31FB-40ED-9CC9-F5CDD4F7A7A6}" type="datetimeFigureOut">
+              <a:rPr lang="en-US" smtClean="0"/>
+              <a:t>1/19/2025</a:t>
+            </a:fld>
+            <a:endParaRPr lang="en-US"/>
+          </a:p>
+        </p:txBody>
+      </p:sp>
+      <p:sp>
+        <p:nvSpPr>
+          <p:cNvPr id="4" name="Slide Image Placeholder 3"/>
+          <p:cNvSpPr>
+            <a:spLocks noGrp="1" noRot="1" noChangeAspect="1"/>
+          </p:cNvSpPr>
+          <p:nvPr>
+            <p:ph type="sldImg" idx="2"/>
+          </p:nvPr>
+        </p:nvSpPr>
+        <p:spPr>
+          <a:xfrm>
+            <a:off x="685800" y="1143000"/>
+            <a:ext cx="5486400" cy="3086100"/>
+          </a:xfrm>
+          <a:prstGeom prst="rect">
+            <a:avLst/>
+          </a:prstGeom>
+          <a:noFill/>
+          <a:ln w="12700">
+            <a:solidFill>
+              <a:prstClr val="black"/>
+            </a:solidFill>
+          </a:ln>
+        </p:spPr>
+        <p:txBody>
+          <a:bodyPr vert="horz" lIns="91440" tIns="45720" rIns="91440" bIns="45720" rtlCol="0" anchor="ctr"/>
+          <a:lstStyle/>
+          <a:p>
+            <a:endParaRPr lang="en-US"/>
+          </a:p>
+        </p:txBody>
+      </p:sp>
+      <p:sp>
+        <p:nvSpPr>
+          <p:cNvPr id="5" name="Notes Placeholder 4"/>
+          <p:cNvSpPr>
+            <a:spLocks noGrp="1"/>
+          </p:cNvSpPr>
+          <p:nvPr>
+            <p:ph type="body" sz="quarter" idx="3"/>
+          </p:nvPr>
+        </p:nvSpPr>
+        <p:spPr>
+          <a:xfrm>
+            <a:off x="685800" y="4400550"/>
+            <a:ext cx="5486400" cy="3600450"/>
+          </a:xfrm>
+          <a:prstGeom prst="rect">
+            <a:avLst/>
+          </a:prstGeom>
+        </p:spPr>
+        <p:txBody>
+          <a:bodyPr vert="horz" lIns="91440" tIns="45720" rIns="91440" bIns="45720" rtlCol="0"/>
+          <a:lstStyle/>
+          <a:p>
+            <a:pPr lvl="0"/>
+            <a:r>
+              <a:rPr lang="en-US"/>
+              <a:t>Click to edit Master text styles</a:t>
+            </a:r>
+          </a:p>
+          <a:p>
+            <a:pPr lvl="1"/>
+            <a:r>
+              <a:rPr lang="en-US"/>
+              <a:t>Second level</a:t>
+            </a:r>
+          </a:p>
+          <a:p>
+            <a:pPr lvl="2"/>
+            <a:r>
+              <a:rPr lang="en-US"/>
+              <a:t>Third level</a:t>
+            </a:r>
+          </a:p>
+          <a:p>
+            <a:pPr lvl="3"/>
+            <a:r>
+              <a:rPr lang="en-US"/>
+              <a:t>Fourth level</a:t>
+            </a:r>
+          </a:p>
+          <a:p>
+            <a:pPr lvl="4"/>
+            <a:r>
+              <a:rPr lang="en-US"/>
+              <a:t>Fifth level</a:t>
+            </a:r>
+          </a:p>
+        </p:txBody>
+      </p:sp>
+      <p:sp>
+        <p:nvSpPr>
+          <p:cNvPr id="6" name="Footer Placeholder 5"/>
+          <p:cNvSpPr>
+            <a:spLocks noGrp="1"/>
+          </p:cNvSpPr>
+          <p:nvPr>
+            <p:ph type="ftr" sz="quarter" idx="4"/>
+          </p:nvPr>
+        </p:nvSpPr>
+        <p:spPr>
+          <a:xfrm>
+            <a:off x="0" y="8685213"/>
+            <a:ext cx="2971800" cy="458787"/>
+          </a:xfrm>
+          <a:prstGeom prst="rect">
+            <a:avLst/>
+          </a:prstGeom>
+        </p:spPr>
+        <p:txBody>
+          <a:bodyPr vert="horz" lIns="91440" tIns="45720" rIns="91440" bIns="45720" rtlCol="0" anchor="b"/>
+          <a:lstStyle>
+            <a:lvl1pPr algn="l">
+              <a:defRPr sz="1200"/>
+            </a:lvl1pPr>
+          </a:lstStyle>
+          <a:p>
+            <a:endParaRPr lang="en-US"/>
+          </a:p>
+        </p:txBody>
+      </p:sp>
+      <p:sp>
+        <p:nvSpPr>
+          <p:cNvPr id="7" name="Slide Number Placeholder 6"/>
+          <p:cNvSpPr>
+            <a:spLocks noGrp="1"/>
+          </p:cNvSpPr>
+          <p:nvPr>
+            <p:ph type="sldNum" sz="quarter" idx="5"/>
+          </p:nvPr>
+        </p:nvSpPr>
+        <p:spPr>
+          <a:xfrm>
+            <a:off x="3884613" y="8685213"/>
+            <a:ext cx="2971800" cy="458787"/>
+          </a:xfrm>
+          <a:prstGeom prst="rect">
+            <a:avLst/>
+          </a:prstGeom>
+        </p:spPr>
+        <p:txBody>
+          <a:bodyPr vert="horz" lIns="91440" tIns="45720" rIns="91440" bIns="45720" rtlCol="0" anchor="b"/>
+          <a:lstStyle>
+            <a:lvl1pPr algn="r">
+              <a:defRPr sz="1200"/>
+            </a:lvl1pPr>
+          </a:lstStyle>
+          <a:p>
+            <a:fld id="{0DBBE4B5-17F7-49B0-9E7D-4A9B238F7961}" type="slidenum">
+              <a:rPr lang="en-US" smtClean="0"/>
+              <a:t>‹#›</a:t>
+            </a:fld>
+            <a:endParaRPr lang="en-US"/>
+          </a:p>
+        </p:txBody>
+      </p:sp>
+    </p:spTree>
+    <p:extLst>
+      <p:ext uri="{BB962C8B-B14F-4D97-AF65-F5344CB8AC3E}">
+        <p14:creationId xmlns:p14="http://schemas.microsoft.com/office/powerpoint/2010/main" val="2564376413"/>
+      </p:ext>
+    </p:extLst>
+  </p:cSld>
+  <p:clrMap bg1="lt1" tx1="dk1" bg2="lt2" tx2="dk2" accent1="accent1" accent2="accent2" accent3="accent3" accent4="accent4" accent5="accent5" accent6="accent6" hlink="hlink" folHlink="folHlink"/>
+  <p:notesStyle>
+    <a:lvl1pPr marL="0" algn="l" defTabSz="914400" rtl="0" eaLnBrk="1" latinLnBrk="0" hangingPunct="1">
+      <a:defRPr sz="1200" kern="1200">
+        <a:solidFill>
+          <a:schemeClr val="tx1"/>
+        </a:solidFill>
+        <a:latin typeface="+mn-lt"/>
+        <a:ea typeface="+mn-ea"/>
+        <a:cs typeface="+mn-cs"/>
+      </a:defRPr>
+    </a:lvl1pPr>
+    <a:lvl2pPr marL="457200" algn="l" defTabSz="914400" rtl="0" eaLnBrk="1" latinLnBrk="0" hangingPunct="1">
+      <a:defRPr sz="1200" kern="1200">
+        <a:solidFill>
+          <a:schemeClr val="tx1"/>
+        </a:solidFill>
+        <a:latin typeface="+mn-lt"/>
+        <a:ea typeface="+mn-ea"/>
+        <a:cs typeface="+mn-cs"/>
+      </a:defRPr>
+    </a:lvl2pPr>
+    <a:lvl3pPr marL="914400" algn="l" defTabSz="914400" rtl="0" eaLnBrk="1" latinLnBrk="0" hangingPunct="1">
+      <a:defRPr sz="1200" kern="1200">
+        <a:solidFill>
+          <a:schemeClr val="tx1"/>
+        </a:solidFill>
+        <a:latin typeface="+mn-lt"/>
+        <a:ea typeface="+mn-ea"/>
+        <a:cs typeface="+mn-cs"/>
+      </a:defRPr>
+    </a:lvl3pPr>
+    <a:lvl4pPr marL="1371600" algn="l" defTabSz="914400" rtl="0" eaLnBrk="1" latinLnBrk="0" hangingPunct="1">
+      <a:defRPr sz="1200" kern="1200">
+        <a:solidFill>
+          <a:schemeClr val="tx1"/>
+        </a:solidFill>
+        <a:latin typeface="+mn-lt"/>
+        <a:ea typeface="+mn-ea"/>
+        <a:cs typeface="+mn-cs"/>
+      </a:defRPr>
+    </a:lvl4pPr>
+    <a:lvl5pPr marL="1828800" algn="l" defTabSz="914400" rtl="0" eaLnBrk="1" latinLnBrk="0" hangingPunct="1">
+      <a:defRPr sz="1200" kern="1200">
+        <a:solidFill>
+          <a:schemeClr val="tx1"/>
+        </a:solidFill>
+        <a:latin typeface="+mn-lt"/>
+        <a:ea typeface="+mn-ea"/>
+        <a:cs typeface="+mn-cs"/>
+      </a:defRPr>
+    </a:lvl5pPr>
+    <a:lvl6pPr marL="2286000" algn="l" defTabSz="914400" rtl="0" eaLnBrk="1" latinLnBrk="0" hangingPunct="1">
+      <a:defRPr sz="1200" kern="1200">
+        <a:solidFill>
+          <a:schemeClr val="tx1"/>
+        </a:solidFill>
+        <a:latin typeface="+mn-lt"/>
+        <a:ea typeface="+mn-ea"/>
+        <a:cs typeface="+mn-cs"/>
+      </a:defRPr>
+    </a:lvl6pPr>
+    <a:lvl7pPr marL="2743200" algn="l" defTabSz="914400" rtl="0" eaLnBrk="1" latinLnBrk="0" hangingPunct="1">
+      <a:defRPr sz="1200" kern="1200">
+        <a:solidFill>
+          <a:schemeClr val="tx1"/>
+        </a:solidFill>
+        <a:latin typeface="+mn-lt"/>
+        <a:ea typeface="+mn-ea"/>
+        <a:cs typeface="+mn-cs"/>
+      </a:defRPr>
+    </a:lvl7pPr>
+    <a:lvl8pPr marL="3200400" algn="l" defTabSz="914400" rtl="0" eaLnBrk="1" latinLnBrk="0" hangingPunct="1">
+      <a:defRPr sz="1200" kern="1200">
+        <a:solidFill>
+          <a:schemeClr val="tx1"/>
+        </a:solidFill>
+        <a:latin typeface="+mn-lt"/>
+        <a:ea typeface="+mn-ea"/>
+        <a:cs typeface="+mn-cs"/>
+      </a:defRPr>
+    </a:lvl8pPr>
+    <a:lvl9pPr marL="3657600" algn="l" defTabSz="914400" rtl="0" eaLnBrk="1" latinLnBrk="0" hangingPunct="1">
+      <a:defRPr sz="1200" kern="1200">
+        <a:solidFill>
+          <a:schemeClr val="tx1"/>
+        </a:solidFill>
+        <a:latin typeface="+mn-lt"/>
+        <a:ea typeface="+mn-ea"/>
+        <a:cs typeface="+mn-cs"/>
+      </a:defRPr>
+    </a:lvl9pPr>
+  </p:notesStyle>
+</p:notesMaster>
+</file>
+
+<file path=ppt/notesSlides/notesSlide1.xml><?xml version="1.0" encoding="utf-8"?>
+<p:notes xmlns:a="http://schemas.openxmlformats.org/drawingml/2006/main" xmlns:r="http://schemas.openxmlformats.org/officeDocument/2006/relationships" xmlns:p="http://schemas.openxmlformats.org/presentationml/2006/main">
+  <p:cSld>
+    <p:spTree>
+      <p:nvGrpSpPr>
+        <p:cNvPr id="1" name=""/>
+        <p:cNvGrpSpPr/>
+        <p:nvPr/>
+      </p:nvGrpSpPr>
+      <p:grpSpPr>
+        <a:xfrm>
+          <a:off x="0" y="0"/>
+          <a:ext cx="0" cy="0"/>
+          <a:chOff x="0" y="0"/>
+          <a:chExt cx="0" cy="0"/>
+        </a:xfrm>
+      </p:grpSpPr>
+      <p:sp>
+        <p:nvSpPr>
+          <p:cNvPr id="2" name="Slide Image Placeholder 1"/>
+          <p:cNvSpPr>
+            <a:spLocks noGrp="1" noRot="1" noChangeAspect="1"/>
+          </p:cNvSpPr>
+          <p:nvPr>
+            <p:ph type="sldImg"/>
+          </p:nvPr>
+        </p:nvSpPr>
+        <p:spPr/>
+      </p:sp>
+      <p:sp>
+        <p:nvSpPr>
+          <p:cNvPr id="3" name="Notes Placeholder 2"/>
+          <p:cNvSpPr>
+            <a:spLocks noGrp="1"/>
+          </p:cNvSpPr>
+          <p:nvPr>
+            <p:ph type="body" idx="1"/>
+          </p:nvPr>
+        </p:nvSpPr>
+        <p:spPr/>
+        <p:txBody>
+          <a:bodyPr/>
+          <a:lstStyle/>
+          <a:p>
+            <a:r>
+              <a:rPr lang="en-US" dirty="0"/>
+              <a:t>Unit testing is about testing</a:t>
+            </a:r>
+          </a:p>
+          <a:p>
+            <a:r>
+              <a:rPr lang="en-US" dirty="0"/>
+              <a:t>TDD is about design</a:t>
+            </a:r>
+          </a:p>
+        </p:txBody>
+      </p:sp>
+      <p:sp>
+        <p:nvSpPr>
+          <p:cNvPr id="4" name="Slide Number Placeholder 3"/>
+          <p:cNvSpPr>
+            <a:spLocks noGrp="1"/>
+          </p:cNvSpPr>
+          <p:nvPr>
+            <p:ph type="sldNum" sz="quarter" idx="5"/>
+          </p:nvPr>
+        </p:nvSpPr>
+        <p:spPr/>
+        <p:txBody>
+          <a:bodyPr/>
+          <a:lstStyle/>
+          <a:p>
+            <a:fld id="{0DBBE4B5-17F7-49B0-9E7D-4A9B238F7961}" type="slidenum">
+              <a:rPr lang="en-US" smtClean="0"/>
+              <a:t>3</a:t>
+            </a:fld>
+            <a:endParaRPr lang="en-US"/>
+          </a:p>
+        </p:txBody>
+      </p:sp>
+    </p:spTree>
+    <p:extLst>
+      <p:ext uri="{BB962C8B-B14F-4D97-AF65-F5344CB8AC3E}">
+        <p14:creationId xmlns:p14="http://schemas.microsoft.com/office/powerpoint/2010/main" val="1012347547"/>
+      </p:ext>
+    </p:extLst>
+  </p:cSld>
+  <p:clrMapOvr>
+    <a:masterClrMapping/>
+  </p:clrMapOvr>
+</p:notes>
+</file>
+
+<file path=ppt/notesSlides/notesSlide2.xml><?xml version="1.0" encoding="utf-8"?>
+<p:notes xmlns:a="http://schemas.openxmlformats.org/drawingml/2006/main" xmlns:r="http://schemas.openxmlformats.org/officeDocument/2006/relationships" xmlns:p="http://schemas.openxmlformats.org/presentationml/2006/main">
+  <p:cSld>
+    <p:spTree>
+      <p:nvGrpSpPr>
+        <p:cNvPr id="1" name="">
+          <a:extLst>
+            <a:ext uri="{FF2B5EF4-FFF2-40B4-BE49-F238E27FC236}">
+              <a16:creationId xmlns:a16="http://schemas.microsoft.com/office/drawing/2014/main" id="{C04A0598-D74D-74B1-C4E9-42381A81E900}"/>
+            </a:ext>
+          </a:extLst>
+        </p:cNvPr>
+        <p:cNvGrpSpPr/>
+        <p:nvPr/>
+      </p:nvGrpSpPr>
+      <p:grpSpPr>
+        <a:xfrm>
+          <a:off x="0" y="0"/>
+          <a:ext cx="0" cy="0"/>
+          <a:chOff x="0" y="0"/>
+          <a:chExt cx="0" cy="0"/>
+        </a:xfrm>
+      </p:grpSpPr>
+      <p:sp>
+        <p:nvSpPr>
+          <p:cNvPr id="2" name="Slide Image Placeholder 1">
+            <a:extLst>
+              <a:ext uri="{FF2B5EF4-FFF2-40B4-BE49-F238E27FC236}">
+                <a16:creationId xmlns:a16="http://schemas.microsoft.com/office/drawing/2014/main" id="{82A6FAAF-3314-9EA0-2422-D46B5494784A}"/>
+              </a:ext>
+            </a:extLst>
+          </p:cNvPr>
+          <p:cNvSpPr>
+            <a:spLocks noGrp="1" noRot="1" noChangeAspect="1"/>
+          </p:cNvSpPr>
+          <p:nvPr>
+            <p:ph type="sldImg"/>
+          </p:nvPr>
+        </p:nvSpPr>
+        <p:spPr/>
+      </p:sp>
+      <p:sp>
+        <p:nvSpPr>
+          <p:cNvPr id="3" name="Notes Placeholder 2">
+            <a:extLst>
+              <a:ext uri="{FF2B5EF4-FFF2-40B4-BE49-F238E27FC236}">
+                <a16:creationId xmlns:a16="http://schemas.microsoft.com/office/drawing/2014/main" id="{40C6C939-D333-A0D5-9043-36E89D9C9D03}"/>
+              </a:ext>
+            </a:extLst>
+          </p:cNvPr>
+          <p:cNvSpPr>
+            <a:spLocks noGrp="1"/>
+          </p:cNvSpPr>
+          <p:nvPr>
+            <p:ph type="body" idx="1"/>
+          </p:nvPr>
+        </p:nvSpPr>
+        <p:spPr/>
+        <p:txBody>
+          <a:bodyPr/>
+          <a:lstStyle/>
+          <a:p>
+            <a:endParaRPr lang="en-US" dirty="0"/>
+          </a:p>
+        </p:txBody>
+      </p:sp>
+      <p:sp>
+        <p:nvSpPr>
+          <p:cNvPr id="4" name="Slide Number Placeholder 3">
+            <a:extLst>
+              <a:ext uri="{FF2B5EF4-FFF2-40B4-BE49-F238E27FC236}">
+                <a16:creationId xmlns:a16="http://schemas.microsoft.com/office/drawing/2014/main" id="{EC30070B-E146-CE8F-DF35-E7B9EB459BB9}"/>
+              </a:ext>
+            </a:extLst>
+          </p:cNvPr>
+          <p:cNvSpPr>
+            <a:spLocks noGrp="1"/>
+          </p:cNvSpPr>
+          <p:nvPr>
+            <p:ph type="sldNum" sz="quarter" idx="5"/>
+          </p:nvPr>
+        </p:nvSpPr>
+        <p:spPr/>
+        <p:txBody>
+          <a:bodyPr/>
+          <a:lstStyle/>
+          <a:p>
+            <a:fld id="{0DBBE4B5-17F7-49B0-9E7D-4A9B238F7961}" type="slidenum">
+              <a:rPr lang="en-US" smtClean="0"/>
+              <a:t>4</a:t>
+            </a:fld>
+            <a:endParaRPr lang="en-US"/>
+          </a:p>
+        </p:txBody>
+      </p:sp>
+    </p:spTree>
+    <p:extLst>
+      <p:ext uri="{BB962C8B-B14F-4D97-AF65-F5344CB8AC3E}">
+        <p14:creationId xmlns:p14="http://schemas.microsoft.com/office/powerpoint/2010/main" val="444342446"/>
+      </p:ext>
+    </p:extLst>
+  </p:cSld>
+  <p:clrMapOvr>
+    <a:masterClrMapping/>
+  </p:clrMapOvr>
+</p:notes>
+</file>
+
+<file path=ppt/notesSlides/notesSlide3.xml><?xml version="1.0" encoding="utf-8"?>
+<p:notes xmlns:a="http://schemas.openxmlformats.org/drawingml/2006/main" xmlns:r="http://schemas.openxmlformats.org/officeDocument/2006/relationships" xmlns:p="http://schemas.openxmlformats.org/presentationml/2006/main">
+  <p:cSld>
+    <p:spTree>
+      <p:nvGrpSpPr>
+        <p:cNvPr id="1" name=""/>
+        <p:cNvGrpSpPr/>
+        <p:nvPr/>
+      </p:nvGrpSpPr>
+      <p:grpSpPr>
+        <a:xfrm>
+          <a:off x="0" y="0"/>
+          <a:ext cx="0" cy="0"/>
+          <a:chOff x="0" y="0"/>
+          <a:chExt cx="0" cy="0"/>
+        </a:xfrm>
+      </p:grpSpPr>
+      <p:sp>
+        <p:nvSpPr>
+          <p:cNvPr id="2" name="Slide Image Placeholder 1"/>
+          <p:cNvSpPr>
+            <a:spLocks noGrp="1" noRot="1" noChangeAspect="1"/>
+          </p:cNvSpPr>
+          <p:nvPr>
+            <p:ph type="sldImg"/>
+          </p:nvPr>
+        </p:nvSpPr>
+        <p:spPr/>
+      </p:sp>
+      <p:sp>
+        <p:nvSpPr>
+          <p:cNvPr id="3" name="Notes Placeholder 2"/>
+          <p:cNvSpPr>
+            <a:spLocks noGrp="1"/>
+          </p:cNvSpPr>
+          <p:nvPr>
+            <p:ph type="body" idx="1"/>
+          </p:nvPr>
+        </p:nvSpPr>
+        <p:spPr/>
+        <p:txBody>
+          <a:bodyPr/>
+          <a:lstStyle/>
+          <a:p>
+            <a:endParaRPr lang="en-US" dirty="0"/>
+          </a:p>
+        </p:txBody>
+      </p:sp>
+      <p:sp>
+        <p:nvSpPr>
+          <p:cNvPr id="4" name="Slide Number Placeholder 3"/>
+          <p:cNvSpPr>
+            <a:spLocks noGrp="1"/>
+          </p:cNvSpPr>
+          <p:nvPr>
+            <p:ph type="sldNum" sz="quarter" idx="5"/>
+          </p:nvPr>
+        </p:nvSpPr>
+        <p:spPr/>
+        <p:txBody>
+          <a:bodyPr/>
+          <a:lstStyle/>
+          <a:p>
+            <a:fld id="{0DBBE4B5-17F7-49B0-9E7D-4A9B238F7961}" type="slidenum">
+              <a:rPr lang="en-US" smtClean="0"/>
+              <a:t>6</a:t>
+            </a:fld>
+            <a:endParaRPr lang="en-US"/>
+          </a:p>
+        </p:txBody>
+      </p:sp>
+    </p:spTree>
+    <p:extLst>
+      <p:ext uri="{BB962C8B-B14F-4D97-AF65-F5344CB8AC3E}">
+        <p14:creationId xmlns:p14="http://schemas.microsoft.com/office/powerpoint/2010/main" val="2038577890"/>
+      </p:ext>
+    </p:extLst>
+  </p:cSld>
+  <p:clrMapOvr>
+    <a:masterClrMapping/>
+  </p:clrMapOvr>
+</p:notes>
+</file>
+
 <file path=ppt/slideLayouts/slideLayout1.xml><?xml version="1.0" encoding="utf-8"?>
 <p:sldLayout xmlns:a="http://schemas.openxmlformats.org/drawingml/2006/main" xmlns:r="http://schemas.openxmlformats.org/officeDocument/2006/relationships" xmlns:p="http://schemas.openxmlformats.org/presentationml/2006/main" type="title" preserve="1">
   <p:cSld name="Title Slide">
@@ -264,7 +911,7 @@
           <a:p>
             <a:fld id="{F75F41B9-ECB9-4D3B-B9A4-B6EEE2432206}" type="datetimeFigureOut">
               <a:rPr lang="en-US" smtClean="0"/>
-              <a:t>1/18/2025</a:t>
+              <a:t>1/19/2025</a:t>
             </a:fld>
             <a:endParaRPr lang="en-US"/>
           </a:p>
@@ -462,7 +1109,7 @@
           <a:p>
             <a:fld id="{F75F41B9-ECB9-4D3B-B9A4-B6EEE2432206}" type="datetimeFigureOut">
               <a:rPr lang="en-US" smtClean="0"/>
-              <a:t>1/18/2025</a:t>
+              <a:t>1/19/2025</a:t>
             </a:fld>
             <a:endParaRPr lang="en-US"/>
           </a:p>
@@ -670,7 +1317,7 @@
           <a:p>
             <a:fld id="{F75F41B9-ECB9-4D3B-B9A4-B6EEE2432206}" type="datetimeFigureOut">
               <a:rPr lang="en-US" smtClean="0"/>
-              <a:t>1/18/2025</a:t>
+              <a:t>1/19/2025</a:t>
             </a:fld>
             <a:endParaRPr lang="en-US"/>
           </a:p>
@@ -868,7 +1515,7 @@
           <a:p>
             <a:fld id="{F75F41B9-ECB9-4D3B-B9A4-B6EEE2432206}" type="datetimeFigureOut">
               <a:rPr lang="en-US" smtClean="0"/>
-              <a:t>1/18/2025</a:t>
+              <a:t>1/19/2025</a:t>
             </a:fld>
             <a:endParaRPr lang="en-US"/>
           </a:p>
@@ -1143,7 +1790,7 @@
           <a:p>
             <a:fld id="{F75F41B9-ECB9-4D3B-B9A4-B6EEE2432206}" type="datetimeFigureOut">
               <a:rPr lang="en-US" smtClean="0"/>
-              <a:t>1/18/2025</a:t>
+              <a:t>1/19/2025</a:t>
             </a:fld>
             <a:endParaRPr lang="en-US"/>
           </a:p>
@@ -1408,7 +2055,7 @@
           <a:p>
             <a:fld id="{F75F41B9-ECB9-4D3B-B9A4-B6EEE2432206}" type="datetimeFigureOut">
               <a:rPr lang="en-US" smtClean="0"/>
-              <a:t>1/18/2025</a:t>
+              <a:t>1/19/2025</a:t>
             </a:fld>
             <a:endParaRPr lang="en-US"/>
           </a:p>
@@ -1820,7 +2467,7 @@
           <a:p>
             <a:fld id="{F75F41B9-ECB9-4D3B-B9A4-B6EEE2432206}" type="datetimeFigureOut">
               <a:rPr lang="en-US" smtClean="0"/>
-              <a:t>1/18/2025</a:t>
+              <a:t>1/19/2025</a:t>
             </a:fld>
             <a:endParaRPr lang="en-US"/>
           </a:p>
@@ -1961,7 +2608,7 @@
           <a:p>
             <a:fld id="{F75F41B9-ECB9-4D3B-B9A4-B6EEE2432206}" type="datetimeFigureOut">
               <a:rPr lang="en-US" smtClean="0"/>
-              <a:t>1/18/2025</a:t>
+              <a:t>1/19/2025</a:t>
             </a:fld>
             <a:endParaRPr lang="en-US"/>
           </a:p>
@@ -2074,7 +2721,7 @@
           <a:p>
             <a:fld id="{F75F41B9-ECB9-4D3B-B9A4-B6EEE2432206}" type="datetimeFigureOut">
               <a:rPr lang="en-US" smtClean="0"/>
-              <a:t>1/18/2025</a:t>
+              <a:t>1/19/2025</a:t>
             </a:fld>
             <a:endParaRPr lang="en-US"/>
           </a:p>
@@ -2385,7 +3032,7 @@
           <a:p>
             <a:fld id="{F75F41B9-ECB9-4D3B-B9A4-B6EEE2432206}" type="datetimeFigureOut">
               <a:rPr lang="en-US" smtClean="0"/>
-              <a:t>1/18/2025</a:t>
+              <a:t>1/19/2025</a:t>
             </a:fld>
             <a:endParaRPr lang="en-US"/>
           </a:p>
@@ -2673,7 +3320,7 @@
           <a:p>
             <a:fld id="{F75F41B9-ECB9-4D3B-B9A4-B6EEE2432206}" type="datetimeFigureOut">
               <a:rPr lang="en-US" smtClean="0"/>
-              <a:t>1/18/2025</a:t>
+              <a:t>1/19/2025</a:t>
             </a:fld>
             <a:endParaRPr lang="en-US"/>
           </a:p>
@@ -2914,7 +3561,7 @@
           <a:p>
             <a:fld id="{F75F41B9-ECB9-4D3B-B9A4-B6EEE2432206}" type="datetimeFigureOut">
               <a:rPr lang="en-US" smtClean="0"/>
-              <a:t>1/18/2025</a:t>
+              <a:t>1/19/2025</a:t>
             </a:fld>
             <a:endParaRPr lang="en-US"/>
           </a:p>
@@ -3407,6 +4054,2188 @@
 </p:sld>
 </file>
 
+<file path=ppt/slides/slide10.xml><?xml version="1.0" encoding="utf-8"?>
+<p:sld xmlns:a="http://schemas.openxmlformats.org/drawingml/2006/main" xmlns:r="http://schemas.openxmlformats.org/officeDocument/2006/relationships" xmlns:p="http://schemas.openxmlformats.org/presentationml/2006/main">
+  <p:cSld>
+    <p:spTree>
+      <p:nvGrpSpPr>
+        <p:cNvPr id="1" name="">
+          <a:extLst>
+            <a:ext uri="{FF2B5EF4-FFF2-40B4-BE49-F238E27FC236}">
+              <a16:creationId xmlns:a16="http://schemas.microsoft.com/office/drawing/2014/main" id="{C69A9C86-9F41-C4A5-8989-299C934DF894}"/>
+            </a:ext>
+          </a:extLst>
+        </p:cNvPr>
+        <p:cNvGrpSpPr/>
+        <p:nvPr/>
+      </p:nvGrpSpPr>
+      <p:grpSpPr>
+        <a:xfrm>
+          <a:off x="0" y="0"/>
+          <a:ext cx="0" cy="0"/>
+          <a:chOff x="0" y="0"/>
+          <a:chExt cx="0" cy="0"/>
+        </a:xfrm>
+      </p:grpSpPr>
+      <p:sp>
+        <p:nvSpPr>
+          <p:cNvPr id="3" name="Content Placeholder 2">
+            <a:extLst>
+              <a:ext uri="{FF2B5EF4-FFF2-40B4-BE49-F238E27FC236}">
+                <a16:creationId xmlns:a16="http://schemas.microsoft.com/office/drawing/2014/main" id="{55657405-045F-560C-0709-5B652E304639}"/>
+              </a:ext>
+            </a:extLst>
+          </p:cNvPr>
+          <p:cNvSpPr>
+            <a:spLocks noGrp="1"/>
+          </p:cNvSpPr>
+          <p:nvPr>
+            <p:ph idx="1"/>
+          </p:nvPr>
+        </p:nvSpPr>
+        <p:spPr>
+          <a:xfrm>
+            <a:off x="838199" y="1253331"/>
+            <a:ext cx="10613571" cy="5468776"/>
+          </a:xfrm>
+        </p:spPr>
+        <p:txBody>
+          <a:bodyPr>
+            <a:normAutofit/>
+          </a:bodyPr>
+          <a:lstStyle/>
+          <a:p>
+            <a:r>
+              <a:rPr lang="en-US" dirty="0"/>
+              <a:t>Mocks</a:t>
+            </a:r>
+          </a:p>
+          <a:p>
+            <a:r>
+              <a:rPr lang="en-US" dirty="0"/>
+              <a:t>Stubs</a:t>
+            </a:r>
+          </a:p>
+          <a:p>
+            <a:r>
+              <a:rPr lang="en-US" dirty="0"/>
+              <a:t>Fakes</a:t>
+            </a:r>
+          </a:p>
+          <a:p>
+            <a:r>
+              <a:rPr lang="en-US" dirty="0"/>
+              <a:t>Spies</a:t>
+            </a:r>
+          </a:p>
+          <a:p>
+            <a:r>
+              <a:rPr lang="en-US" dirty="0"/>
+              <a:t>Assertions</a:t>
+            </a:r>
+          </a:p>
+        </p:txBody>
+      </p:sp>
+      <p:sp>
+        <p:nvSpPr>
+          <p:cNvPr id="6" name="Title 1">
+            <a:extLst>
+              <a:ext uri="{FF2B5EF4-FFF2-40B4-BE49-F238E27FC236}">
+                <a16:creationId xmlns:a16="http://schemas.microsoft.com/office/drawing/2014/main" id="{E4DFA932-7720-BB26-49C2-67257769C6A6}"/>
+              </a:ext>
+            </a:extLst>
+          </p:cNvPr>
+          <p:cNvSpPr txBox="1">
+            <a:spLocks/>
+          </p:cNvSpPr>
+          <p:nvPr/>
+        </p:nvSpPr>
+        <p:spPr>
+          <a:xfrm>
+            <a:off x="838200" y="135893"/>
+            <a:ext cx="10515600" cy="1325563"/>
+          </a:xfrm>
+          <a:prstGeom prst="rect">
+            <a:avLst/>
+          </a:prstGeom>
+        </p:spPr>
+        <p:txBody>
+          <a:bodyPr vert="horz" lIns="91440" tIns="45720" rIns="91440" bIns="45720" rtlCol="0" anchor="ctr">
+            <a:normAutofit/>
+          </a:bodyPr>
+          <a:lstStyle>
+            <a:lvl1pPr algn="l" defTabSz="914400" rtl="0" eaLnBrk="1" latinLnBrk="0" hangingPunct="1">
+              <a:lnSpc>
+                <a:spcPct val="90000"/>
+              </a:lnSpc>
+              <a:spcBef>
+                <a:spcPct val="0"/>
+              </a:spcBef>
+              <a:buNone/>
+              <a:defRPr sz="4400" kern="1200">
+                <a:solidFill>
+                  <a:schemeClr val="tx1"/>
+                </a:solidFill>
+                <a:latin typeface="+mj-lt"/>
+                <a:ea typeface="+mj-ea"/>
+                <a:cs typeface="+mj-cs"/>
+              </a:defRPr>
+            </a:lvl1pPr>
+          </a:lstStyle>
+          <a:p>
+            <a:r>
+              <a:rPr lang="en-US" dirty="0"/>
+              <a:t>Common Testing Terminology</a:t>
+            </a:r>
+          </a:p>
+        </p:txBody>
+      </p:sp>
+    </p:spTree>
+    <p:extLst>
+      <p:ext uri="{BB962C8B-B14F-4D97-AF65-F5344CB8AC3E}">
+        <p14:creationId xmlns:p14="http://schemas.microsoft.com/office/powerpoint/2010/main" val="1095297031"/>
+      </p:ext>
+    </p:extLst>
+  </p:cSld>
+  <p:clrMapOvr>
+    <a:masterClrMapping/>
+  </p:clrMapOvr>
+</p:sld>
+</file>
+
+<file path=ppt/slides/slide11.xml><?xml version="1.0" encoding="utf-8"?>
+<p:sld xmlns:a="http://schemas.openxmlformats.org/drawingml/2006/main" xmlns:r="http://schemas.openxmlformats.org/officeDocument/2006/relationships" xmlns:p="http://schemas.openxmlformats.org/presentationml/2006/main">
+  <p:cSld>
+    <p:spTree>
+      <p:nvGrpSpPr>
+        <p:cNvPr id="1" name="">
+          <a:extLst>
+            <a:ext uri="{FF2B5EF4-FFF2-40B4-BE49-F238E27FC236}">
+              <a16:creationId xmlns:a16="http://schemas.microsoft.com/office/drawing/2014/main" id="{4D27D0F6-6232-C99A-2132-4FF6148F8505}"/>
+            </a:ext>
+          </a:extLst>
+        </p:cNvPr>
+        <p:cNvGrpSpPr/>
+        <p:nvPr/>
+      </p:nvGrpSpPr>
+      <p:grpSpPr>
+        <a:xfrm>
+          <a:off x="0" y="0"/>
+          <a:ext cx="0" cy="0"/>
+          <a:chOff x="0" y="0"/>
+          <a:chExt cx="0" cy="0"/>
+        </a:xfrm>
+      </p:grpSpPr>
+      <p:sp>
+        <p:nvSpPr>
+          <p:cNvPr id="3" name="Content Placeholder 2">
+            <a:extLst>
+              <a:ext uri="{FF2B5EF4-FFF2-40B4-BE49-F238E27FC236}">
+                <a16:creationId xmlns:a16="http://schemas.microsoft.com/office/drawing/2014/main" id="{B3651D52-C042-1219-D1E4-A9C25161BE74}"/>
+              </a:ext>
+            </a:extLst>
+          </p:cNvPr>
+          <p:cNvSpPr>
+            <a:spLocks noGrp="1"/>
+          </p:cNvSpPr>
+          <p:nvPr>
+            <p:ph idx="1"/>
+          </p:nvPr>
+        </p:nvSpPr>
+        <p:spPr>
+          <a:xfrm>
+            <a:off x="838200" y="1610383"/>
+            <a:ext cx="3968932" cy="5468776"/>
+          </a:xfrm>
+        </p:spPr>
+        <p:txBody>
+          <a:bodyPr>
+            <a:normAutofit/>
+          </a:bodyPr>
+          <a:lstStyle/>
+          <a:p>
+            <a:r>
+              <a:rPr lang="en-US" dirty="0"/>
+              <a:t>Testing frameworks: </a:t>
+            </a:r>
+          </a:p>
+          <a:p>
+            <a:pPr lvl="1"/>
+            <a:r>
+              <a:rPr lang="en-US" dirty="0"/>
+              <a:t>JUnit </a:t>
+            </a:r>
+          </a:p>
+          <a:p>
+            <a:pPr lvl="1"/>
+            <a:r>
+              <a:rPr lang="en-US" dirty="0"/>
+              <a:t>Spock</a:t>
+            </a:r>
+          </a:p>
+          <a:p>
+            <a:pPr lvl="1"/>
+            <a:r>
+              <a:rPr lang="en-US" dirty="0"/>
+              <a:t>TestNG</a:t>
+            </a:r>
+          </a:p>
+          <a:p>
+            <a:pPr lvl="1"/>
+            <a:endParaRPr lang="en-US" dirty="0"/>
+          </a:p>
+          <a:p>
+            <a:r>
+              <a:rPr lang="en-US" dirty="0"/>
+              <a:t>Mocking frameworks</a:t>
+            </a:r>
+          </a:p>
+          <a:p>
+            <a:pPr lvl="1"/>
+            <a:r>
+              <a:rPr lang="en-US" dirty="0"/>
+              <a:t>Mockito</a:t>
+            </a:r>
+          </a:p>
+          <a:p>
+            <a:pPr lvl="1"/>
+            <a:r>
+              <a:rPr lang="en-US" dirty="0" err="1"/>
+              <a:t>PowerMock</a:t>
+            </a:r>
+            <a:endParaRPr lang="en-US" dirty="0"/>
+          </a:p>
+          <a:p>
+            <a:pPr lvl="1"/>
+            <a:r>
+              <a:rPr lang="en-US" dirty="0" err="1"/>
+              <a:t>EasyMock</a:t>
+            </a:r>
+            <a:endParaRPr lang="en-US" dirty="0"/>
+          </a:p>
+          <a:p>
+            <a:pPr lvl="1"/>
+            <a:endParaRPr lang="en-US" dirty="0"/>
+          </a:p>
+          <a:p>
+            <a:endParaRPr lang="en-US" dirty="0"/>
+          </a:p>
+        </p:txBody>
+      </p:sp>
+      <p:sp>
+        <p:nvSpPr>
+          <p:cNvPr id="6" name="Title 1">
+            <a:extLst>
+              <a:ext uri="{FF2B5EF4-FFF2-40B4-BE49-F238E27FC236}">
+                <a16:creationId xmlns:a16="http://schemas.microsoft.com/office/drawing/2014/main" id="{842ED64C-BE6C-9AF6-A9EB-5F3A3FE1B264}"/>
+              </a:ext>
+            </a:extLst>
+          </p:cNvPr>
+          <p:cNvSpPr txBox="1">
+            <a:spLocks/>
+          </p:cNvSpPr>
+          <p:nvPr/>
+        </p:nvSpPr>
+        <p:spPr>
+          <a:xfrm>
+            <a:off x="838200" y="135893"/>
+            <a:ext cx="10515600" cy="1325563"/>
+          </a:xfrm>
+          <a:prstGeom prst="rect">
+            <a:avLst/>
+          </a:prstGeom>
+        </p:spPr>
+        <p:txBody>
+          <a:bodyPr vert="horz" lIns="91440" tIns="45720" rIns="91440" bIns="45720" rtlCol="0" anchor="ctr">
+            <a:normAutofit/>
+          </a:bodyPr>
+          <a:lstStyle>
+            <a:lvl1pPr algn="l" defTabSz="914400" rtl="0" eaLnBrk="1" latinLnBrk="0" hangingPunct="1">
+              <a:lnSpc>
+                <a:spcPct val="90000"/>
+              </a:lnSpc>
+              <a:spcBef>
+                <a:spcPct val="0"/>
+              </a:spcBef>
+              <a:buNone/>
+              <a:defRPr sz="4400" kern="1200">
+                <a:solidFill>
+                  <a:schemeClr val="tx1"/>
+                </a:solidFill>
+                <a:latin typeface="+mj-lt"/>
+                <a:ea typeface="+mj-ea"/>
+                <a:cs typeface="+mj-cs"/>
+              </a:defRPr>
+            </a:lvl1pPr>
+          </a:lstStyle>
+          <a:p>
+            <a:r>
+              <a:rPr lang="en-US" dirty="0"/>
+              <a:t>TDD Java Tools</a:t>
+            </a:r>
+          </a:p>
+        </p:txBody>
+      </p:sp>
+      <p:sp>
+        <p:nvSpPr>
+          <p:cNvPr id="2" name="Content Placeholder 2">
+            <a:extLst>
+              <a:ext uri="{FF2B5EF4-FFF2-40B4-BE49-F238E27FC236}">
+                <a16:creationId xmlns:a16="http://schemas.microsoft.com/office/drawing/2014/main" id="{2F0EF66E-9FF4-0FDE-6E23-B08C5E7C6B8D}"/>
+              </a:ext>
+            </a:extLst>
+          </p:cNvPr>
+          <p:cNvSpPr txBox="1">
+            <a:spLocks/>
+          </p:cNvSpPr>
+          <p:nvPr/>
+        </p:nvSpPr>
+        <p:spPr>
+          <a:xfrm>
+            <a:off x="6633754" y="1610383"/>
+            <a:ext cx="3968932" cy="5468776"/>
+          </a:xfrm>
+          <a:prstGeom prst="rect">
+            <a:avLst/>
+          </a:prstGeom>
+        </p:spPr>
+        <p:txBody>
+          <a:bodyPr vert="horz" lIns="91440" tIns="45720" rIns="91440" bIns="45720" rtlCol="0">
+            <a:normAutofit/>
+          </a:bodyPr>
+          <a:lstStyle>
+            <a:lvl1pPr marL="228600" indent="-228600" algn="l" defTabSz="914400" rtl="0" eaLnBrk="1" latinLnBrk="0" hangingPunct="1">
+              <a:lnSpc>
+                <a:spcPct val="90000"/>
+              </a:lnSpc>
+              <a:spcBef>
+                <a:spcPts val="1000"/>
+              </a:spcBef>
+              <a:buFont typeface="Arial" panose="020B0604020202020204" pitchFamily="34" charset="0"/>
+              <a:buChar char="•"/>
+              <a:defRPr sz="2800" kern="1200">
+                <a:solidFill>
+                  <a:schemeClr val="tx1"/>
+                </a:solidFill>
+                <a:latin typeface="+mn-lt"/>
+                <a:ea typeface="+mn-ea"/>
+                <a:cs typeface="+mn-cs"/>
+              </a:defRPr>
+            </a:lvl1pPr>
+            <a:lvl2pPr marL="685800" indent="-228600" algn="l" defTabSz="914400" rtl="0" eaLnBrk="1" latinLnBrk="0" hangingPunct="1">
+              <a:lnSpc>
+                <a:spcPct val="90000"/>
+              </a:lnSpc>
+              <a:spcBef>
+                <a:spcPts val="500"/>
+              </a:spcBef>
+              <a:buFont typeface="Arial" panose="020B0604020202020204" pitchFamily="34" charset="0"/>
+              <a:buChar char="•"/>
+              <a:defRPr sz="2400" kern="1200">
+                <a:solidFill>
+                  <a:schemeClr val="tx1"/>
+                </a:solidFill>
+                <a:latin typeface="+mn-lt"/>
+                <a:ea typeface="+mn-ea"/>
+                <a:cs typeface="+mn-cs"/>
+              </a:defRPr>
+            </a:lvl2pPr>
+            <a:lvl3pPr marL="1143000" indent="-228600" algn="l" defTabSz="914400" rtl="0" eaLnBrk="1" latinLnBrk="0" hangingPunct="1">
+              <a:lnSpc>
+                <a:spcPct val="90000"/>
+              </a:lnSpc>
+              <a:spcBef>
+                <a:spcPts val="500"/>
+              </a:spcBef>
+              <a:buFont typeface="Arial" panose="020B0604020202020204" pitchFamily="34" charset="0"/>
+              <a:buChar char="•"/>
+              <a:defRPr sz="2000" kern="1200">
+                <a:solidFill>
+                  <a:schemeClr val="tx1"/>
+                </a:solidFill>
+                <a:latin typeface="+mn-lt"/>
+                <a:ea typeface="+mn-ea"/>
+                <a:cs typeface="+mn-cs"/>
+              </a:defRPr>
+            </a:lvl3pPr>
+            <a:lvl4pPr marL="1600200" indent="-228600" algn="l" defTabSz="914400" rtl="0" eaLnBrk="1" latinLnBrk="0" hangingPunct="1">
+              <a:lnSpc>
+                <a:spcPct val="90000"/>
+              </a:lnSpc>
+              <a:spcBef>
+                <a:spcPts val="500"/>
+              </a:spcBef>
+              <a:buFont typeface="Arial" panose="020B0604020202020204" pitchFamily="34" charset="0"/>
+              <a:buChar char="•"/>
+              <a:defRPr sz="1800" kern="1200">
+                <a:solidFill>
+                  <a:schemeClr val="tx1"/>
+                </a:solidFill>
+                <a:latin typeface="+mn-lt"/>
+                <a:ea typeface="+mn-ea"/>
+                <a:cs typeface="+mn-cs"/>
+              </a:defRPr>
+            </a:lvl4pPr>
+            <a:lvl5pPr marL="2057400" indent="-228600" algn="l" defTabSz="914400" rtl="0" eaLnBrk="1" latinLnBrk="0" hangingPunct="1">
+              <a:lnSpc>
+                <a:spcPct val="90000"/>
+              </a:lnSpc>
+              <a:spcBef>
+                <a:spcPts val="500"/>
+              </a:spcBef>
+              <a:buFont typeface="Arial" panose="020B0604020202020204" pitchFamily="34" charset="0"/>
+              <a:buChar char="•"/>
+              <a:defRPr sz="1800" kern="1200">
+                <a:solidFill>
+                  <a:schemeClr val="tx1"/>
+                </a:solidFill>
+                <a:latin typeface="+mn-lt"/>
+                <a:ea typeface="+mn-ea"/>
+                <a:cs typeface="+mn-cs"/>
+              </a:defRPr>
+            </a:lvl5pPr>
+            <a:lvl6pPr marL="2514600" indent="-228600" algn="l" defTabSz="914400" rtl="0" eaLnBrk="1" latinLnBrk="0" hangingPunct="1">
+              <a:lnSpc>
+                <a:spcPct val="90000"/>
+              </a:lnSpc>
+              <a:spcBef>
+                <a:spcPts val="500"/>
+              </a:spcBef>
+              <a:buFont typeface="Arial" panose="020B0604020202020204" pitchFamily="34" charset="0"/>
+              <a:buChar char="•"/>
+              <a:defRPr sz="1800" kern="1200">
+                <a:solidFill>
+                  <a:schemeClr val="tx1"/>
+                </a:solidFill>
+                <a:latin typeface="+mn-lt"/>
+                <a:ea typeface="+mn-ea"/>
+                <a:cs typeface="+mn-cs"/>
+              </a:defRPr>
+            </a:lvl6pPr>
+            <a:lvl7pPr marL="2971800" indent="-228600" algn="l" defTabSz="914400" rtl="0" eaLnBrk="1" latinLnBrk="0" hangingPunct="1">
+              <a:lnSpc>
+                <a:spcPct val="90000"/>
+              </a:lnSpc>
+              <a:spcBef>
+                <a:spcPts val="500"/>
+              </a:spcBef>
+              <a:buFont typeface="Arial" panose="020B0604020202020204" pitchFamily="34" charset="0"/>
+              <a:buChar char="•"/>
+              <a:defRPr sz="1800" kern="1200">
+                <a:solidFill>
+                  <a:schemeClr val="tx1"/>
+                </a:solidFill>
+                <a:latin typeface="+mn-lt"/>
+                <a:ea typeface="+mn-ea"/>
+                <a:cs typeface="+mn-cs"/>
+              </a:defRPr>
+            </a:lvl7pPr>
+            <a:lvl8pPr marL="3429000" indent="-228600" algn="l" defTabSz="914400" rtl="0" eaLnBrk="1" latinLnBrk="0" hangingPunct="1">
+              <a:lnSpc>
+                <a:spcPct val="90000"/>
+              </a:lnSpc>
+              <a:spcBef>
+                <a:spcPts val="500"/>
+              </a:spcBef>
+              <a:buFont typeface="Arial" panose="020B0604020202020204" pitchFamily="34" charset="0"/>
+              <a:buChar char="•"/>
+              <a:defRPr sz="1800" kern="1200">
+                <a:solidFill>
+                  <a:schemeClr val="tx1"/>
+                </a:solidFill>
+                <a:latin typeface="+mn-lt"/>
+                <a:ea typeface="+mn-ea"/>
+                <a:cs typeface="+mn-cs"/>
+              </a:defRPr>
+            </a:lvl8pPr>
+            <a:lvl9pPr marL="3886200" indent="-228600" algn="l" defTabSz="914400" rtl="0" eaLnBrk="1" latinLnBrk="0" hangingPunct="1">
+              <a:lnSpc>
+                <a:spcPct val="90000"/>
+              </a:lnSpc>
+              <a:spcBef>
+                <a:spcPts val="500"/>
+              </a:spcBef>
+              <a:buFont typeface="Arial" panose="020B0604020202020204" pitchFamily="34" charset="0"/>
+              <a:buChar char="•"/>
+              <a:defRPr sz="1800" kern="1200">
+                <a:solidFill>
+                  <a:schemeClr val="tx1"/>
+                </a:solidFill>
+                <a:latin typeface="+mn-lt"/>
+                <a:ea typeface="+mn-ea"/>
+                <a:cs typeface="+mn-cs"/>
+              </a:defRPr>
+            </a:lvl9pPr>
+          </a:lstStyle>
+          <a:p>
+            <a:r>
+              <a:rPr lang="en-US" dirty="0"/>
+              <a:t>Assertion libraries</a:t>
+            </a:r>
+          </a:p>
+          <a:p>
+            <a:pPr lvl="1"/>
+            <a:r>
+              <a:rPr lang="en-US" dirty="0" err="1"/>
+              <a:t>AssertJ</a:t>
+            </a:r>
+            <a:endParaRPr lang="en-US" dirty="0"/>
+          </a:p>
+          <a:p>
+            <a:pPr lvl="1"/>
+            <a:r>
+              <a:rPr lang="en-US" dirty="0" err="1"/>
+              <a:t>Hamcrest</a:t>
+            </a:r>
+            <a:endParaRPr lang="en-US" dirty="0"/>
+          </a:p>
+          <a:p>
+            <a:pPr lvl="1"/>
+            <a:endParaRPr lang="en-US" dirty="0"/>
+          </a:p>
+          <a:p>
+            <a:pPr lvl="1"/>
+            <a:endParaRPr lang="en-US" dirty="0"/>
+          </a:p>
+          <a:p>
+            <a:r>
+              <a:rPr lang="en-US" dirty="0"/>
+              <a:t>Integration testing</a:t>
+            </a:r>
+          </a:p>
+          <a:p>
+            <a:pPr lvl="1"/>
+            <a:r>
+              <a:rPr lang="en-US" dirty="0"/>
+              <a:t>Spring Test</a:t>
+            </a:r>
+          </a:p>
+          <a:p>
+            <a:pPr lvl="1"/>
+            <a:r>
+              <a:rPr lang="en-US" dirty="0" err="1"/>
+              <a:t>Testcontainers</a:t>
+            </a:r>
+            <a:endParaRPr lang="en-US" dirty="0"/>
+          </a:p>
+          <a:p>
+            <a:pPr lvl="1"/>
+            <a:r>
+              <a:rPr lang="en-US" dirty="0" err="1"/>
+              <a:t>WireMock</a:t>
+            </a:r>
+            <a:endParaRPr lang="en-US" dirty="0"/>
+          </a:p>
+          <a:p>
+            <a:pPr lvl="1"/>
+            <a:r>
+              <a:rPr lang="en-US" dirty="0" err="1"/>
+              <a:t>RestAssured</a:t>
+            </a:r>
+            <a:endParaRPr lang="en-US" dirty="0"/>
+          </a:p>
+          <a:p>
+            <a:pPr lvl="1"/>
+            <a:endParaRPr lang="en-US" dirty="0"/>
+          </a:p>
+          <a:p>
+            <a:endParaRPr lang="en-US" dirty="0"/>
+          </a:p>
+        </p:txBody>
+      </p:sp>
+    </p:spTree>
+    <p:extLst>
+      <p:ext uri="{BB962C8B-B14F-4D97-AF65-F5344CB8AC3E}">
+        <p14:creationId xmlns:p14="http://schemas.microsoft.com/office/powerpoint/2010/main" val="3480578621"/>
+      </p:ext>
+    </p:extLst>
+  </p:cSld>
+  <p:clrMapOvr>
+    <a:masterClrMapping/>
+  </p:clrMapOvr>
+</p:sld>
+</file>
+
+<file path=ppt/slides/slide12.xml><?xml version="1.0" encoding="utf-8"?>
+<p:sld xmlns:a="http://schemas.openxmlformats.org/drawingml/2006/main" xmlns:r="http://schemas.openxmlformats.org/officeDocument/2006/relationships" xmlns:p="http://schemas.openxmlformats.org/presentationml/2006/main">
+  <p:cSld>
+    <p:spTree>
+      <p:nvGrpSpPr>
+        <p:cNvPr id="1" name="">
+          <a:extLst>
+            <a:ext uri="{FF2B5EF4-FFF2-40B4-BE49-F238E27FC236}">
+              <a16:creationId xmlns:a16="http://schemas.microsoft.com/office/drawing/2014/main" id="{CA7B4D78-0760-7459-A18D-C4173E22D5E5}"/>
+            </a:ext>
+          </a:extLst>
+        </p:cNvPr>
+        <p:cNvGrpSpPr/>
+        <p:nvPr/>
+      </p:nvGrpSpPr>
+      <p:grpSpPr>
+        <a:xfrm>
+          <a:off x="0" y="0"/>
+          <a:ext cx="0" cy="0"/>
+          <a:chOff x="0" y="0"/>
+          <a:chExt cx="0" cy="0"/>
+        </a:xfrm>
+      </p:grpSpPr>
+      <p:sp>
+        <p:nvSpPr>
+          <p:cNvPr id="3" name="Content Placeholder 2">
+            <a:extLst>
+              <a:ext uri="{FF2B5EF4-FFF2-40B4-BE49-F238E27FC236}">
+                <a16:creationId xmlns:a16="http://schemas.microsoft.com/office/drawing/2014/main" id="{1944AAA0-1FC0-03A8-A1B0-8404D0039FE9}"/>
+              </a:ext>
+            </a:extLst>
+          </p:cNvPr>
+          <p:cNvSpPr>
+            <a:spLocks noGrp="1"/>
+          </p:cNvSpPr>
+          <p:nvPr>
+            <p:ph idx="1"/>
+          </p:nvPr>
+        </p:nvSpPr>
+        <p:spPr/>
+        <p:txBody>
+          <a:bodyPr/>
+          <a:lstStyle/>
+          <a:p>
+            <a:r>
+              <a:rPr lang="en-US" dirty="0"/>
+              <a:t>Download project from </a:t>
+            </a:r>
+            <a:r>
+              <a:rPr lang="en-US" dirty="0">
+                <a:hlinkClick r:id="rId2"/>
+              </a:rPr>
+              <a:t>https://github.com/G2HJei/tdd-workshop</a:t>
+            </a:r>
+            <a:endParaRPr lang="en-US" dirty="0"/>
+          </a:p>
+          <a:p>
+            <a:pPr marL="457200" lvl="1" indent="0">
+              <a:buNone/>
+            </a:pPr>
+            <a:endParaRPr lang="en-US" dirty="0"/>
+          </a:p>
+          <a:p>
+            <a:r>
+              <a:rPr lang="en-US" dirty="0"/>
+              <a:t>Includes </a:t>
+            </a:r>
+          </a:p>
+          <a:p>
+            <a:pPr lvl="1"/>
+            <a:r>
+              <a:rPr lang="en-US" dirty="0"/>
+              <a:t>Mockito &amp; JUnit 5</a:t>
+            </a:r>
+          </a:p>
+          <a:p>
+            <a:pPr lvl="1"/>
+            <a:r>
+              <a:rPr lang="en-US" dirty="0"/>
+              <a:t>Coding kata</a:t>
+            </a:r>
+          </a:p>
+          <a:p>
+            <a:pPr lvl="1"/>
+            <a:r>
+              <a:rPr lang="en-US" dirty="0"/>
+              <a:t>This presentation</a:t>
+            </a:r>
+          </a:p>
+          <a:p>
+            <a:pPr lvl="1"/>
+            <a:endParaRPr lang="en-US" dirty="0"/>
+          </a:p>
+          <a:p>
+            <a:r>
+              <a:rPr lang="en-US" dirty="0"/>
+              <a:t>The goal is to complete the coding kata using TDD principles</a:t>
+            </a:r>
+          </a:p>
+        </p:txBody>
+      </p:sp>
+      <p:sp>
+        <p:nvSpPr>
+          <p:cNvPr id="6" name="Title 1">
+            <a:extLst>
+              <a:ext uri="{FF2B5EF4-FFF2-40B4-BE49-F238E27FC236}">
+                <a16:creationId xmlns:a16="http://schemas.microsoft.com/office/drawing/2014/main" id="{95EE9AF3-8258-591C-2D4A-829CA357CFCF}"/>
+              </a:ext>
+            </a:extLst>
+          </p:cNvPr>
+          <p:cNvSpPr txBox="1">
+            <a:spLocks/>
+          </p:cNvSpPr>
+          <p:nvPr/>
+        </p:nvSpPr>
+        <p:spPr>
+          <a:xfrm>
+            <a:off x="838200" y="135893"/>
+            <a:ext cx="10515600" cy="1325563"/>
+          </a:xfrm>
+          <a:prstGeom prst="rect">
+            <a:avLst/>
+          </a:prstGeom>
+        </p:spPr>
+        <p:txBody>
+          <a:bodyPr vert="horz" lIns="91440" tIns="45720" rIns="91440" bIns="45720" rtlCol="0" anchor="ctr">
+            <a:normAutofit/>
+          </a:bodyPr>
+          <a:lstStyle>
+            <a:lvl1pPr algn="l" defTabSz="914400" rtl="0" eaLnBrk="1" latinLnBrk="0" hangingPunct="1">
+              <a:lnSpc>
+                <a:spcPct val="90000"/>
+              </a:lnSpc>
+              <a:spcBef>
+                <a:spcPct val="0"/>
+              </a:spcBef>
+              <a:buNone/>
+              <a:defRPr sz="4400" kern="1200">
+                <a:solidFill>
+                  <a:schemeClr val="tx1"/>
+                </a:solidFill>
+                <a:latin typeface="+mj-lt"/>
+                <a:ea typeface="+mj-ea"/>
+                <a:cs typeface="+mj-cs"/>
+              </a:defRPr>
+            </a:lvl1pPr>
+          </a:lstStyle>
+          <a:p>
+            <a:r>
+              <a:rPr lang="en-US" dirty="0"/>
+              <a:t>TDD In Practice</a:t>
+            </a:r>
+          </a:p>
+        </p:txBody>
+      </p:sp>
+    </p:spTree>
+    <p:extLst>
+      <p:ext uri="{BB962C8B-B14F-4D97-AF65-F5344CB8AC3E}">
+        <p14:creationId xmlns:p14="http://schemas.microsoft.com/office/powerpoint/2010/main" val="1238871953"/>
+      </p:ext>
+    </p:extLst>
+  </p:cSld>
+  <p:clrMapOvr>
+    <a:masterClrMapping/>
+  </p:clrMapOvr>
+</p:sld>
+</file>
+
+<file path=ppt/slides/slide13.xml><?xml version="1.0" encoding="utf-8"?>
+<p:sld xmlns:a="http://schemas.openxmlformats.org/drawingml/2006/main" xmlns:r="http://schemas.openxmlformats.org/officeDocument/2006/relationships" xmlns:p="http://schemas.openxmlformats.org/presentationml/2006/main">
+  <p:cSld>
+    <p:spTree>
+      <p:nvGrpSpPr>
+        <p:cNvPr id="1" name=""/>
+        <p:cNvGrpSpPr/>
+        <p:nvPr/>
+      </p:nvGrpSpPr>
+      <p:grpSpPr>
+        <a:xfrm>
+          <a:off x="0" y="0"/>
+          <a:ext cx="0" cy="0"/>
+          <a:chOff x="0" y="0"/>
+          <a:chExt cx="0" cy="0"/>
+        </a:xfrm>
+      </p:grpSpPr>
+      <p:sp>
+        <p:nvSpPr>
+          <p:cNvPr id="2" name="Title 1">
+            <a:extLst>
+              <a:ext uri="{FF2B5EF4-FFF2-40B4-BE49-F238E27FC236}">
+                <a16:creationId xmlns:a16="http://schemas.microsoft.com/office/drawing/2014/main" id="{A6D24AAE-5557-E613-751D-53ACFCBE673E}"/>
+              </a:ext>
+            </a:extLst>
+          </p:cNvPr>
+          <p:cNvSpPr>
+            <a:spLocks noGrp="1"/>
+          </p:cNvSpPr>
+          <p:nvPr>
+            <p:ph type="title"/>
+          </p:nvPr>
+        </p:nvSpPr>
+        <p:spPr>
+          <a:xfrm>
+            <a:off x="838200" y="135893"/>
+            <a:ext cx="10515600" cy="1325563"/>
+          </a:xfrm>
+        </p:spPr>
+        <p:txBody>
+          <a:bodyPr/>
+          <a:lstStyle/>
+          <a:p>
+            <a:r>
+              <a:rPr lang="en-US" dirty="0"/>
+              <a:t>TDD Coding Kata: Haiku</a:t>
+            </a:r>
+            <a:endParaRPr lang="en-US" i="1" dirty="0"/>
+          </a:p>
+        </p:txBody>
+      </p:sp>
+      <p:sp>
+        <p:nvSpPr>
+          <p:cNvPr id="3" name="Content Placeholder 2">
+            <a:extLst>
+              <a:ext uri="{FF2B5EF4-FFF2-40B4-BE49-F238E27FC236}">
+                <a16:creationId xmlns:a16="http://schemas.microsoft.com/office/drawing/2014/main" id="{9BFA6C86-BA87-AFD1-E677-B13D35CD6FA2}"/>
+              </a:ext>
+            </a:extLst>
+          </p:cNvPr>
+          <p:cNvSpPr>
+            <a:spLocks noGrp="1"/>
+          </p:cNvSpPr>
+          <p:nvPr>
+            <p:ph idx="1"/>
+          </p:nvPr>
+        </p:nvSpPr>
+        <p:spPr>
+          <a:xfrm>
+            <a:off x="0" y="1248860"/>
+            <a:ext cx="12192000" cy="3577816"/>
+          </a:xfrm>
+        </p:spPr>
+        <p:txBody>
+          <a:bodyPr>
+            <a:normAutofit/>
+          </a:bodyPr>
+          <a:lstStyle/>
+          <a:p>
+            <a:pPr marL="0" indent="0">
+              <a:buNone/>
+            </a:pPr>
+            <a:r>
+              <a:rPr lang="en-US" sz="1800" dirty="0"/>
+              <a:t>Haiku is an ancient form of Japanese poetry. A haiku is a three-line poem with seventeen syllables, where the first and third lines must contain 5 syllables each, while the second line must contain 7. The lines do not have to rhyme. For example:</a:t>
+            </a:r>
+          </a:p>
+          <a:p>
+            <a:pPr marL="0" indent="0">
+              <a:buNone/>
+            </a:pPr>
+            <a:endParaRPr lang="en-US" sz="1800" dirty="0"/>
+          </a:p>
+          <a:p>
+            <a:pPr marL="0" indent="0">
+              <a:buNone/>
+            </a:pPr>
+            <a:r>
+              <a:rPr lang="en-US" sz="1800" dirty="0"/>
+              <a:t>Write a program that will review a haiku and check that each line contains the correct number of syllables. </a:t>
+            </a:r>
+          </a:p>
+          <a:p>
+            <a:pPr marL="0" indent="0">
+              <a:buNone/>
+            </a:pPr>
+            <a:r>
+              <a:rPr lang="en-US" sz="1800" dirty="0"/>
+              <a:t>The input string has at least one row. Each row is a single haiku with exactly 2 slashes separating the haiku lines.</a:t>
+            </a:r>
+          </a:p>
+          <a:p>
+            <a:pPr marL="0" indent="0">
+              <a:buNone/>
+            </a:pPr>
+            <a:r>
+              <a:rPr lang="en-US" sz="1800" dirty="0"/>
+              <a:t>A haiku will contain only lowercase ‘a’-’z’ letters, forward slashes and spaces.</a:t>
+            </a:r>
+          </a:p>
+          <a:p>
+            <a:pPr marL="0" indent="0">
+              <a:buNone/>
+            </a:pPr>
+            <a:r>
+              <a:rPr lang="en-US" sz="1800" dirty="0"/>
+              <a:t>A syllable is every continuous sequence of one or more vowels, where the vowels are ‘a’, ‘e’, ‘I’, ‘o’, ‘u’ and ‘y’. Every word will contain at least one syllable.</a:t>
+            </a:r>
+          </a:p>
+          <a:p>
+            <a:pPr marL="0" indent="0">
+              <a:buNone/>
+            </a:pPr>
+            <a:r>
+              <a:rPr lang="en-US" sz="1800" dirty="0"/>
+              <a:t>For each haiku output a comma-separated single line that contains the number of syllables in each haiku, together with the letter ‘Y’ if the row is a haiku or ‘N’ if it is not a haiku. For example:</a:t>
+            </a:r>
+          </a:p>
+        </p:txBody>
+      </p:sp>
+      <p:sp>
+        <p:nvSpPr>
+          <p:cNvPr id="6" name="TextBox 5">
+            <a:extLst>
+              <a:ext uri="{FF2B5EF4-FFF2-40B4-BE49-F238E27FC236}">
+                <a16:creationId xmlns:a16="http://schemas.microsoft.com/office/drawing/2014/main" id="{9CD6E773-9736-4411-074C-9305FBEC6537}"/>
+              </a:ext>
+            </a:extLst>
+          </p:cNvPr>
+          <p:cNvSpPr txBox="1"/>
+          <p:nvPr/>
+        </p:nvSpPr>
+        <p:spPr>
+          <a:xfrm>
+            <a:off x="86548" y="4658075"/>
+            <a:ext cx="11453566" cy="2031325"/>
+          </a:xfrm>
+          <a:prstGeom prst="rect">
+            <a:avLst/>
+          </a:prstGeom>
+          <a:solidFill>
+            <a:schemeClr val="bg1">
+              <a:lumMod val="95000"/>
+            </a:schemeClr>
+          </a:solidFill>
+        </p:spPr>
+        <p:txBody>
+          <a:bodyPr wrap="square" rtlCol="0">
+            <a:spAutoFit/>
+          </a:bodyPr>
+          <a:lstStyle/>
+          <a:p>
+            <a:r>
+              <a:rPr lang="en-US" dirty="0">
+                <a:latin typeface="Cascadia Code Light" panose="020B0609020000020004" pitchFamily="49" charset="0"/>
+                <a:ea typeface="Cascadia Code Light" panose="020B0609020000020004" pitchFamily="49" charset="0"/>
+                <a:cs typeface="Cascadia Code Light" panose="020B0609020000020004" pitchFamily="49" charset="0"/>
+              </a:rPr>
+              <a:t>INPUT</a:t>
+            </a:r>
+          </a:p>
+          <a:p>
+            <a:r>
+              <a:rPr lang="en-US" dirty="0">
+                <a:latin typeface="Cascadia Code Light" panose="020B0609020000020004" pitchFamily="49" charset="0"/>
+                <a:ea typeface="Cascadia Code Light" panose="020B0609020000020004" pitchFamily="49" charset="0"/>
+                <a:cs typeface="Cascadia Code Light" panose="020B0609020000020004" pitchFamily="49" charset="0"/>
+              </a:rPr>
+              <a:t>happy purple frog/eating bugs in the marshes/get indigestion</a:t>
+            </a:r>
+          </a:p>
+          <a:p>
+            <a:r>
+              <a:rPr lang="en-US" dirty="0">
+                <a:latin typeface="Cascadia Code Light" panose="020B0609020000020004" pitchFamily="49" charset="0"/>
+                <a:ea typeface="Cascadia Code Light" panose="020B0609020000020004" pitchFamily="49" charset="0"/>
+                <a:cs typeface="Cascadia Code Light" panose="020B0609020000020004" pitchFamily="49" charset="0"/>
+              </a:rPr>
+              <a:t>computer programs/the bugs try to eat my code/</a:t>
+            </a:r>
+            <a:r>
+              <a:rPr lang="en-US" dirty="0" err="1">
+                <a:latin typeface="Cascadia Code Light" panose="020B0609020000020004" pitchFamily="49" charset="0"/>
+                <a:ea typeface="Cascadia Code Light" panose="020B0609020000020004" pitchFamily="49" charset="0"/>
+                <a:cs typeface="Cascadia Code Light" panose="020B0609020000020004" pitchFamily="49" charset="0"/>
+              </a:rPr>
+              <a:t>i</a:t>
+            </a:r>
+            <a:r>
+              <a:rPr lang="en-US" dirty="0">
+                <a:latin typeface="Cascadia Code Light" panose="020B0609020000020004" pitchFamily="49" charset="0"/>
+                <a:ea typeface="Cascadia Code Light" panose="020B0609020000020004" pitchFamily="49" charset="0"/>
+                <a:cs typeface="Cascadia Code Light" panose="020B0609020000020004" pitchFamily="49" charset="0"/>
+              </a:rPr>
+              <a:t> will not let them</a:t>
+            </a:r>
+          </a:p>
+          <a:p>
+            <a:endParaRPr lang="en-US" dirty="0">
+              <a:latin typeface="Cascadia Code Light" panose="020B0609020000020004" pitchFamily="49" charset="0"/>
+              <a:ea typeface="Cascadia Code Light" panose="020B0609020000020004" pitchFamily="49" charset="0"/>
+              <a:cs typeface="Cascadia Code Light" panose="020B0609020000020004" pitchFamily="49" charset="0"/>
+            </a:endParaRPr>
+          </a:p>
+          <a:p>
+            <a:r>
+              <a:rPr lang="en-US" dirty="0">
+                <a:latin typeface="Cascadia Code Light" panose="020B0609020000020004" pitchFamily="49" charset="0"/>
+                <a:ea typeface="Cascadia Code Light" panose="020B0609020000020004" pitchFamily="49" charset="0"/>
+                <a:cs typeface="Cascadia Code Light" panose="020B0609020000020004" pitchFamily="49" charset="0"/>
+              </a:rPr>
+              <a:t>OUTPUT</a:t>
+            </a:r>
+          </a:p>
+          <a:p>
+            <a:r>
+              <a:rPr lang="en-US" dirty="0">
+                <a:latin typeface="Cascadia Code Light" panose="020B0609020000020004" pitchFamily="49" charset="0"/>
+                <a:ea typeface="Cascadia Code Light" panose="020B0609020000020004" pitchFamily="49" charset="0"/>
+                <a:cs typeface="Cascadia Code Light" panose="020B0609020000020004" pitchFamily="49" charset="0"/>
+              </a:rPr>
+              <a:t>5,7,5,Y</a:t>
+            </a:r>
+          </a:p>
+          <a:p>
+            <a:r>
+              <a:rPr lang="en-US" dirty="0">
+                <a:latin typeface="Cascadia Code Light" panose="020B0609020000020004" pitchFamily="49" charset="0"/>
+                <a:ea typeface="Cascadia Code Light" panose="020B0609020000020004" pitchFamily="49" charset="0"/>
+                <a:cs typeface="Cascadia Code Light" panose="020B0609020000020004" pitchFamily="49" charset="0"/>
+              </a:rPr>
+              <a:t>5,8,5,N</a:t>
+            </a:r>
+          </a:p>
+        </p:txBody>
+      </p:sp>
+      <p:sp>
+        <p:nvSpPr>
+          <p:cNvPr id="8" name="TextBox 7">
+            <a:extLst>
+              <a:ext uri="{FF2B5EF4-FFF2-40B4-BE49-F238E27FC236}">
+                <a16:creationId xmlns:a16="http://schemas.microsoft.com/office/drawing/2014/main" id="{A2718869-C526-929F-C3D1-1115A1259F5E}"/>
+              </a:ext>
+            </a:extLst>
+          </p:cNvPr>
+          <p:cNvSpPr txBox="1"/>
+          <p:nvPr/>
+        </p:nvSpPr>
+        <p:spPr>
+          <a:xfrm>
+            <a:off x="86548" y="1770477"/>
+            <a:ext cx="9188081" cy="369332"/>
+          </a:xfrm>
+          <a:prstGeom prst="rect">
+            <a:avLst/>
+          </a:prstGeom>
+          <a:solidFill>
+            <a:schemeClr val="bg1">
+              <a:lumMod val="95000"/>
+            </a:schemeClr>
+          </a:solidFill>
+        </p:spPr>
+        <p:txBody>
+          <a:bodyPr wrap="square" rtlCol="0">
+            <a:spAutoFit/>
+          </a:bodyPr>
+          <a:lstStyle/>
+          <a:p>
+            <a:r>
+              <a:rPr lang="en-US" dirty="0">
+                <a:latin typeface="Cascadia Code Light" panose="020B0609020000020004" pitchFamily="49" charset="0"/>
+                <a:ea typeface="Cascadia Code Light" panose="020B0609020000020004" pitchFamily="49" charset="0"/>
+                <a:cs typeface="Cascadia Code Light" panose="020B0609020000020004" pitchFamily="49" charset="0"/>
+              </a:rPr>
+              <a:t>computer programs/bugs try to eat my code/</a:t>
+            </a:r>
+            <a:r>
+              <a:rPr lang="en-US" dirty="0" err="1">
+                <a:latin typeface="Cascadia Code Light" panose="020B0609020000020004" pitchFamily="49" charset="0"/>
+                <a:ea typeface="Cascadia Code Light" panose="020B0609020000020004" pitchFamily="49" charset="0"/>
+                <a:cs typeface="Cascadia Code Light" panose="020B0609020000020004" pitchFamily="49" charset="0"/>
+              </a:rPr>
+              <a:t>i</a:t>
+            </a:r>
+            <a:r>
+              <a:rPr lang="en-US" dirty="0">
+                <a:latin typeface="Cascadia Code Light" panose="020B0609020000020004" pitchFamily="49" charset="0"/>
+                <a:ea typeface="Cascadia Code Light" panose="020B0609020000020004" pitchFamily="49" charset="0"/>
+                <a:cs typeface="Cascadia Code Light" panose="020B0609020000020004" pitchFamily="49" charset="0"/>
+              </a:rPr>
+              <a:t> must not let them</a:t>
+            </a:r>
+          </a:p>
+        </p:txBody>
+      </p:sp>
+    </p:spTree>
+    <p:extLst>
+      <p:ext uri="{BB962C8B-B14F-4D97-AF65-F5344CB8AC3E}">
+        <p14:creationId xmlns:p14="http://schemas.microsoft.com/office/powerpoint/2010/main" val="1826242265"/>
+      </p:ext>
+    </p:extLst>
+  </p:cSld>
+  <p:clrMapOvr>
+    <a:masterClrMapping/>
+  </p:clrMapOvr>
+</p:sld>
+</file>
+
+<file path=ppt/slides/slide14.xml><?xml version="1.0" encoding="utf-8"?>
+<p:sld xmlns:a="http://schemas.openxmlformats.org/drawingml/2006/main" xmlns:r="http://schemas.openxmlformats.org/officeDocument/2006/relationships" xmlns:p="http://schemas.openxmlformats.org/presentationml/2006/main">
+  <p:cSld>
+    <p:spTree>
+      <p:nvGrpSpPr>
+        <p:cNvPr id="1" name="">
+          <a:extLst>
+            <a:ext uri="{FF2B5EF4-FFF2-40B4-BE49-F238E27FC236}">
+              <a16:creationId xmlns:a16="http://schemas.microsoft.com/office/drawing/2014/main" id="{6942EA39-279F-8E77-63CD-48BC849ECEE3}"/>
+            </a:ext>
+          </a:extLst>
+        </p:cNvPr>
+        <p:cNvGrpSpPr/>
+        <p:nvPr/>
+      </p:nvGrpSpPr>
+      <p:grpSpPr>
+        <a:xfrm>
+          <a:off x="0" y="0"/>
+          <a:ext cx="0" cy="0"/>
+          <a:chOff x="0" y="0"/>
+          <a:chExt cx="0" cy="0"/>
+        </a:xfrm>
+      </p:grpSpPr>
+      <p:sp>
+        <p:nvSpPr>
+          <p:cNvPr id="2" name="Title 1">
+            <a:extLst>
+              <a:ext uri="{FF2B5EF4-FFF2-40B4-BE49-F238E27FC236}">
+                <a16:creationId xmlns:a16="http://schemas.microsoft.com/office/drawing/2014/main" id="{2065EF0D-6389-C348-92D9-97466A3F35AB}"/>
+              </a:ext>
+            </a:extLst>
+          </p:cNvPr>
+          <p:cNvSpPr>
+            <a:spLocks noGrp="1"/>
+          </p:cNvSpPr>
+          <p:nvPr>
+            <p:ph type="title"/>
+          </p:nvPr>
+        </p:nvSpPr>
+        <p:spPr>
+          <a:xfrm>
+            <a:off x="838200" y="135893"/>
+            <a:ext cx="10515600" cy="1325563"/>
+          </a:xfrm>
+        </p:spPr>
+        <p:txBody>
+          <a:bodyPr/>
+          <a:lstStyle/>
+          <a:p>
+            <a:r>
+              <a:rPr lang="en-US" dirty="0"/>
+              <a:t>TDD Coding Kata: Birthday Emails		</a:t>
+            </a:r>
+            <a:r>
+              <a:rPr lang="en-US" i="1" dirty="0"/>
+              <a:t>1/2</a:t>
+            </a:r>
+          </a:p>
+        </p:txBody>
+      </p:sp>
+      <p:sp>
+        <p:nvSpPr>
+          <p:cNvPr id="3" name="Content Placeholder 2">
+            <a:extLst>
+              <a:ext uri="{FF2B5EF4-FFF2-40B4-BE49-F238E27FC236}">
+                <a16:creationId xmlns:a16="http://schemas.microsoft.com/office/drawing/2014/main" id="{6854A455-FE24-3C40-E74D-A7DA83ECE864}"/>
+              </a:ext>
+            </a:extLst>
+          </p:cNvPr>
+          <p:cNvSpPr>
+            <a:spLocks noGrp="1"/>
+          </p:cNvSpPr>
+          <p:nvPr>
+            <p:ph idx="1"/>
+          </p:nvPr>
+        </p:nvSpPr>
+        <p:spPr>
+          <a:xfrm>
+            <a:off x="838200" y="1414020"/>
+            <a:ext cx="10515600" cy="5363851"/>
+          </a:xfrm>
+        </p:spPr>
+        <p:txBody>
+          <a:bodyPr>
+            <a:normAutofit lnSpcReduction="10000"/>
+          </a:bodyPr>
+          <a:lstStyle/>
+          <a:p>
+            <a:r>
+              <a:rPr lang="en-US" sz="2000" dirty="0"/>
+              <a:t>Write a program that</a:t>
+            </a:r>
+          </a:p>
+          <a:p>
+            <a:pPr lvl="1"/>
+            <a:r>
+              <a:rPr lang="en-US" sz="1800" dirty="0"/>
+              <a:t>Loads a set of employee records from a flat file</a:t>
+            </a:r>
+          </a:p>
+          <a:p>
+            <a:pPr lvl="1"/>
+            <a:r>
+              <a:rPr lang="en-US" sz="1800" dirty="0"/>
+              <a:t>Sends a greetings email to all employees whose birthday is today</a:t>
+            </a:r>
+          </a:p>
+          <a:p>
+            <a:pPr lvl="1"/>
+            <a:r>
+              <a:rPr lang="en-US" sz="1800" dirty="0"/>
+              <a:t>The flat file is a sequence of records, separated by newlines; this are the first few lines:</a:t>
+            </a:r>
+          </a:p>
+          <a:p>
+            <a:pPr marL="914400" lvl="2" indent="0">
+              <a:buNone/>
+            </a:pPr>
+            <a:endParaRPr lang="en-US" sz="1400" dirty="0">
+              <a:latin typeface="Cascadia Mono ExtraLight" panose="020B0609020000020004" pitchFamily="49" charset="0"/>
+              <a:ea typeface="Cascadia Mono ExtraLight" panose="020B0609020000020004" pitchFamily="49" charset="0"/>
+              <a:cs typeface="Cascadia Mono ExtraLight" panose="020B0609020000020004" pitchFamily="49" charset="0"/>
+            </a:endParaRPr>
+          </a:p>
+          <a:p>
+            <a:pPr marL="914400" lvl="2" indent="0">
+              <a:buNone/>
+            </a:pPr>
+            <a:endParaRPr lang="en-US" dirty="0"/>
+          </a:p>
+          <a:p>
+            <a:pPr marL="914400" lvl="2" indent="0">
+              <a:buNone/>
+            </a:pPr>
+            <a:endParaRPr lang="en-US" dirty="0"/>
+          </a:p>
+          <a:p>
+            <a:pPr marL="914400" lvl="2" indent="0">
+              <a:buNone/>
+            </a:pPr>
+            <a:endParaRPr lang="en-US" dirty="0"/>
+          </a:p>
+          <a:p>
+            <a:pPr lvl="1"/>
+            <a:endParaRPr lang="en-US" sz="1800" dirty="0"/>
+          </a:p>
+          <a:p>
+            <a:pPr lvl="1"/>
+            <a:r>
+              <a:rPr lang="en-US" sz="1800" dirty="0"/>
+              <a:t>The greetings email contains the following text:</a:t>
+            </a:r>
+          </a:p>
+          <a:p>
+            <a:pPr lvl="1"/>
+            <a:endParaRPr lang="en-US" sz="1800" dirty="0"/>
+          </a:p>
+          <a:p>
+            <a:pPr marL="914400" lvl="2" indent="0">
+              <a:buNone/>
+            </a:pPr>
+            <a:endParaRPr lang="en-US" sz="1400" dirty="0">
+              <a:latin typeface="Cascadia Code Light" panose="020B0609020000020004" pitchFamily="49" charset="0"/>
+              <a:ea typeface="Cascadia Code Light" panose="020B0609020000020004" pitchFamily="49" charset="0"/>
+              <a:cs typeface="Cascadia Code Light" panose="020B0609020000020004" pitchFamily="49" charset="0"/>
+            </a:endParaRPr>
+          </a:p>
+          <a:p>
+            <a:pPr marL="914400" lvl="2" indent="0">
+              <a:buNone/>
+            </a:pPr>
+            <a:endParaRPr lang="en-US" sz="1400" dirty="0">
+              <a:latin typeface="Cascadia Code Light" panose="020B0609020000020004" pitchFamily="49" charset="0"/>
+              <a:ea typeface="Cascadia Code Light" panose="020B0609020000020004" pitchFamily="49" charset="0"/>
+              <a:cs typeface="Cascadia Code Light" panose="020B0609020000020004" pitchFamily="49" charset="0"/>
+            </a:endParaRPr>
+          </a:p>
+          <a:p>
+            <a:pPr marL="914400" lvl="2" indent="0">
+              <a:buNone/>
+            </a:pPr>
+            <a:endParaRPr lang="en-US" sz="1400" dirty="0">
+              <a:latin typeface="Cascadia Code Light" panose="020B0609020000020004" pitchFamily="49" charset="0"/>
+              <a:ea typeface="Cascadia Code Light" panose="020B0609020000020004" pitchFamily="49" charset="0"/>
+              <a:cs typeface="Cascadia Code Light" panose="020B0609020000020004" pitchFamily="49" charset="0"/>
+            </a:endParaRPr>
+          </a:p>
+          <a:p>
+            <a:pPr marL="457200" lvl="1" indent="0">
+              <a:buNone/>
+            </a:pPr>
+            <a:r>
+              <a:rPr lang="en-US" sz="1800" dirty="0"/>
+              <a:t>	with the first name of the employee substituted for “John”.</a:t>
+            </a:r>
+          </a:p>
+          <a:p>
+            <a:pPr lvl="1"/>
+            <a:endParaRPr lang="en-US" sz="1800" dirty="0"/>
+          </a:p>
+          <a:p>
+            <a:pPr lvl="1"/>
+            <a:r>
+              <a:rPr lang="en-US" sz="1800" dirty="0"/>
+              <a:t>People born on a 29th of February should be sent greetings on the 28th of February, except in leap years, when they will get their greetings on the 29th.</a:t>
+            </a:r>
+          </a:p>
+        </p:txBody>
+      </p:sp>
+      <p:sp>
+        <p:nvSpPr>
+          <p:cNvPr id="6" name="TextBox 5">
+            <a:extLst>
+              <a:ext uri="{FF2B5EF4-FFF2-40B4-BE49-F238E27FC236}">
+                <a16:creationId xmlns:a16="http://schemas.microsoft.com/office/drawing/2014/main" id="{7CECCB24-4A2E-BF30-A011-218BA9AC5C39}"/>
+              </a:ext>
+            </a:extLst>
+          </p:cNvPr>
+          <p:cNvSpPr txBox="1"/>
+          <p:nvPr/>
+        </p:nvSpPr>
+        <p:spPr>
+          <a:xfrm>
+            <a:off x="1781667" y="4344498"/>
+            <a:ext cx="4854804" cy="923330"/>
+          </a:xfrm>
+          <a:prstGeom prst="rect">
+            <a:avLst/>
+          </a:prstGeom>
+          <a:solidFill>
+            <a:schemeClr val="bg1">
+              <a:lumMod val="95000"/>
+            </a:schemeClr>
+          </a:solidFill>
+        </p:spPr>
+        <p:txBody>
+          <a:bodyPr wrap="square" rtlCol="0">
+            <a:spAutoFit/>
+          </a:bodyPr>
+          <a:lstStyle/>
+          <a:p>
+            <a:r>
+              <a:rPr lang="en-US" dirty="0">
+                <a:latin typeface="Cascadia Code Light" panose="020B0609020000020004" pitchFamily="49" charset="0"/>
+                <a:ea typeface="Cascadia Code Light" panose="020B0609020000020004" pitchFamily="49" charset="0"/>
+                <a:cs typeface="Cascadia Code Light" panose="020B0609020000020004" pitchFamily="49" charset="0"/>
+              </a:rPr>
+              <a:t>Subject: Happy birthday!</a:t>
+            </a:r>
+          </a:p>
+          <a:p>
+            <a:endParaRPr lang="en-US" dirty="0">
+              <a:latin typeface="Cascadia Code Light" panose="020B0609020000020004" pitchFamily="49" charset="0"/>
+              <a:ea typeface="Cascadia Code Light" panose="020B0609020000020004" pitchFamily="49" charset="0"/>
+              <a:cs typeface="Cascadia Code Light" panose="020B0609020000020004" pitchFamily="49" charset="0"/>
+            </a:endParaRPr>
+          </a:p>
+          <a:p>
+            <a:r>
+              <a:rPr lang="en-US" dirty="0">
+                <a:latin typeface="Cascadia Code Light" panose="020B0609020000020004" pitchFamily="49" charset="0"/>
+                <a:ea typeface="Cascadia Code Light" panose="020B0609020000020004" pitchFamily="49" charset="0"/>
+                <a:cs typeface="Cascadia Code Light" panose="020B0609020000020004" pitchFamily="49" charset="0"/>
+              </a:rPr>
+              <a:t>Happy birthday, dear John!</a:t>
+            </a:r>
+          </a:p>
+        </p:txBody>
+      </p:sp>
+      <p:sp>
+        <p:nvSpPr>
+          <p:cNvPr id="8" name="TextBox 7">
+            <a:extLst>
+              <a:ext uri="{FF2B5EF4-FFF2-40B4-BE49-F238E27FC236}">
+                <a16:creationId xmlns:a16="http://schemas.microsoft.com/office/drawing/2014/main" id="{7BA2DBCF-E98E-F1F2-E3AD-75627242E0BD}"/>
+              </a:ext>
+            </a:extLst>
+          </p:cNvPr>
+          <p:cNvSpPr txBox="1"/>
+          <p:nvPr/>
+        </p:nvSpPr>
+        <p:spPr>
+          <a:xfrm>
+            <a:off x="1687399" y="2834455"/>
+            <a:ext cx="6947554" cy="923330"/>
+          </a:xfrm>
+          <a:prstGeom prst="rect">
+            <a:avLst/>
+          </a:prstGeom>
+          <a:solidFill>
+            <a:schemeClr val="bg1">
+              <a:lumMod val="95000"/>
+            </a:schemeClr>
+          </a:solidFill>
+        </p:spPr>
+        <p:txBody>
+          <a:bodyPr wrap="square" rtlCol="0">
+            <a:spAutoFit/>
+          </a:bodyPr>
+          <a:lstStyle/>
+          <a:p>
+            <a:r>
+              <a:rPr lang="en-US" dirty="0" err="1">
+                <a:latin typeface="Cascadia Code Light" panose="020B0609020000020004" pitchFamily="49" charset="0"/>
+                <a:ea typeface="Cascadia Code Light" panose="020B0609020000020004" pitchFamily="49" charset="0"/>
+                <a:cs typeface="Cascadia Code Light" panose="020B0609020000020004" pitchFamily="49" charset="0"/>
+              </a:rPr>
+              <a:t>last_name</a:t>
+            </a:r>
+            <a:r>
+              <a:rPr lang="en-US" dirty="0">
+                <a:latin typeface="Cascadia Code Light" panose="020B0609020000020004" pitchFamily="49" charset="0"/>
+                <a:ea typeface="Cascadia Code Light" panose="020B0609020000020004" pitchFamily="49" charset="0"/>
+                <a:cs typeface="Cascadia Code Light" panose="020B0609020000020004" pitchFamily="49" charset="0"/>
+              </a:rPr>
+              <a:t>, </a:t>
+            </a:r>
+            <a:r>
+              <a:rPr lang="en-US" dirty="0" err="1">
+                <a:latin typeface="Cascadia Code Light" panose="020B0609020000020004" pitchFamily="49" charset="0"/>
+                <a:ea typeface="Cascadia Code Light" panose="020B0609020000020004" pitchFamily="49" charset="0"/>
+                <a:cs typeface="Cascadia Code Light" panose="020B0609020000020004" pitchFamily="49" charset="0"/>
+              </a:rPr>
+              <a:t>first_name</a:t>
+            </a:r>
+            <a:r>
+              <a:rPr lang="en-US" dirty="0">
+                <a:latin typeface="Cascadia Code Light" panose="020B0609020000020004" pitchFamily="49" charset="0"/>
+                <a:ea typeface="Cascadia Code Light" panose="020B0609020000020004" pitchFamily="49" charset="0"/>
+                <a:cs typeface="Cascadia Code Light" panose="020B0609020000020004" pitchFamily="49" charset="0"/>
+              </a:rPr>
+              <a:t>, </a:t>
+            </a:r>
+            <a:r>
+              <a:rPr lang="en-US" dirty="0" err="1">
+                <a:latin typeface="Cascadia Code Light" panose="020B0609020000020004" pitchFamily="49" charset="0"/>
+                <a:ea typeface="Cascadia Code Light" panose="020B0609020000020004" pitchFamily="49" charset="0"/>
+                <a:cs typeface="Cascadia Code Light" panose="020B0609020000020004" pitchFamily="49" charset="0"/>
+              </a:rPr>
+              <a:t>date_of_birth</a:t>
+            </a:r>
+            <a:r>
+              <a:rPr lang="en-US" dirty="0">
+                <a:latin typeface="Cascadia Code Light" panose="020B0609020000020004" pitchFamily="49" charset="0"/>
+                <a:ea typeface="Cascadia Code Light" panose="020B0609020000020004" pitchFamily="49" charset="0"/>
+                <a:cs typeface="Cascadia Code Light" panose="020B0609020000020004" pitchFamily="49" charset="0"/>
+              </a:rPr>
+              <a:t>, email</a:t>
+            </a:r>
+          </a:p>
+          <a:p>
+            <a:r>
+              <a:rPr lang="en-US" dirty="0">
+                <a:latin typeface="Cascadia Code Light" panose="020B0609020000020004" pitchFamily="49" charset="0"/>
+                <a:ea typeface="Cascadia Code Light" panose="020B0609020000020004" pitchFamily="49" charset="0"/>
+                <a:cs typeface="Cascadia Code Light" panose="020B0609020000020004" pitchFamily="49" charset="0"/>
+              </a:rPr>
+              <a:t>Doe, John, 1982/10/08, john.doe@foobar.com</a:t>
+            </a:r>
+          </a:p>
+          <a:p>
+            <a:r>
+              <a:rPr lang="en-US" dirty="0">
+                <a:latin typeface="Cascadia Code Light" panose="020B0609020000020004" pitchFamily="49" charset="0"/>
+                <a:ea typeface="Cascadia Code Light" panose="020B0609020000020004" pitchFamily="49" charset="0"/>
+                <a:cs typeface="Cascadia Code Light" panose="020B0609020000020004" pitchFamily="49" charset="0"/>
+              </a:rPr>
+              <a:t>Ann, Mary, 1975/09/11, mary.ann@mail.co.uk</a:t>
+            </a:r>
+          </a:p>
+        </p:txBody>
+      </p:sp>
+      <p:sp>
+        <p:nvSpPr>
+          <p:cNvPr id="4" name="Rectangle 1">
+            <a:extLst>
+              <a:ext uri="{FF2B5EF4-FFF2-40B4-BE49-F238E27FC236}">
+                <a16:creationId xmlns:a16="http://schemas.microsoft.com/office/drawing/2014/main" id="{4DFAE839-F3C9-E1A3-5DA6-D179E29722A4}"/>
+              </a:ext>
+            </a:extLst>
+          </p:cNvPr>
+          <p:cNvSpPr>
+            <a:spLocks noChangeArrowheads="1"/>
+          </p:cNvSpPr>
+          <p:nvPr/>
+        </p:nvSpPr>
+        <p:spPr bwMode="auto">
+          <a:xfrm>
+            <a:off x="0" y="0"/>
+            <a:ext cx="12192000" cy="457200"/>
+          </a:xfrm>
+          <a:prstGeom prst="rect">
+            <a:avLst/>
+          </a:prstGeom>
+          <a:solidFill>
+            <a:srgbClr val="1E1F22"/>
+          </a:solidFill>
+          <a:ln>
+            <a:noFill/>
+          </a:ln>
+          <a:effectLst/>
+          <a:extLst>
+            <a:ext uri="{91240B29-F687-4F45-9708-019B960494DF}">
+              <a14:hiddenLine xmlns:a14="http://schemas.microsoft.com/office/drawing/2010/main" w="9525">
+                <a:solidFill>
+                  <a:schemeClr val="tx1"/>
+                </a:solidFill>
+                <a:miter lim="800000"/>
+                <a:headEnd/>
+                <a:tailEnd/>
+              </a14:hiddenLine>
+            </a:ext>
+            <a:ext uri="{AF507438-7753-43E0-B8FC-AC1667EBCBE1}">
+              <a14:hiddenEffects xmlns:a14="http://schemas.microsoft.com/office/drawing/2010/main">
+                <a:effectLst>
+                  <a:outerShdw dist="35921" dir="2700000" algn="ctr" rotWithShape="0">
+                    <a:schemeClr val="bg2"/>
+                  </a:outerShdw>
+                </a:effectLst>
+              </a14:hiddenEffects>
+            </a:ext>
+          </a:extLst>
+        </p:spPr>
+        <p:txBody>
+          <a:bodyPr vert="horz" wrap="none" lIns="91440" tIns="45720" rIns="91440" bIns="45720" numCol="1" anchor="ctr" anchorCtr="0" compatLnSpc="1">
+            <a:prstTxWarp prst="textNoShape">
+              <a:avLst/>
+            </a:prstTxWarp>
+            <a:spAutoFit/>
+          </a:bodyPr>
+          <a:lstStyle/>
+          <a:p>
+            <a:pPr marL="0" marR="0" lvl="0" indent="0" algn="l" defTabSz="914400" rtl="0" eaLnBrk="0" fontAlgn="base" latinLnBrk="0" hangingPunct="0">
+              <a:lnSpc>
+                <a:spcPct val="100000"/>
+              </a:lnSpc>
+              <a:spcBef>
+                <a:spcPct val="0"/>
+              </a:spcBef>
+              <a:spcAft>
+                <a:spcPct val="0"/>
+              </a:spcAft>
+              <a:buClrTx/>
+              <a:buSzTx/>
+              <a:buFontTx/>
+              <a:buNone/>
+              <a:tabLst/>
+            </a:pPr>
+            <a:r>
+              <a:rPr kumimoji="0" lang="en-US" altLang="en-US" sz="1000" b="0" i="0" u="none" strike="noStrike" cap="none" normalizeH="0" baseline="0">
+                <a:ln>
+                  <a:noFill/>
+                </a:ln>
+                <a:solidFill>
+                  <a:srgbClr val="BCBEC4"/>
+                </a:solidFill>
+                <a:effectLst/>
+                <a:latin typeface="JetBrains Mono"/>
+              </a:rPr>
+              <a:t>Ann, Mary, 1975/09/11, mary.ann@mail.co.uk</a:t>
+            </a:r>
+            <a:endParaRPr kumimoji="0" lang="en-US" altLang="en-US" sz="1800" b="0" i="0" u="none" strike="noStrike" cap="none" normalizeH="0" baseline="0">
+              <a:ln>
+                <a:noFill/>
+              </a:ln>
+              <a:solidFill>
+                <a:schemeClr val="tx1"/>
+              </a:solidFill>
+              <a:effectLst/>
+              <a:latin typeface="Arial" panose="020B0604020202020204" pitchFamily="34" charset="0"/>
+            </a:endParaRPr>
+          </a:p>
+        </p:txBody>
+      </p:sp>
+    </p:spTree>
+    <p:extLst>
+      <p:ext uri="{BB962C8B-B14F-4D97-AF65-F5344CB8AC3E}">
+        <p14:creationId xmlns:p14="http://schemas.microsoft.com/office/powerpoint/2010/main" val="1529847761"/>
+      </p:ext>
+    </p:extLst>
+  </p:cSld>
+  <p:clrMapOvr>
+    <a:masterClrMapping/>
+  </p:clrMapOvr>
+</p:sld>
+</file>
+
+<file path=ppt/slides/slide15.xml><?xml version="1.0" encoding="utf-8"?>
+<p:sld xmlns:a="http://schemas.openxmlformats.org/drawingml/2006/main" xmlns:r="http://schemas.openxmlformats.org/officeDocument/2006/relationships" xmlns:p="http://schemas.openxmlformats.org/presentationml/2006/main">
+  <p:cSld>
+    <p:spTree>
+      <p:nvGrpSpPr>
+        <p:cNvPr id="1" name="">
+          <a:extLst>
+            <a:ext uri="{FF2B5EF4-FFF2-40B4-BE49-F238E27FC236}">
+              <a16:creationId xmlns:a16="http://schemas.microsoft.com/office/drawing/2014/main" id="{CBF7BBA3-FCA0-5FAE-57DF-E91F7F97E623}"/>
+            </a:ext>
+          </a:extLst>
+        </p:cNvPr>
+        <p:cNvGrpSpPr/>
+        <p:nvPr/>
+      </p:nvGrpSpPr>
+      <p:grpSpPr>
+        <a:xfrm>
+          <a:off x="0" y="0"/>
+          <a:ext cx="0" cy="0"/>
+          <a:chOff x="0" y="0"/>
+          <a:chExt cx="0" cy="0"/>
+        </a:xfrm>
+      </p:grpSpPr>
+      <p:sp>
+        <p:nvSpPr>
+          <p:cNvPr id="2" name="Title 1">
+            <a:extLst>
+              <a:ext uri="{FF2B5EF4-FFF2-40B4-BE49-F238E27FC236}">
+                <a16:creationId xmlns:a16="http://schemas.microsoft.com/office/drawing/2014/main" id="{2EBF9CC6-0F90-6611-F073-F26E9584511D}"/>
+              </a:ext>
+            </a:extLst>
+          </p:cNvPr>
+          <p:cNvSpPr>
+            <a:spLocks noGrp="1"/>
+          </p:cNvSpPr>
+          <p:nvPr>
+            <p:ph type="title"/>
+          </p:nvPr>
+        </p:nvSpPr>
+        <p:spPr>
+          <a:xfrm>
+            <a:off x="838200" y="135893"/>
+            <a:ext cx="10515600" cy="1325563"/>
+          </a:xfrm>
+        </p:spPr>
+        <p:txBody>
+          <a:bodyPr/>
+          <a:lstStyle/>
+          <a:p>
+            <a:r>
+              <a:rPr lang="en-US" dirty="0"/>
+              <a:t>TDD Coding Kata: Birthday Emails 		</a:t>
+            </a:r>
+            <a:r>
+              <a:rPr lang="en-US" i="1" dirty="0"/>
+              <a:t>2/2</a:t>
+            </a:r>
+          </a:p>
+        </p:txBody>
+      </p:sp>
+      <p:sp>
+        <p:nvSpPr>
+          <p:cNvPr id="3" name="Content Placeholder 2">
+            <a:extLst>
+              <a:ext uri="{FF2B5EF4-FFF2-40B4-BE49-F238E27FC236}">
+                <a16:creationId xmlns:a16="http://schemas.microsoft.com/office/drawing/2014/main" id="{11FBF625-48B3-665A-9F70-28EC177CEC29}"/>
+              </a:ext>
+            </a:extLst>
+          </p:cNvPr>
+          <p:cNvSpPr>
+            <a:spLocks noGrp="1"/>
+          </p:cNvSpPr>
+          <p:nvPr>
+            <p:ph idx="1"/>
+          </p:nvPr>
+        </p:nvSpPr>
+        <p:spPr>
+          <a:xfrm>
+            <a:off x="838200" y="1414020"/>
+            <a:ext cx="10515600" cy="5363851"/>
+          </a:xfrm>
+        </p:spPr>
+        <p:txBody>
+          <a:bodyPr>
+            <a:normAutofit fontScale="92500" lnSpcReduction="20000"/>
+          </a:bodyPr>
+          <a:lstStyle/>
+          <a:p>
+            <a:pPr marL="0" indent="0">
+              <a:buNone/>
+            </a:pPr>
+            <a:r>
+              <a:rPr lang="en-US" sz="2200" b="1" dirty="0"/>
+              <a:t>Tips</a:t>
+            </a:r>
+          </a:p>
+          <a:p>
+            <a:pPr marL="0" indent="0">
+              <a:buNone/>
+            </a:pPr>
+            <a:r>
+              <a:rPr lang="en-US" sz="1800" dirty="0"/>
+              <a:t>The program should be invoked by a main program like this one:</a:t>
+            </a:r>
+          </a:p>
+          <a:p>
+            <a:pPr marL="0" indent="0">
+              <a:buNone/>
+            </a:pPr>
+            <a:endParaRPr lang="en-US" sz="1800" dirty="0"/>
+          </a:p>
+          <a:p>
+            <a:pPr marL="0" indent="0">
+              <a:buNone/>
+            </a:pPr>
+            <a:endParaRPr lang="en-US" sz="1800" dirty="0"/>
+          </a:p>
+          <a:p>
+            <a:pPr marL="0" indent="0">
+              <a:buNone/>
+            </a:pPr>
+            <a:endParaRPr lang="en-US" sz="1800" dirty="0"/>
+          </a:p>
+          <a:p>
+            <a:pPr marL="0" indent="0">
+              <a:buNone/>
+            </a:pPr>
+            <a:endParaRPr lang="en-US" sz="1800" dirty="0"/>
+          </a:p>
+          <a:p>
+            <a:pPr marL="0" indent="0">
+              <a:buNone/>
+            </a:pPr>
+            <a:endParaRPr lang="en-US" sz="1800" dirty="0"/>
+          </a:p>
+          <a:p>
+            <a:pPr marL="0" indent="0">
+              <a:buNone/>
+            </a:pPr>
+            <a:r>
+              <a:rPr lang="en-US" sz="1800" dirty="0"/>
+              <a:t>Note that the collaborators of the </a:t>
+            </a:r>
+            <a:r>
+              <a:rPr lang="en-US" sz="1800" dirty="0" err="1">
+                <a:latin typeface="Cascadia Code Light" panose="020B0609020000020004" pitchFamily="49" charset="0"/>
+                <a:ea typeface="Cascadia Code Light" panose="020B0609020000020004" pitchFamily="49" charset="0"/>
+                <a:cs typeface="Cascadia Code Light" panose="020B0609020000020004" pitchFamily="49" charset="0"/>
+              </a:rPr>
+              <a:t>birthdayService</a:t>
+            </a:r>
+            <a:r>
+              <a:rPr lang="en-US" sz="1800" dirty="0"/>
+              <a:t> objects are injected in it. </a:t>
+            </a:r>
+          </a:p>
+          <a:p>
+            <a:pPr marL="0" indent="0">
+              <a:buNone/>
+            </a:pPr>
+            <a:endParaRPr lang="en-US" sz="1800" dirty="0"/>
+          </a:p>
+          <a:p>
+            <a:pPr marL="0" indent="0">
+              <a:buNone/>
+            </a:pPr>
+            <a:r>
+              <a:rPr lang="en-US" sz="2200" b="1" dirty="0"/>
+              <a:t>Goals</a:t>
+            </a:r>
+          </a:p>
+          <a:p>
+            <a:pPr marL="0" indent="0">
+              <a:buNone/>
+            </a:pPr>
+            <a:r>
+              <a:rPr lang="en-US" sz="1800" dirty="0"/>
+              <a:t>The goal of this exercise is to produce a solution that is</a:t>
+            </a:r>
+          </a:p>
+          <a:p>
+            <a:pPr marL="0" indent="0">
+              <a:buNone/>
+            </a:pPr>
+            <a:endParaRPr lang="en-US" sz="1800" dirty="0"/>
+          </a:p>
+          <a:p>
+            <a:r>
+              <a:rPr lang="en-US" sz="1800" dirty="0"/>
+              <a:t>Testable; we should be able to test the internal application logic with no need to ever send a real email.</a:t>
+            </a:r>
+          </a:p>
+          <a:p>
+            <a:r>
+              <a:rPr lang="en-US" sz="1800" dirty="0"/>
+              <a:t>Flexible: we anticipate that the data source in the future could change from a flat file to a relational database, or perhaps a web service. We also anticipate that the email service could soon be replaced with a service that sends greetings through Facebook or some other social network.</a:t>
+            </a:r>
+          </a:p>
+          <a:p>
+            <a:r>
+              <a:rPr lang="en-US" sz="1800" dirty="0"/>
+              <a:t>Well-designed: separate clearly the business logic from the infrastructure.</a:t>
+            </a:r>
+          </a:p>
+        </p:txBody>
+      </p:sp>
+      <p:sp>
+        <p:nvSpPr>
+          <p:cNvPr id="5" name="TextBox 4">
+            <a:extLst>
+              <a:ext uri="{FF2B5EF4-FFF2-40B4-BE49-F238E27FC236}">
+                <a16:creationId xmlns:a16="http://schemas.microsoft.com/office/drawing/2014/main" id="{FBAE679C-B281-5B11-F707-39A8338B0C6A}"/>
+              </a:ext>
+            </a:extLst>
+          </p:cNvPr>
+          <p:cNvSpPr txBox="1"/>
+          <p:nvPr/>
+        </p:nvSpPr>
+        <p:spPr>
+          <a:xfrm>
+            <a:off x="908901" y="2105561"/>
+            <a:ext cx="10444899" cy="1323439"/>
+          </a:xfrm>
+          <a:prstGeom prst="rect">
+            <a:avLst/>
+          </a:prstGeom>
+          <a:solidFill>
+            <a:schemeClr val="bg1">
+              <a:lumMod val="95000"/>
+            </a:schemeClr>
+          </a:solidFill>
+        </p:spPr>
+        <p:txBody>
+          <a:bodyPr wrap="square" rtlCol="0">
+            <a:spAutoFit/>
+          </a:bodyPr>
+          <a:lstStyle/>
+          <a:p>
+            <a:pPr marL="0" indent="0">
+              <a:buNone/>
+            </a:pPr>
+            <a:r>
+              <a:rPr lang="en-US" sz="1600" dirty="0">
+                <a:latin typeface="Cascadia Code Light" panose="020B0609020000020004" pitchFamily="49" charset="0"/>
+                <a:ea typeface="Cascadia Code Light" panose="020B0609020000020004" pitchFamily="49" charset="0"/>
+                <a:cs typeface="Cascadia Code Light" panose="020B0609020000020004" pitchFamily="49" charset="0"/>
+              </a:rPr>
+              <a:t>public static void main(String[] </a:t>
+            </a:r>
+            <a:r>
+              <a:rPr lang="en-US" sz="1600" dirty="0" err="1">
+                <a:latin typeface="Cascadia Code Light" panose="020B0609020000020004" pitchFamily="49" charset="0"/>
+                <a:ea typeface="Cascadia Code Light" panose="020B0609020000020004" pitchFamily="49" charset="0"/>
+                <a:cs typeface="Cascadia Code Light" panose="020B0609020000020004" pitchFamily="49" charset="0"/>
+              </a:rPr>
+              <a:t>args</a:t>
+            </a:r>
+            <a:r>
+              <a:rPr lang="en-US" sz="1600" dirty="0">
+                <a:latin typeface="Cascadia Code Light" panose="020B0609020000020004" pitchFamily="49" charset="0"/>
+                <a:ea typeface="Cascadia Code Light" panose="020B0609020000020004" pitchFamily="49" charset="0"/>
+                <a:cs typeface="Cascadia Code Light" panose="020B0609020000020004" pitchFamily="49" charset="0"/>
+              </a:rPr>
+              <a:t>) {</a:t>
+            </a:r>
+          </a:p>
+          <a:p>
+            <a:pPr marL="0" indent="0">
+              <a:buNone/>
+            </a:pPr>
+            <a:r>
+              <a:rPr lang="en-US" sz="1600" dirty="0">
+                <a:latin typeface="Cascadia Code Light" panose="020B0609020000020004" pitchFamily="49" charset="0"/>
+                <a:ea typeface="Cascadia Code Light" panose="020B0609020000020004" pitchFamily="49" charset="0"/>
+                <a:cs typeface="Cascadia Code Light" panose="020B0609020000020004" pitchFamily="49" charset="0"/>
+              </a:rPr>
+              <a:t>    ...</a:t>
+            </a:r>
+          </a:p>
+          <a:p>
+            <a:pPr marL="0" indent="0">
+              <a:buNone/>
+            </a:pPr>
+            <a:r>
+              <a:rPr lang="en-US" sz="1600" dirty="0">
+                <a:latin typeface="Cascadia Code Light" panose="020B0609020000020004" pitchFamily="49" charset="0"/>
+                <a:ea typeface="Cascadia Code Light" panose="020B0609020000020004" pitchFamily="49" charset="0"/>
+                <a:cs typeface="Cascadia Code Light" panose="020B0609020000020004" pitchFamily="49" charset="0"/>
+              </a:rPr>
+              <a:t>    var </a:t>
+            </a:r>
+            <a:r>
+              <a:rPr lang="en-US" sz="1600" dirty="0" err="1">
+                <a:latin typeface="Cascadia Code Light" panose="020B0609020000020004" pitchFamily="49" charset="0"/>
+                <a:ea typeface="Cascadia Code Light" panose="020B0609020000020004" pitchFamily="49" charset="0"/>
+                <a:cs typeface="Cascadia Code Light" panose="020B0609020000020004" pitchFamily="49" charset="0"/>
+              </a:rPr>
+              <a:t>birthdayService</a:t>
+            </a:r>
+            <a:r>
+              <a:rPr lang="en-US" sz="1600" dirty="0">
+                <a:latin typeface="Cascadia Code Light" panose="020B0609020000020004" pitchFamily="49" charset="0"/>
+                <a:ea typeface="Cascadia Code Light" panose="020B0609020000020004" pitchFamily="49" charset="0"/>
+                <a:cs typeface="Cascadia Code Light" panose="020B0609020000020004" pitchFamily="49" charset="0"/>
+              </a:rPr>
+              <a:t> = new </a:t>
+            </a:r>
+            <a:r>
+              <a:rPr lang="en-US" sz="1600" dirty="0" err="1">
+                <a:latin typeface="Cascadia Code Light" panose="020B0609020000020004" pitchFamily="49" charset="0"/>
+                <a:ea typeface="Cascadia Code Light" panose="020B0609020000020004" pitchFamily="49" charset="0"/>
+                <a:cs typeface="Cascadia Code Light" panose="020B0609020000020004" pitchFamily="49" charset="0"/>
+              </a:rPr>
+              <a:t>BirthdayService</a:t>
+            </a:r>
+            <a:r>
+              <a:rPr lang="en-US" sz="1600" dirty="0">
+                <a:latin typeface="Cascadia Code Light" panose="020B0609020000020004" pitchFamily="49" charset="0"/>
+                <a:ea typeface="Cascadia Code Light" panose="020B0609020000020004" pitchFamily="49" charset="0"/>
+                <a:cs typeface="Cascadia Code Light" panose="020B0609020000020004" pitchFamily="49" charset="0"/>
+              </a:rPr>
+              <a:t>(</a:t>
+            </a:r>
+            <a:r>
+              <a:rPr lang="en-US" sz="1600" dirty="0" err="1">
+                <a:latin typeface="Cascadia Code Light" panose="020B0609020000020004" pitchFamily="49" charset="0"/>
+                <a:ea typeface="Cascadia Code Light" panose="020B0609020000020004" pitchFamily="49" charset="0"/>
+                <a:cs typeface="Cascadia Code Light" panose="020B0609020000020004" pitchFamily="49" charset="0"/>
+              </a:rPr>
+              <a:t>employeeRepository</a:t>
+            </a:r>
+            <a:r>
+              <a:rPr lang="en-US" sz="1600" dirty="0">
+                <a:latin typeface="Cascadia Code Light" panose="020B0609020000020004" pitchFamily="49" charset="0"/>
+                <a:ea typeface="Cascadia Code Light" panose="020B0609020000020004" pitchFamily="49" charset="0"/>
+                <a:cs typeface="Cascadia Code Light" panose="020B0609020000020004" pitchFamily="49" charset="0"/>
+              </a:rPr>
+              <a:t>, </a:t>
+            </a:r>
+            <a:r>
+              <a:rPr lang="en-US" sz="1600" dirty="0" err="1">
+                <a:latin typeface="Cascadia Code Light" panose="020B0609020000020004" pitchFamily="49" charset="0"/>
+                <a:ea typeface="Cascadia Code Light" panose="020B0609020000020004" pitchFamily="49" charset="0"/>
+                <a:cs typeface="Cascadia Code Light" panose="020B0609020000020004" pitchFamily="49" charset="0"/>
+              </a:rPr>
+              <a:t>emailService</a:t>
+            </a:r>
+            <a:r>
+              <a:rPr lang="en-US" sz="1600" dirty="0">
+                <a:latin typeface="Cascadia Code Light" panose="020B0609020000020004" pitchFamily="49" charset="0"/>
+                <a:ea typeface="Cascadia Code Light" panose="020B0609020000020004" pitchFamily="49" charset="0"/>
+                <a:cs typeface="Cascadia Code Light" panose="020B0609020000020004" pitchFamily="49" charset="0"/>
+              </a:rPr>
+              <a:t>);</a:t>
+            </a:r>
+          </a:p>
+          <a:p>
+            <a:pPr marL="0" indent="0">
+              <a:buNone/>
+            </a:pPr>
+            <a:r>
+              <a:rPr lang="en-US" sz="1600" dirty="0">
+                <a:latin typeface="Cascadia Code Light" panose="020B0609020000020004" pitchFamily="49" charset="0"/>
+                <a:ea typeface="Cascadia Code Light" panose="020B0609020000020004" pitchFamily="49" charset="0"/>
+                <a:cs typeface="Cascadia Code Light" panose="020B0609020000020004" pitchFamily="49" charset="0"/>
+              </a:rPr>
+              <a:t>    </a:t>
+            </a:r>
+            <a:r>
+              <a:rPr lang="en-US" sz="1600" dirty="0" err="1">
+                <a:latin typeface="Cascadia Code Light" panose="020B0609020000020004" pitchFamily="49" charset="0"/>
+                <a:ea typeface="Cascadia Code Light" panose="020B0609020000020004" pitchFamily="49" charset="0"/>
+                <a:cs typeface="Cascadia Code Light" panose="020B0609020000020004" pitchFamily="49" charset="0"/>
+              </a:rPr>
+              <a:t>birthdayService.sendGreetings</a:t>
+            </a:r>
+            <a:r>
+              <a:rPr lang="en-US" sz="1600" dirty="0">
+                <a:latin typeface="Cascadia Code Light" panose="020B0609020000020004" pitchFamily="49" charset="0"/>
+                <a:ea typeface="Cascadia Code Light" panose="020B0609020000020004" pitchFamily="49" charset="0"/>
+                <a:cs typeface="Cascadia Code Light" panose="020B0609020000020004" pitchFamily="49" charset="0"/>
+              </a:rPr>
+              <a:t>(today());</a:t>
+            </a:r>
+          </a:p>
+          <a:p>
+            <a:pPr marL="0" indent="0">
+              <a:buNone/>
+            </a:pPr>
+            <a:r>
+              <a:rPr lang="en-US" sz="1600" dirty="0">
+                <a:latin typeface="Cascadia Code Light" panose="020B0609020000020004" pitchFamily="49" charset="0"/>
+                <a:ea typeface="Cascadia Code Light" panose="020B0609020000020004" pitchFamily="49" charset="0"/>
+                <a:cs typeface="Cascadia Code Light" panose="020B0609020000020004" pitchFamily="49" charset="0"/>
+              </a:rPr>
+              <a:t>}</a:t>
+            </a:r>
+          </a:p>
+        </p:txBody>
+      </p:sp>
+    </p:spTree>
+    <p:extLst>
+      <p:ext uri="{BB962C8B-B14F-4D97-AF65-F5344CB8AC3E}">
+        <p14:creationId xmlns:p14="http://schemas.microsoft.com/office/powerpoint/2010/main" val="1798009566"/>
+      </p:ext>
+    </p:extLst>
+  </p:cSld>
+  <p:clrMapOvr>
+    <a:masterClrMapping/>
+  </p:clrMapOvr>
+</p:sld>
+</file>
+
+<file path=ppt/slides/slide16.xml><?xml version="1.0" encoding="utf-8"?>
+<p:sld xmlns:a="http://schemas.openxmlformats.org/drawingml/2006/main" xmlns:r="http://schemas.openxmlformats.org/officeDocument/2006/relationships" xmlns:p="http://schemas.openxmlformats.org/presentationml/2006/main">
+  <p:cSld>
+    <p:spTree>
+      <p:nvGrpSpPr>
+        <p:cNvPr id="1" name="">
+          <a:extLst>
+            <a:ext uri="{FF2B5EF4-FFF2-40B4-BE49-F238E27FC236}">
+              <a16:creationId xmlns:a16="http://schemas.microsoft.com/office/drawing/2014/main" id="{4A299E4C-CB73-070E-F878-C20B5CFD07AA}"/>
+            </a:ext>
+          </a:extLst>
+        </p:cNvPr>
+        <p:cNvGrpSpPr/>
+        <p:nvPr/>
+      </p:nvGrpSpPr>
+      <p:grpSpPr>
+        <a:xfrm>
+          <a:off x="0" y="0"/>
+          <a:ext cx="0" cy="0"/>
+          <a:chOff x="0" y="0"/>
+          <a:chExt cx="0" cy="0"/>
+        </a:xfrm>
+      </p:grpSpPr>
+      <p:sp>
+        <p:nvSpPr>
+          <p:cNvPr id="2" name="Title 1">
+            <a:extLst>
+              <a:ext uri="{FF2B5EF4-FFF2-40B4-BE49-F238E27FC236}">
+                <a16:creationId xmlns:a16="http://schemas.microsoft.com/office/drawing/2014/main" id="{0A067112-4358-A988-D41B-0F36CF031BBA}"/>
+              </a:ext>
+            </a:extLst>
+          </p:cNvPr>
+          <p:cNvSpPr>
+            <a:spLocks noGrp="1"/>
+          </p:cNvSpPr>
+          <p:nvPr>
+            <p:ph type="title"/>
+          </p:nvPr>
+        </p:nvSpPr>
+        <p:spPr>
+          <a:xfrm>
+            <a:off x="838200" y="135893"/>
+            <a:ext cx="10515600" cy="1325563"/>
+          </a:xfrm>
+        </p:spPr>
+        <p:txBody>
+          <a:bodyPr/>
+          <a:lstStyle/>
+          <a:p>
+            <a:r>
+              <a:rPr lang="en-US" dirty="0"/>
+              <a:t>Additional Resources</a:t>
+            </a:r>
+            <a:endParaRPr lang="en-US" i="1" dirty="0"/>
+          </a:p>
+        </p:txBody>
+      </p:sp>
+      <p:sp>
+        <p:nvSpPr>
+          <p:cNvPr id="3" name="Content Placeholder 2">
+            <a:extLst>
+              <a:ext uri="{FF2B5EF4-FFF2-40B4-BE49-F238E27FC236}">
+                <a16:creationId xmlns:a16="http://schemas.microsoft.com/office/drawing/2014/main" id="{A7511FF8-F787-F926-C107-2C868BF1FE88}"/>
+              </a:ext>
+            </a:extLst>
+          </p:cNvPr>
+          <p:cNvSpPr>
+            <a:spLocks noGrp="1"/>
+          </p:cNvSpPr>
+          <p:nvPr>
+            <p:ph idx="1"/>
+          </p:nvPr>
+        </p:nvSpPr>
+        <p:spPr>
+          <a:xfrm>
+            <a:off x="838200" y="1414020"/>
+            <a:ext cx="10624794" cy="5363851"/>
+          </a:xfrm>
+        </p:spPr>
+        <p:txBody>
+          <a:bodyPr>
+            <a:normAutofit/>
+          </a:bodyPr>
+          <a:lstStyle/>
+          <a:p>
+            <a:r>
+              <a:rPr lang="en-US" sz="1800" dirty="0">
+                <a:hlinkClick r:id="rId2"/>
+              </a:rPr>
+              <a:t>Continuous Delivery </a:t>
+            </a:r>
+            <a:r>
+              <a:rPr lang="en-US" sz="1800" dirty="0" err="1">
+                <a:hlinkClick r:id="rId2"/>
+              </a:rPr>
+              <a:t>Youtube</a:t>
+            </a:r>
+            <a:r>
+              <a:rPr lang="en-US" sz="1800" dirty="0">
+                <a:hlinkClick r:id="rId2"/>
+              </a:rPr>
+              <a:t> Channel</a:t>
+            </a:r>
+            <a:r>
+              <a:rPr lang="en-US" sz="1800" dirty="0"/>
+              <a:t> – TDD and CI/CD </a:t>
+            </a:r>
+          </a:p>
+          <a:p>
+            <a:r>
+              <a:rPr lang="en-US" sz="1800" dirty="0">
+                <a:hlinkClick r:id="rId3"/>
+              </a:rPr>
+              <a:t>Cyber Dojo </a:t>
+            </a:r>
+            <a:r>
+              <a:rPr lang="en-US" sz="1800" dirty="0"/>
+              <a:t>– Online platform for TDD practice</a:t>
+            </a:r>
+          </a:p>
+          <a:p>
+            <a:r>
+              <a:rPr lang="en-US" sz="1800" dirty="0">
+                <a:hlinkClick r:id="rId4"/>
+              </a:rPr>
+              <a:t>“Modern Software Engineering: Doing What Works to Build Better Software </a:t>
+            </a:r>
+            <a:r>
+              <a:rPr lang="en-US" sz="1800" dirty="0" err="1">
+                <a:hlinkClick r:id="rId4"/>
+              </a:rPr>
+              <a:t>Faster”</a:t>
+            </a:r>
+            <a:r>
+              <a:rPr lang="en-US" sz="1800" dirty="0" err="1"/>
+              <a:t>,Dave</a:t>
+            </a:r>
+            <a:r>
+              <a:rPr lang="en-US" sz="1800" dirty="0"/>
+              <a:t> Farley</a:t>
+            </a:r>
+          </a:p>
+          <a:p>
+            <a:r>
+              <a:rPr lang="en-US" sz="1800" dirty="0">
+                <a:hlinkClick r:id="rId5"/>
+              </a:rPr>
+              <a:t>“Test Driven Development: By Example”</a:t>
+            </a:r>
+            <a:r>
+              <a:rPr lang="en-US" sz="1800" dirty="0"/>
+              <a:t>, Kent Beck</a:t>
+            </a:r>
+          </a:p>
+          <a:p>
+            <a:r>
+              <a:rPr lang="en-US" sz="1800" dirty="0">
+                <a:hlinkClick r:id="rId6"/>
+              </a:rPr>
+              <a:t>Mockito Series @ baeldung.com</a:t>
+            </a:r>
+            <a:endParaRPr lang="en-US" sz="1800" dirty="0"/>
+          </a:p>
+          <a:p>
+            <a:pPr marL="457200" lvl="1" indent="0">
+              <a:buNone/>
+            </a:pPr>
+            <a:endParaRPr lang="en-US" sz="1400" dirty="0"/>
+          </a:p>
+        </p:txBody>
+      </p:sp>
+    </p:spTree>
+    <p:extLst>
+      <p:ext uri="{BB962C8B-B14F-4D97-AF65-F5344CB8AC3E}">
+        <p14:creationId xmlns:p14="http://schemas.microsoft.com/office/powerpoint/2010/main" val="1894418657"/>
+      </p:ext>
+    </p:extLst>
+  </p:cSld>
+  <p:clrMapOvr>
+    <a:masterClrMapping/>
+  </p:clrMapOvr>
+</p:sld>
+</file>
+
 <file path=ppt/slides/slide2.xml><?xml version="1.0" encoding="utf-8"?>
 <p:sld xmlns:a="http://schemas.openxmlformats.org/drawingml/2006/main" xmlns:r="http://schemas.openxmlformats.org/officeDocument/2006/relationships" xmlns:p="http://schemas.openxmlformats.org/presentationml/2006/main">
   <p:cSld>
@@ -3445,7 +6274,10 @@
           <a:bodyPr/>
           <a:lstStyle/>
           <a:p>
-            <a:endParaRPr lang="en-US"/>
+            <a:r>
+              <a:rPr lang="en-US" dirty="0"/>
+              <a:t>Workshop Contents</a:t>
+            </a:r>
           </a:p>
         </p:txBody>
       </p:sp>
@@ -3467,7 +6299,9 @@
         </p:nvSpPr>
         <p:spPr/>
         <p:txBody>
-          <a:bodyPr/>
+          <a:bodyPr>
+            <a:normAutofit fontScale="92500" lnSpcReduction="20000"/>
+          </a:bodyPr>
           <a:lstStyle/>
           <a:p>
             <a:endParaRPr lang="en-US" dirty="0"/>
@@ -3481,33 +6315,54 @@
           <a:p>
             <a:r>
               <a:rPr lang="en-US" dirty="0"/>
-              <a:t>Design Through Testing</a:t>
+              <a:t>Effects and Properties of Testable Code</a:t>
             </a:r>
           </a:p>
           <a:p>
             <a:r>
               <a:rPr lang="en-US" dirty="0"/>
-              <a:t>Red &gt; Green &gt; Refactor!</a:t>
+              <a:t>Why TDD?</a:t>
             </a:r>
           </a:p>
           <a:p>
             <a:r>
               <a:rPr lang="en-US" dirty="0"/>
-              <a:t>TDD Tools – Mockito stubs, mocks, fakes, spies and more</a:t>
+              <a:t>Red &gt; Green &gt; Refactor</a:t>
             </a:r>
           </a:p>
           <a:p>
             <a:r>
               <a:rPr lang="en-US" dirty="0"/>
-              <a:t>TDD Pitfalls (when </a:t>
-            </a:r>
-            <a:r>
-              <a:rPr lang="en-US" dirty="0" err="1"/>
-              <a:t>tdd</a:t>
-            </a:r>
+              <a:t>TDD and CI/CD </a:t>
+            </a:r>
+          </a:p>
+          <a:p>
             <a:r>
               <a:rPr lang="en-US" dirty="0"/>
-              <a:t> goes wrong)</a:t>
+              <a:t>TDD Pitfalls</a:t>
+            </a:r>
+          </a:p>
+          <a:p>
+            <a:r>
+              <a:rPr lang="en-US" dirty="0"/>
+              <a:t>Common Testing Terminology</a:t>
+            </a:r>
+          </a:p>
+          <a:p>
+            <a:r>
+              <a:rPr lang="en-US" dirty="0"/>
+              <a:t>TDD </a:t>
+            </a:r>
+            <a:r>
+              <a:rPr lang="en-US"/>
+              <a:t>Java Tools</a:t>
+            </a:r>
+            <a:endParaRPr lang="en-US" dirty="0"/>
+          </a:p>
+          <a:p>
+            <a:r>
+              <a:rPr lang="en-US" dirty="0"/>
+              <a:t>TDD In Practice</a:t>
             </a:r>
           </a:p>
         </p:txBody>
@@ -3558,70 +6413,100 @@
             <p:ph idx="1"/>
           </p:nvPr>
         </p:nvSpPr>
-        <p:spPr/>
-        <p:txBody>
-          <a:bodyPr/>
+        <p:spPr>
+          <a:xfrm>
+            <a:off x="838199" y="1253331"/>
+            <a:ext cx="10613571" cy="5468776"/>
+          </a:xfrm>
+        </p:spPr>
+        <p:txBody>
+          <a:bodyPr>
+            <a:normAutofit/>
+          </a:bodyPr>
           <a:lstStyle/>
           <a:p>
             <a:r>
               <a:rPr lang="en-US" dirty="0"/>
-              <a:t>Download project from </a:t>
-            </a:r>
-          </a:p>
-          <a:p>
-            <a:pPr marL="457200" lvl="1" indent="0">
-              <a:buNone/>
-            </a:pPr>
+              <a:t>Like accountant’s double bookkeeping, TDD verifies our codes match our intent</a:t>
+            </a:r>
+          </a:p>
+          <a:p>
+            <a:r>
+              <a:rPr lang="en-US" dirty="0"/>
+              <a:t>Express intent in the form of a test</a:t>
+            </a:r>
+          </a:p>
+          <a:p>
+            <a:r>
+              <a:rPr lang="en-US" dirty="0"/>
+              <a:t>Test the test making sure it </a:t>
+            </a:r>
             <a:r>
               <a:rPr lang="en-US" dirty="0">
-                <a:hlinkClick r:id="rId2"/>
+                <a:solidFill>
+                  <a:srgbClr val="FF0000"/>
+                </a:solidFill>
               </a:rPr>
-              <a:t>https://github.com/G2HJei/tdd-birthday-emails</a:t>
-            </a:r>
+              <a:t>fail</a:t>
+            </a:r>
+          </a:p>
+          <a:p>
             <a:r>
               <a:rPr lang="en-US" dirty="0"/>
-              <a:t> </a:t>
+              <a:t>Create minimum code to see the test </a:t>
+            </a:r>
+            <a:r>
+              <a:rPr lang="en-US" dirty="0">
+                <a:solidFill>
+                  <a:schemeClr val="accent6"/>
+                </a:solidFill>
+              </a:rPr>
+              <a:t>pass</a:t>
+            </a:r>
+          </a:p>
+          <a:p>
+            <a:r>
+              <a:rPr lang="en-US" dirty="0">
+                <a:solidFill>
+                  <a:schemeClr val="accent1">
+                    <a:lumMod val="60000"/>
+                    <a:lumOff val="40000"/>
+                  </a:schemeClr>
+                </a:solidFill>
+              </a:rPr>
+              <a:t>Refactor</a:t>
+            </a:r>
+            <a:r>
+              <a:rPr lang="en-US" dirty="0"/>
+              <a:t> the code, keeping the test pass</a:t>
+            </a:r>
+          </a:p>
+          <a:p>
+            <a:r>
+              <a:rPr lang="en-US" dirty="0"/>
+              <a:t>More powerful than simple unit testing</a:t>
+            </a:r>
+          </a:p>
+          <a:p>
+            <a:r>
+              <a:rPr lang="en-US" dirty="0"/>
+              <a:t>Design through testing</a:t>
+            </a:r>
+          </a:p>
+          <a:p>
+            <a:r>
+              <a:rPr lang="en-US" dirty="0"/>
+              <a:t>Drive development from tests</a:t>
+            </a:r>
+          </a:p>
+          <a:p>
+            <a:r>
+              <a:rPr lang="en-US" dirty="0"/>
+              <a:t>Check that the code works</a:t>
             </a:r>
           </a:p>
           <a:p>
             <a:endParaRPr lang="en-US" dirty="0"/>
-          </a:p>
-          <a:p>
-            <a:r>
-              <a:rPr lang="en-US" dirty="0"/>
-              <a:t>Includes </a:t>
-            </a:r>
-          </a:p>
-          <a:p>
-            <a:pPr lvl="1"/>
-            <a:r>
-              <a:rPr lang="en-US" dirty="0"/>
-              <a:t>Mockito &amp; JUnit 5</a:t>
-            </a:r>
-          </a:p>
-          <a:p>
-            <a:pPr lvl="1"/>
-            <a:r>
-              <a:rPr lang="en-US" dirty="0"/>
-              <a:t>Coding kata</a:t>
-            </a:r>
-          </a:p>
-          <a:p>
-            <a:pPr lvl="1"/>
-            <a:r>
-              <a:rPr lang="en-US" dirty="0"/>
-              <a:t>This presentation</a:t>
-            </a:r>
-          </a:p>
-          <a:p>
-            <a:pPr lvl="1"/>
-            <a:endParaRPr lang="en-US" dirty="0"/>
-          </a:p>
-          <a:p>
-            <a:r>
-              <a:rPr lang="en-US" dirty="0"/>
-              <a:t>The goal is to complete the coding kata using TDD principles</a:t>
-            </a:r>
           </a:p>
         </p:txBody>
       </p:sp>
@@ -3674,7 +6559,7 @@
           <a:p>
             <a:r>
               <a:rPr lang="en-US" dirty="0"/>
-              <a:t>TDD Practice</a:t>
+              <a:t>What is TDD?</a:t>
             </a:r>
           </a:p>
         </p:txBody>
@@ -3697,7 +6582,13 @@
   <p:cSld>
     <p:spTree>
       <p:nvGrpSpPr>
-        <p:cNvPr id="1" name=""/>
+        <p:cNvPr id="1" name="">
+          <a:extLst>
+            <a:ext uri="{FF2B5EF4-FFF2-40B4-BE49-F238E27FC236}">
+              <a16:creationId xmlns:a16="http://schemas.microsoft.com/office/drawing/2014/main" id="{01A1D32A-6F6A-F031-C38C-281E419C0AA7}"/>
+            </a:ext>
+          </a:extLst>
+        </p:cNvPr>
         <p:cNvGrpSpPr/>
         <p:nvPr/>
       </p:nvGrpSpPr>
@@ -3711,371 +6602,503 @@
       </p:grpSpPr>
       <p:sp>
         <p:nvSpPr>
-          <p:cNvPr id="2" name="Title 1">
-            <a:extLst>
-              <a:ext uri="{FF2B5EF4-FFF2-40B4-BE49-F238E27FC236}">
-                <a16:creationId xmlns:a16="http://schemas.microsoft.com/office/drawing/2014/main" id="{A6D24AAE-5557-E613-751D-53ACFCBE673E}"/>
-              </a:ext>
-            </a:extLst>
-          </p:cNvPr>
-          <p:cNvSpPr>
-            <a:spLocks noGrp="1"/>
-          </p:cNvSpPr>
-          <p:nvPr>
-            <p:ph type="title"/>
-          </p:nvPr>
+          <p:cNvPr id="3" name="Content Placeholder 2">
+            <a:extLst>
+              <a:ext uri="{FF2B5EF4-FFF2-40B4-BE49-F238E27FC236}">
+                <a16:creationId xmlns:a16="http://schemas.microsoft.com/office/drawing/2014/main" id="{894963A8-368F-1A53-893A-925EE3B511C1}"/>
+              </a:ext>
+            </a:extLst>
+          </p:cNvPr>
+          <p:cNvSpPr>
+            <a:spLocks noGrp="1"/>
+          </p:cNvSpPr>
+          <p:nvPr>
+            <p:ph idx="1"/>
+          </p:nvPr>
+        </p:nvSpPr>
+        <p:spPr>
+          <a:xfrm>
+            <a:off x="838200" y="1549423"/>
+            <a:ext cx="4386943" cy="5468776"/>
+          </a:xfrm>
+        </p:spPr>
+        <p:txBody>
+          <a:bodyPr>
+            <a:normAutofit/>
+          </a:bodyPr>
+          <a:lstStyle/>
+          <a:p>
+            <a:pPr marL="0" indent="0" algn="l" rtl="0" eaLnBrk="1" latinLnBrk="0" hangingPunct="1">
+              <a:lnSpc>
+                <a:spcPct val="90000"/>
+              </a:lnSpc>
+              <a:spcBef>
+                <a:spcPts val="1000"/>
+              </a:spcBef>
+              <a:buClrTx/>
+              <a:buSzPts val="2200"/>
+              <a:buNone/>
+            </a:pPr>
+            <a:r>
+              <a:rPr lang="en-US" sz="2800" kern="1200" dirty="0">
+                <a:solidFill>
+                  <a:srgbClr val="000000"/>
+                </a:solidFill>
+                <a:effectLst/>
+                <a:latin typeface="Aptos" panose="020B0004020202020204" pitchFamily="34" charset="0"/>
+                <a:ea typeface="+mn-ea"/>
+                <a:cs typeface="+mn-cs"/>
+              </a:rPr>
+              <a:t>Effects of high-quality code</a:t>
+            </a:r>
+          </a:p>
+          <a:p>
+            <a:pPr marL="228600" indent="-228600" algn="l" rtl="0" eaLnBrk="1" latinLnBrk="0" hangingPunct="1">
+              <a:lnSpc>
+                <a:spcPct val="90000"/>
+              </a:lnSpc>
+              <a:spcBef>
+                <a:spcPts val="1000"/>
+              </a:spcBef>
+              <a:buClrTx/>
+              <a:buSzPts val="2200"/>
+              <a:buFont typeface="Arial" panose="020B0604020202020204" pitchFamily="34" charset="0"/>
+              <a:buChar char="•"/>
+            </a:pPr>
+            <a:r>
+              <a:rPr lang="en-US" sz="2800" kern="1200" dirty="0">
+                <a:solidFill>
+                  <a:srgbClr val="000000"/>
+                </a:solidFill>
+                <a:effectLst/>
+                <a:latin typeface="Aptos" panose="020B0004020202020204" pitchFamily="34" charset="0"/>
+                <a:ea typeface="+mn-ea"/>
+                <a:cs typeface="+mn-cs"/>
+              </a:rPr>
+              <a:t>Easy to read</a:t>
+            </a:r>
+            <a:endParaRPr lang="en-US" sz="2800" dirty="0">
+              <a:effectLst/>
+            </a:endParaRPr>
+          </a:p>
+          <a:p>
+            <a:pPr marL="228600" indent="-228600" algn="l" rtl="0" eaLnBrk="1" latinLnBrk="0" hangingPunct="1">
+              <a:lnSpc>
+                <a:spcPct val="90000"/>
+              </a:lnSpc>
+              <a:spcBef>
+                <a:spcPts val="1000"/>
+              </a:spcBef>
+            </a:pPr>
+            <a:r>
+              <a:rPr lang="en-US" sz="2800" kern="1200" dirty="0">
+                <a:solidFill>
+                  <a:srgbClr val="000000"/>
+                </a:solidFill>
+                <a:effectLst/>
+                <a:latin typeface="Aptos" panose="020B0004020202020204" pitchFamily="34" charset="0"/>
+                <a:ea typeface="+mn-ea"/>
+                <a:cs typeface="+mn-cs"/>
+              </a:rPr>
+              <a:t>Testable</a:t>
+            </a:r>
+            <a:endParaRPr lang="en-US" dirty="0">
+              <a:effectLst/>
+            </a:endParaRPr>
+          </a:p>
+          <a:p>
+            <a:pPr marL="228600" indent="-228600" algn="l" rtl="0" eaLnBrk="1" latinLnBrk="0" hangingPunct="1">
+              <a:lnSpc>
+                <a:spcPct val="90000"/>
+              </a:lnSpc>
+              <a:spcBef>
+                <a:spcPts val="1000"/>
+              </a:spcBef>
+            </a:pPr>
+            <a:r>
+              <a:rPr lang="en-US" sz="2800" kern="1200" dirty="0">
+                <a:solidFill>
+                  <a:srgbClr val="000000"/>
+                </a:solidFill>
+                <a:effectLst/>
+                <a:latin typeface="Aptos" panose="020B0004020202020204" pitchFamily="34" charset="0"/>
+                <a:ea typeface="+mn-ea"/>
+                <a:cs typeface="+mn-cs"/>
+              </a:rPr>
+              <a:t>Ease to change</a:t>
+            </a:r>
+            <a:endParaRPr lang="en-US" dirty="0">
+              <a:effectLst/>
+            </a:endParaRPr>
+          </a:p>
+          <a:p>
+            <a:pPr marL="228600" indent="-228600" algn="l" rtl="0" eaLnBrk="1" latinLnBrk="0" hangingPunct="1">
+              <a:lnSpc>
+                <a:spcPct val="90000"/>
+              </a:lnSpc>
+              <a:spcBef>
+                <a:spcPts val="1000"/>
+              </a:spcBef>
+            </a:pPr>
+            <a:r>
+              <a:rPr lang="en-US" sz="2800" kern="1200" dirty="0">
+                <a:solidFill>
+                  <a:srgbClr val="000000"/>
+                </a:solidFill>
+                <a:effectLst/>
+                <a:latin typeface="Aptos" panose="020B0004020202020204" pitchFamily="34" charset="0"/>
+                <a:ea typeface="+mn-ea"/>
+                <a:cs typeface="+mn-cs"/>
+              </a:rPr>
+              <a:t>Simplicity</a:t>
+            </a:r>
+            <a:endParaRPr lang="en-US" dirty="0">
+              <a:effectLst/>
+            </a:endParaRPr>
+          </a:p>
+          <a:p>
+            <a:r>
+              <a:rPr lang="en-US" sz="2800" kern="1200" dirty="0">
+                <a:solidFill>
+                  <a:srgbClr val="000000"/>
+                </a:solidFill>
+                <a:effectLst/>
+                <a:latin typeface="Aptos" panose="020B0004020202020204" pitchFamily="34" charset="0"/>
+                <a:ea typeface="+mn-ea"/>
+                <a:cs typeface="+mn-cs"/>
+              </a:rPr>
+              <a:t>Efficiency</a:t>
+            </a:r>
+          </a:p>
+          <a:p>
+            <a:endParaRPr lang="en-US" dirty="0"/>
+          </a:p>
+        </p:txBody>
+      </p:sp>
+      <p:sp>
+        <p:nvSpPr>
+          <p:cNvPr id="6" name="Title 1">
+            <a:extLst>
+              <a:ext uri="{FF2B5EF4-FFF2-40B4-BE49-F238E27FC236}">
+                <a16:creationId xmlns:a16="http://schemas.microsoft.com/office/drawing/2014/main" id="{DF769429-FEAD-A38A-6A86-400E626696CD}"/>
+              </a:ext>
+            </a:extLst>
+          </p:cNvPr>
+          <p:cNvSpPr txBox="1">
+            <a:spLocks/>
+          </p:cNvSpPr>
+          <p:nvPr/>
         </p:nvSpPr>
         <p:spPr>
           <a:xfrm>
             <a:off x="838200" y="135893"/>
             <a:ext cx="10515600" cy="1325563"/>
           </a:xfrm>
+          <a:prstGeom prst="rect">
+            <a:avLst/>
+          </a:prstGeom>
         </p:spPr>
         <p:txBody>
-          <a:bodyPr/>
-          <a:lstStyle/>
+          <a:bodyPr vert="horz" lIns="91440" tIns="45720" rIns="91440" bIns="45720" rtlCol="0" anchor="ctr">
+            <a:normAutofit/>
+          </a:bodyPr>
+          <a:lstStyle>
+            <a:lvl1pPr algn="l" defTabSz="914400" rtl="0" eaLnBrk="1" latinLnBrk="0" hangingPunct="1">
+              <a:lnSpc>
+                <a:spcPct val="90000"/>
+              </a:lnSpc>
+              <a:spcBef>
+                <a:spcPct val="0"/>
+              </a:spcBef>
+              <a:buNone/>
+              <a:defRPr sz="4400" kern="1200">
+                <a:solidFill>
+                  <a:schemeClr val="tx1"/>
+                </a:solidFill>
+                <a:latin typeface="+mj-lt"/>
+                <a:ea typeface="+mj-ea"/>
+                <a:cs typeface="+mj-cs"/>
+              </a:defRPr>
+            </a:lvl1pPr>
+          </a:lstStyle>
           <a:p>
             <a:r>
               <a:rPr lang="en-US" dirty="0"/>
-              <a:t>TDD Coding Kata: Birthday Emails		</a:t>
-            </a:r>
-            <a:r>
-              <a:rPr lang="en-US" i="1" dirty="0"/>
-              <a:t>1/2</a:t>
-            </a:r>
-          </a:p>
-        </p:txBody>
-      </p:sp>
-      <p:sp>
-        <p:nvSpPr>
-          <p:cNvPr id="3" name="Content Placeholder 2">
-            <a:extLst>
-              <a:ext uri="{FF2B5EF4-FFF2-40B4-BE49-F238E27FC236}">
-                <a16:creationId xmlns:a16="http://schemas.microsoft.com/office/drawing/2014/main" id="{9BFA6C86-BA87-AFD1-E677-B13D35CD6FA2}"/>
-              </a:ext>
-            </a:extLst>
-          </p:cNvPr>
-          <p:cNvSpPr>
-            <a:spLocks noGrp="1"/>
-          </p:cNvSpPr>
-          <p:nvPr>
-            <p:ph idx="1"/>
-          </p:nvPr>
+              <a:t>Effects and Properties of Testable Code</a:t>
+            </a:r>
+          </a:p>
+        </p:txBody>
+      </p:sp>
+      <p:sp>
+        <p:nvSpPr>
+          <p:cNvPr id="2" name="Content Placeholder 2">
+            <a:extLst>
+              <a:ext uri="{FF2B5EF4-FFF2-40B4-BE49-F238E27FC236}">
+                <a16:creationId xmlns:a16="http://schemas.microsoft.com/office/drawing/2014/main" id="{110308BE-A71D-B129-596C-E788D0F4C913}"/>
+              </a:ext>
+            </a:extLst>
+          </p:cNvPr>
+          <p:cNvSpPr txBox="1">
+            <a:spLocks/>
+          </p:cNvSpPr>
+          <p:nvPr/>
         </p:nvSpPr>
         <p:spPr>
           <a:xfrm>
-            <a:off x="838200" y="1414020"/>
-            <a:ext cx="10515600" cy="5363851"/>
-          </a:xfrm>
-        </p:spPr>
-        <p:txBody>
-          <a:bodyPr>
-            <a:normAutofit lnSpcReduction="10000"/>
-          </a:bodyPr>
-          <a:lstStyle/>
-          <a:p>
-            <a:r>
-              <a:rPr lang="en-US" sz="2000" dirty="0"/>
-              <a:t>Write a program that</a:t>
-            </a:r>
-          </a:p>
-          <a:p>
-            <a:pPr lvl="1"/>
-            <a:r>
-              <a:rPr lang="en-US" sz="1800" dirty="0"/>
-              <a:t>Loads a set of employee records from a flat file</a:t>
-            </a:r>
-          </a:p>
-          <a:p>
-            <a:pPr lvl="1"/>
-            <a:r>
-              <a:rPr lang="en-US" sz="1800" dirty="0"/>
-              <a:t>Sends a greetings email to all employees whose birthday is today</a:t>
-            </a:r>
-          </a:p>
-          <a:p>
-            <a:pPr lvl="1"/>
-            <a:r>
-              <a:rPr lang="en-US" sz="1800" dirty="0"/>
-              <a:t>The flat file is a sequence of records, separated by newlines; this are the first few lines:</a:t>
-            </a:r>
-          </a:p>
-          <a:p>
-            <a:pPr marL="914400" lvl="2" indent="0">
-              <a:buNone/>
-            </a:pPr>
-            <a:endParaRPr lang="en-US" sz="1400" dirty="0">
-              <a:latin typeface="Cascadia Mono ExtraLight" panose="020B0609020000020004" pitchFamily="49" charset="0"/>
-              <a:ea typeface="Cascadia Mono ExtraLight" panose="020B0609020000020004" pitchFamily="49" charset="0"/>
-              <a:cs typeface="Cascadia Mono ExtraLight" panose="020B0609020000020004" pitchFamily="49" charset="0"/>
-            </a:endParaRPr>
-          </a:p>
-          <a:p>
-            <a:pPr marL="914400" lvl="2" indent="0">
-              <a:buNone/>
-            </a:pPr>
-            <a:endParaRPr lang="en-US" dirty="0"/>
-          </a:p>
-          <a:p>
-            <a:pPr marL="914400" lvl="2" indent="0">
-              <a:buNone/>
-            </a:pPr>
-            <a:endParaRPr lang="en-US" dirty="0"/>
-          </a:p>
-          <a:p>
-            <a:pPr marL="914400" lvl="2" indent="0">
-              <a:buNone/>
-            </a:pPr>
-            <a:endParaRPr lang="en-US" dirty="0"/>
-          </a:p>
-          <a:p>
-            <a:pPr lvl="1"/>
-            <a:endParaRPr lang="en-US" sz="1800" dirty="0"/>
-          </a:p>
-          <a:p>
-            <a:pPr lvl="1"/>
-            <a:r>
-              <a:rPr lang="en-US" sz="1800" dirty="0"/>
-              <a:t>The greetings email contains the following text:</a:t>
-            </a:r>
-          </a:p>
-          <a:p>
-            <a:pPr lvl="1"/>
-            <a:endParaRPr lang="en-US" sz="1800" dirty="0"/>
-          </a:p>
-          <a:p>
-            <a:pPr marL="914400" lvl="2" indent="0">
-              <a:buNone/>
-            </a:pPr>
-            <a:endParaRPr lang="en-US" sz="1400" dirty="0">
-              <a:latin typeface="Cascadia Code Light" panose="020B0609020000020004" pitchFamily="49" charset="0"/>
-              <a:ea typeface="Cascadia Code Light" panose="020B0609020000020004" pitchFamily="49" charset="0"/>
-              <a:cs typeface="Cascadia Code Light" panose="020B0609020000020004" pitchFamily="49" charset="0"/>
-            </a:endParaRPr>
-          </a:p>
-          <a:p>
-            <a:pPr marL="914400" lvl="2" indent="0">
-              <a:buNone/>
-            </a:pPr>
-            <a:endParaRPr lang="en-US" sz="1400" dirty="0">
-              <a:latin typeface="Cascadia Code Light" panose="020B0609020000020004" pitchFamily="49" charset="0"/>
-              <a:ea typeface="Cascadia Code Light" panose="020B0609020000020004" pitchFamily="49" charset="0"/>
-              <a:cs typeface="Cascadia Code Light" panose="020B0609020000020004" pitchFamily="49" charset="0"/>
-            </a:endParaRPr>
-          </a:p>
-          <a:p>
-            <a:pPr marL="914400" lvl="2" indent="0">
-              <a:buNone/>
-            </a:pPr>
-            <a:endParaRPr lang="en-US" sz="1400" dirty="0">
-              <a:latin typeface="Cascadia Code Light" panose="020B0609020000020004" pitchFamily="49" charset="0"/>
-              <a:ea typeface="Cascadia Code Light" panose="020B0609020000020004" pitchFamily="49" charset="0"/>
-              <a:cs typeface="Cascadia Code Light" panose="020B0609020000020004" pitchFamily="49" charset="0"/>
-            </a:endParaRPr>
-          </a:p>
-          <a:p>
-            <a:pPr marL="457200" lvl="1" indent="0">
-              <a:buNone/>
-            </a:pPr>
-            <a:r>
-              <a:rPr lang="en-US" sz="1800" dirty="0"/>
-              <a:t>	with the first name of the employee substituted for “John”.</a:t>
-            </a:r>
-          </a:p>
-          <a:p>
-            <a:pPr lvl="1"/>
-            <a:endParaRPr lang="en-US" sz="1800" dirty="0"/>
-          </a:p>
-          <a:p>
-            <a:pPr lvl="1"/>
-            <a:r>
-              <a:rPr lang="en-US" sz="1800" dirty="0"/>
-              <a:t>People born on a 29th of February should be sent greetings on the 28th of February, except in leap years, when they will get their greetings on the 29th.</a:t>
-            </a:r>
-          </a:p>
-        </p:txBody>
-      </p:sp>
-      <p:sp>
-        <p:nvSpPr>
-          <p:cNvPr id="6" name="TextBox 5">
-            <a:extLst>
-              <a:ext uri="{FF2B5EF4-FFF2-40B4-BE49-F238E27FC236}">
-                <a16:creationId xmlns:a16="http://schemas.microsoft.com/office/drawing/2014/main" id="{9CD6E773-9736-4411-074C-9305FBEC6537}"/>
-              </a:ext>
-            </a:extLst>
-          </p:cNvPr>
-          <p:cNvSpPr txBox="1"/>
-          <p:nvPr/>
-        </p:nvSpPr>
-        <p:spPr>
-          <a:xfrm>
-            <a:off x="1781667" y="4344498"/>
-            <a:ext cx="4854804" cy="923330"/>
+            <a:off x="5754189" y="1549423"/>
+            <a:ext cx="4160520" cy="5468776"/>
           </a:xfrm>
           <a:prstGeom prst="rect">
             <a:avLst/>
           </a:prstGeom>
-          <a:solidFill>
-            <a:schemeClr val="bg1">
-              <a:lumMod val="95000"/>
-            </a:schemeClr>
-          </a:solidFill>
         </p:spPr>
         <p:txBody>
-          <a:bodyPr wrap="square" rtlCol="0">
-            <a:spAutoFit/>
+          <a:bodyPr vert="horz" lIns="91440" tIns="45720" rIns="91440" bIns="45720" rtlCol="0">
+            <a:normAutofit/>
           </a:bodyPr>
-          <a:lstStyle/>
-          <a:p>
+          <a:lstStyle>
+            <a:lvl1pPr marL="228600" indent="-228600" algn="l" defTabSz="914400" rtl="0" eaLnBrk="1" latinLnBrk="0" hangingPunct="1">
+              <a:lnSpc>
+                <a:spcPct val="90000"/>
+              </a:lnSpc>
+              <a:spcBef>
+                <a:spcPts val="1000"/>
+              </a:spcBef>
+              <a:buFont typeface="Arial" panose="020B0604020202020204" pitchFamily="34" charset="0"/>
+              <a:buChar char="•"/>
+              <a:defRPr sz="2800" kern="1200">
+                <a:solidFill>
+                  <a:schemeClr val="tx1"/>
+                </a:solidFill>
+                <a:latin typeface="+mn-lt"/>
+                <a:ea typeface="+mn-ea"/>
+                <a:cs typeface="+mn-cs"/>
+              </a:defRPr>
+            </a:lvl1pPr>
+            <a:lvl2pPr marL="685800" indent="-228600" algn="l" defTabSz="914400" rtl="0" eaLnBrk="1" latinLnBrk="0" hangingPunct="1">
+              <a:lnSpc>
+                <a:spcPct val="90000"/>
+              </a:lnSpc>
+              <a:spcBef>
+                <a:spcPts val="500"/>
+              </a:spcBef>
+              <a:buFont typeface="Arial" panose="020B0604020202020204" pitchFamily="34" charset="0"/>
+              <a:buChar char="•"/>
+              <a:defRPr sz="2400" kern="1200">
+                <a:solidFill>
+                  <a:schemeClr val="tx1"/>
+                </a:solidFill>
+                <a:latin typeface="+mn-lt"/>
+                <a:ea typeface="+mn-ea"/>
+                <a:cs typeface="+mn-cs"/>
+              </a:defRPr>
+            </a:lvl2pPr>
+            <a:lvl3pPr marL="1143000" indent="-228600" algn="l" defTabSz="914400" rtl="0" eaLnBrk="1" latinLnBrk="0" hangingPunct="1">
+              <a:lnSpc>
+                <a:spcPct val="90000"/>
+              </a:lnSpc>
+              <a:spcBef>
+                <a:spcPts val="500"/>
+              </a:spcBef>
+              <a:buFont typeface="Arial" panose="020B0604020202020204" pitchFamily="34" charset="0"/>
+              <a:buChar char="•"/>
+              <a:defRPr sz="2000" kern="1200">
+                <a:solidFill>
+                  <a:schemeClr val="tx1"/>
+                </a:solidFill>
+                <a:latin typeface="+mn-lt"/>
+                <a:ea typeface="+mn-ea"/>
+                <a:cs typeface="+mn-cs"/>
+              </a:defRPr>
+            </a:lvl3pPr>
+            <a:lvl4pPr marL="1600200" indent="-228600" algn="l" defTabSz="914400" rtl="0" eaLnBrk="1" latinLnBrk="0" hangingPunct="1">
+              <a:lnSpc>
+                <a:spcPct val="90000"/>
+              </a:lnSpc>
+              <a:spcBef>
+                <a:spcPts val="500"/>
+              </a:spcBef>
+              <a:buFont typeface="Arial" panose="020B0604020202020204" pitchFamily="34" charset="0"/>
+              <a:buChar char="•"/>
+              <a:defRPr sz="1800" kern="1200">
+                <a:solidFill>
+                  <a:schemeClr val="tx1"/>
+                </a:solidFill>
+                <a:latin typeface="+mn-lt"/>
+                <a:ea typeface="+mn-ea"/>
+                <a:cs typeface="+mn-cs"/>
+              </a:defRPr>
+            </a:lvl4pPr>
+            <a:lvl5pPr marL="2057400" indent="-228600" algn="l" defTabSz="914400" rtl="0" eaLnBrk="1" latinLnBrk="0" hangingPunct="1">
+              <a:lnSpc>
+                <a:spcPct val="90000"/>
+              </a:lnSpc>
+              <a:spcBef>
+                <a:spcPts val="500"/>
+              </a:spcBef>
+              <a:buFont typeface="Arial" panose="020B0604020202020204" pitchFamily="34" charset="0"/>
+              <a:buChar char="•"/>
+              <a:defRPr sz="1800" kern="1200">
+                <a:solidFill>
+                  <a:schemeClr val="tx1"/>
+                </a:solidFill>
+                <a:latin typeface="+mn-lt"/>
+                <a:ea typeface="+mn-ea"/>
+                <a:cs typeface="+mn-cs"/>
+              </a:defRPr>
+            </a:lvl5pPr>
+            <a:lvl6pPr marL="2514600" indent="-228600" algn="l" defTabSz="914400" rtl="0" eaLnBrk="1" latinLnBrk="0" hangingPunct="1">
+              <a:lnSpc>
+                <a:spcPct val="90000"/>
+              </a:lnSpc>
+              <a:spcBef>
+                <a:spcPts val="500"/>
+              </a:spcBef>
+              <a:buFont typeface="Arial" panose="020B0604020202020204" pitchFamily="34" charset="0"/>
+              <a:buChar char="•"/>
+              <a:defRPr sz="1800" kern="1200">
+                <a:solidFill>
+                  <a:schemeClr val="tx1"/>
+                </a:solidFill>
+                <a:latin typeface="+mn-lt"/>
+                <a:ea typeface="+mn-ea"/>
+                <a:cs typeface="+mn-cs"/>
+              </a:defRPr>
+            </a:lvl6pPr>
+            <a:lvl7pPr marL="2971800" indent="-228600" algn="l" defTabSz="914400" rtl="0" eaLnBrk="1" latinLnBrk="0" hangingPunct="1">
+              <a:lnSpc>
+                <a:spcPct val="90000"/>
+              </a:lnSpc>
+              <a:spcBef>
+                <a:spcPts val="500"/>
+              </a:spcBef>
+              <a:buFont typeface="Arial" panose="020B0604020202020204" pitchFamily="34" charset="0"/>
+              <a:buChar char="•"/>
+              <a:defRPr sz="1800" kern="1200">
+                <a:solidFill>
+                  <a:schemeClr val="tx1"/>
+                </a:solidFill>
+                <a:latin typeface="+mn-lt"/>
+                <a:ea typeface="+mn-ea"/>
+                <a:cs typeface="+mn-cs"/>
+              </a:defRPr>
+            </a:lvl7pPr>
+            <a:lvl8pPr marL="3429000" indent="-228600" algn="l" defTabSz="914400" rtl="0" eaLnBrk="1" latinLnBrk="0" hangingPunct="1">
+              <a:lnSpc>
+                <a:spcPct val="90000"/>
+              </a:lnSpc>
+              <a:spcBef>
+                <a:spcPts val="500"/>
+              </a:spcBef>
+              <a:buFont typeface="Arial" panose="020B0604020202020204" pitchFamily="34" charset="0"/>
+              <a:buChar char="•"/>
+              <a:defRPr sz="1800" kern="1200">
+                <a:solidFill>
+                  <a:schemeClr val="tx1"/>
+                </a:solidFill>
+                <a:latin typeface="+mn-lt"/>
+                <a:ea typeface="+mn-ea"/>
+                <a:cs typeface="+mn-cs"/>
+              </a:defRPr>
+            </a:lvl8pPr>
+            <a:lvl9pPr marL="3886200" indent="-228600" algn="l" defTabSz="914400" rtl="0" eaLnBrk="1" latinLnBrk="0" hangingPunct="1">
+              <a:lnSpc>
+                <a:spcPct val="90000"/>
+              </a:lnSpc>
+              <a:spcBef>
+                <a:spcPts val="500"/>
+              </a:spcBef>
+              <a:buFont typeface="Arial" panose="020B0604020202020204" pitchFamily="34" charset="0"/>
+              <a:buChar char="•"/>
+              <a:defRPr sz="1800" kern="1200">
+                <a:solidFill>
+                  <a:schemeClr val="tx1"/>
+                </a:solidFill>
+                <a:latin typeface="+mn-lt"/>
+                <a:ea typeface="+mn-ea"/>
+                <a:cs typeface="+mn-cs"/>
+              </a:defRPr>
+            </a:lvl9pPr>
+          </a:lstStyle>
+          <a:p>
+            <a:pPr marL="0" indent="0">
+              <a:buFont typeface="Arial" panose="020B0604020202020204" pitchFamily="34" charset="0"/>
+              <a:buNone/>
+            </a:pPr>
             <a:r>
               <a:rPr lang="en-US" dirty="0">
-                <a:latin typeface="Cascadia Code Light" panose="020B0609020000020004" pitchFamily="49" charset="0"/>
-                <a:ea typeface="Cascadia Code Light" panose="020B0609020000020004" pitchFamily="49" charset="0"/>
-                <a:cs typeface="Cascadia Code Light" panose="020B0609020000020004" pitchFamily="49" charset="0"/>
+                <a:solidFill>
+                  <a:srgbClr val="000000"/>
+                </a:solidFill>
+                <a:latin typeface="Aptos" panose="020B0004020202020204" pitchFamily="34" charset="0"/>
               </a:rPr>
-              <a:t>Subject: Happy birthday!</a:t>
-            </a:r>
-          </a:p>
-          <a:p>
-            <a:endParaRPr lang="en-US" dirty="0">
-              <a:latin typeface="Cascadia Code Light" panose="020B0609020000020004" pitchFamily="49" charset="0"/>
-              <a:ea typeface="Cascadia Code Light" panose="020B0609020000020004" pitchFamily="49" charset="0"/>
-              <a:cs typeface="Cascadia Code Light" panose="020B0609020000020004" pitchFamily="49" charset="0"/>
-            </a:endParaRPr>
+              <a:t>Properties of good code</a:t>
+            </a:r>
           </a:p>
           <a:p>
             <a:r>
               <a:rPr lang="en-US" dirty="0">
-                <a:latin typeface="Cascadia Code Light" panose="020B0609020000020004" pitchFamily="49" charset="0"/>
-                <a:ea typeface="Cascadia Code Light" panose="020B0609020000020004" pitchFamily="49" charset="0"/>
-                <a:cs typeface="Cascadia Code Light" panose="020B0609020000020004" pitchFamily="49" charset="0"/>
+                <a:solidFill>
+                  <a:srgbClr val="000000"/>
+                </a:solidFill>
+                <a:latin typeface="Aptos" panose="020B0004020202020204" pitchFamily="34" charset="0"/>
               </a:rPr>
-              <a:t>Happy birthday, dear John!</a:t>
-            </a:r>
-          </a:p>
-        </p:txBody>
-      </p:sp>
-      <p:sp>
-        <p:nvSpPr>
-          <p:cNvPr id="8" name="TextBox 7">
-            <a:extLst>
-              <a:ext uri="{FF2B5EF4-FFF2-40B4-BE49-F238E27FC236}">
-                <a16:creationId xmlns:a16="http://schemas.microsoft.com/office/drawing/2014/main" id="{A2718869-C526-929F-C3D1-1115A1259F5E}"/>
-              </a:ext>
-            </a:extLst>
-          </p:cNvPr>
-          <p:cNvSpPr txBox="1"/>
-          <p:nvPr/>
-        </p:nvSpPr>
-        <p:spPr>
-          <a:xfrm>
-            <a:off x="1687399" y="2834455"/>
-            <a:ext cx="6947554" cy="923330"/>
-          </a:xfrm>
-          <a:prstGeom prst="rect">
-            <a:avLst/>
-          </a:prstGeom>
-          <a:solidFill>
-            <a:schemeClr val="bg1">
-              <a:lumMod val="95000"/>
-            </a:schemeClr>
-          </a:solidFill>
-        </p:spPr>
-        <p:txBody>
-          <a:bodyPr wrap="square" rtlCol="0">
-            <a:spAutoFit/>
-          </a:bodyPr>
-          <a:lstStyle/>
-          <a:p>
-            <a:r>
-              <a:rPr lang="en-US" dirty="0" err="1">
-                <a:latin typeface="Cascadia Code Light" panose="020B0609020000020004" pitchFamily="49" charset="0"/>
-                <a:ea typeface="Cascadia Code Light" panose="020B0609020000020004" pitchFamily="49" charset="0"/>
-                <a:cs typeface="Cascadia Code Light" panose="020B0609020000020004" pitchFamily="49" charset="0"/>
+              <a:t>Modular</a:t>
+            </a:r>
+          </a:p>
+          <a:p>
+            <a:r>
+              <a:rPr lang="en-US" dirty="0">
+                <a:solidFill>
+                  <a:srgbClr val="000000"/>
+                </a:solidFill>
+                <a:latin typeface="Aptos" panose="020B0004020202020204" pitchFamily="34" charset="0"/>
               </a:rPr>
-              <a:t>last_name</a:t>
-            </a:r>
+              <a:t>Loosely coupled</a:t>
+            </a:r>
+          </a:p>
+          <a:p>
             <a:r>
               <a:rPr lang="en-US" dirty="0">
-                <a:latin typeface="Cascadia Code Light" panose="020B0609020000020004" pitchFamily="49" charset="0"/>
-                <a:ea typeface="Cascadia Code Light" panose="020B0609020000020004" pitchFamily="49" charset="0"/>
-                <a:cs typeface="Cascadia Code Light" panose="020B0609020000020004" pitchFamily="49" charset="0"/>
+                <a:solidFill>
+                  <a:srgbClr val="000000"/>
+                </a:solidFill>
+                <a:latin typeface="Aptos" panose="020B0004020202020204" pitchFamily="34" charset="0"/>
               </a:rPr>
-              <a:t>, </a:t>
-            </a:r>
-            <a:r>
-              <a:rPr lang="en-US" dirty="0" err="1">
-                <a:latin typeface="Cascadia Code Light" panose="020B0609020000020004" pitchFamily="49" charset="0"/>
-                <a:ea typeface="Cascadia Code Light" panose="020B0609020000020004" pitchFamily="49" charset="0"/>
-                <a:cs typeface="Cascadia Code Light" panose="020B0609020000020004" pitchFamily="49" charset="0"/>
+              <a:t>Cohesion</a:t>
+            </a:r>
+          </a:p>
+          <a:p>
+            <a:r>
+              <a:rPr lang="en-US" dirty="0">
+                <a:solidFill>
+                  <a:srgbClr val="000000"/>
+                </a:solidFill>
+                <a:latin typeface="Aptos" panose="020B0004020202020204" pitchFamily="34" charset="0"/>
               </a:rPr>
-              <a:t>first_name</a:t>
-            </a:r>
+              <a:t>Separation of concerns</a:t>
+            </a:r>
+          </a:p>
+          <a:p>
             <a:r>
               <a:rPr lang="en-US" dirty="0">
-                <a:latin typeface="Cascadia Code Light" panose="020B0609020000020004" pitchFamily="49" charset="0"/>
-                <a:ea typeface="Cascadia Code Light" panose="020B0609020000020004" pitchFamily="49" charset="0"/>
-                <a:cs typeface="Cascadia Code Light" panose="020B0609020000020004" pitchFamily="49" charset="0"/>
+                <a:solidFill>
+                  <a:srgbClr val="000000"/>
+                </a:solidFill>
+                <a:latin typeface="Aptos" panose="020B0004020202020204" pitchFamily="34" charset="0"/>
               </a:rPr>
-              <a:t>, </a:t>
-            </a:r>
-            <a:r>
-              <a:rPr lang="en-US" dirty="0" err="1">
-                <a:latin typeface="Cascadia Code Light" panose="020B0609020000020004" pitchFamily="49" charset="0"/>
-                <a:ea typeface="Cascadia Code Light" panose="020B0609020000020004" pitchFamily="49" charset="0"/>
-                <a:cs typeface="Cascadia Code Light" panose="020B0609020000020004" pitchFamily="49" charset="0"/>
-              </a:rPr>
-              <a:t>date_of_birth</a:t>
-            </a:r>
-            <a:r>
-              <a:rPr lang="en-US" dirty="0">
-                <a:latin typeface="Cascadia Code Light" panose="020B0609020000020004" pitchFamily="49" charset="0"/>
-                <a:ea typeface="Cascadia Code Light" panose="020B0609020000020004" pitchFamily="49" charset="0"/>
-                <a:cs typeface="Cascadia Code Light" panose="020B0609020000020004" pitchFamily="49" charset="0"/>
-              </a:rPr>
-              <a:t>, email</a:t>
-            </a:r>
-          </a:p>
-          <a:p>
-            <a:r>
-              <a:rPr lang="en-US" dirty="0">
-                <a:latin typeface="Cascadia Code Light" panose="020B0609020000020004" pitchFamily="49" charset="0"/>
-                <a:ea typeface="Cascadia Code Light" panose="020B0609020000020004" pitchFamily="49" charset="0"/>
-                <a:cs typeface="Cascadia Code Light" panose="020B0609020000020004" pitchFamily="49" charset="0"/>
-              </a:rPr>
-              <a:t>Doe, John, 1982/10/08, john.doe@foobar.com</a:t>
-            </a:r>
-          </a:p>
-          <a:p>
-            <a:r>
-              <a:rPr lang="en-US" dirty="0">
-                <a:latin typeface="Cascadia Code Light" panose="020B0609020000020004" pitchFamily="49" charset="0"/>
-                <a:ea typeface="Cascadia Code Light" panose="020B0609020000020004" pitchFamily="49" charset="0"/>
-                <a:cs typeface="Cascadia Code Light" panose="020B0609020000020004" pitchFamily="49" charset="0"/>
-              </a:rPr>
-              <a:t>Ann, Mary, 1975/09/11, </a:t>
-            </a:r>
-            <a:r>
-              <a:rPr lang="en-US" dirty="0">
-                <a:latin typeface="Cascadia Code Light" panose="020B0609020000020004" pitchFamily="49" charset="0"/>
-                <a:ea typeface="Cascadia Code Light" panose="020B0609020000020004" pitchFamily="49" charset="0"/>
-                <a:cs typeface="Cascadia Code Light" panose="020B0609020000020004" pitchFamily="49" charset="0"/>
-                <a:hlinkClick r:id="rId2"/>
-              </a:rPr>
-              <a:t>mary.ann@foobar.com</a:t>
-            </a:r>
-            <a:endParaRPr lang="en-US" dirty="0">
-              <a:latin typeface="Cascadia Code Light" panose="020B0609020000020004" pitchFamily="49" charset="0"/>
-              <a:ea typeface="Cascadia Code Light" panose="020B0609020000020004" pitchFamily="49" charset="0"/>
-              <a:cs typeface="Cascadia Code Light" panose="020B0609020000020004" pitchFamily="49" charset="0"/>
-            </a:endParaRPr>
+              <a:t>Encapsulation</a:t>
+            </a:r>
+          </a:p>
+          <a:p>
+            <a:endParaRPr lang="en-US" dirty="0"/>
           </a:p>
         </p:txBody>
       </p:sp>
     </p:spTree>
     <p:extLst>
       <p:ext uri="{BB962C8B-B14F-4D97-AF65-F5344CB8AC3E}">
-        <p14:creationId xmlns:p14="http://schemas.microsoft.com/office/powerpoint/2010/main" val="1826242265"/>
+        <p14:creationId xmlns:p14="http://schemas.microsoft.com/office/powerpoint/2010/main" val="355598855"/>
       </p:ext>
     </p:extLst>
   </p:cSld>
@@ -4093,7 +7116,7 @@
         <p:cNvPr id="1" name="">
           <a:extLst>
             <a:ext uri="{FF2B5EF4-FFF2-40B4-BE49-F238E27FC236}">
-              <a16:creationId xmlns:a16="http://schemas.microsoft.com/office/drawing/2014/main" id="{CBF7BBA3-FCA0-5FAE-57DF-E91F7F97E623}"/>
+              <a16:creationId xmlns:a16="http://schemas.microsoft.com/office/drawing/2014/main" id="{BFD08CC1-D8FB-D9B8-E8E4-EF210E887BD8}"/>
             </a:ext>
           </a:extLst>
         </p:cNvPr>
@@ -4110,377 +7133,126 @@
       </p:grpSpPr>
       <p:sp>
         <p:nvSpPr>
-          <p:cNvPr id="2" name="Title 1">
-            <a:extLst>
-              <a:ext uri="{FF2B5EF4-FFF2-40B4-BE49-F238E27FC236}">
-                <a16:creationId xmlns:a16="http://schemas.microsoft.com/office/drawing/2014/main" id="{2EBF9CC6-0F90-6611-F073-F26E9584511D}"/>
-              </a:ext>
-            </a:extLst>
-          </p:cNvPr>
-          <p:cNvSpPr>
-            <a:spLocks noGrp="1"/>
-          </p:cNvSpPr>
-          <p:nvPr>
-            <p:ph type="title"/>
-          </p:nvPr>
+          <p:cNvPr id="3" name="Content Placeholder 2">
+            <a:extLst>
+              <a:ext uri="{FF2B5EF4-FFF2-40B4-BE49-F238E27FC236}">
+                <a16:creationId xmlns:a16="http://schemas.microsoft.com/office/drawing/2014/main" id="{CF8D7C1D-6E6C-F9A8-9ECE-785A7AB381B7}"/>
+              </a:ext>
+            </a:extLst>
+          </p:cNvPr>
+          <p:cNvSpPr>
+            <a:spLocks noGrp="1"/>
+          </p:cNvSpPr>
+          <p:nvPr>
+            <p:ph idx="1"/>
+          </p:nvPr>
+        </p:nvSpPr>
+        <p:spPr>
+          <a:xfrm>
+            <a:off x="838199" y="1253331"/>
+            <a:ext cx="10613571" cy="5468776"/>
+          </a:xfrm>
+        </p:spPr>
+        <p:txBody>
+          <a:bodyPr/>
+          <a:lstStyle/>
+          <a:p>
+            <a:r>
+              <a:rPr lang="en-US" dirty="0"/>
+              <a:t>Computer code is abstract and fragile</a:t>
+            </a:r>
+          </a:p>
+          <a:p>
+            <a:r>
+              <a:rPr lang="en-US" dirty="0"/>
+              <a:t>Humans are very good at making mistakes</a:t>
+            </a:r>
+          </a:p>
+          <a:p>
+            <a:r>
+              <a:rPr lang="en-US" dirty="0"/>
+              <a:t>58% of critical system failures are due to simple programming mistakes that could be avoided if any testing existed</a:t>
+            </a:r>
+          </a:p>
+          <a:p>
+            <a:r>
+              <a:rPr lang="en-US" dirty="0"/>
+              <a:t>Test-driven development can reduce production bugs by up to 90%</a:t>
+            </a:r>
+          </a:p>
+          <a:p>
+            <a:r>
+              <a:rPr lang="en-US" dirty="0"/>
+              <a:t>Makes a good programmer better and a bad one… less bad</a:t>
+            </a:r>
+          </a:p>
+          <a:p>
+            <a:r>
+              <a:rPr lang="en-US" dirty="0"/>
+              <a:t>Helps the programmer write well-designed high-quality code</a:t>
+            </a:r>
+          </a:p>
+          <a:p>
+            <a:r>
+              <a:rPr lang="en-US" dirty="0"/>
+              <a:t>Dramatically increases long-term project maintainability</a:t>
+            </a:r>
+          </a:p>
+          <a:p>
+            <a:endParaRPr lang="en-US" dirty="0"/>
+          </a:p>
+        </p:txBody>
+      </p:sp>
+      <p:sp>
+        <p:nvSpPr>
+          <p:cNvPr id="6" name="Title 1">
+            <a:extLst>
+              <a:ext uri="{FF2B5EF4-FFF2-40B4-BE49-F238E27FC236}">
+                <a16:creationId xmlns:a16="http://schemas.microsoft.com/office/drawing/2014/main" id="{C1FF536F-4C6B-BB8A-F84E-2858272A96EA}"/>
+              </a:ext>
+            </a:extLst>
+          </p:cNvPr>
+          <p:cNvSpPr txBox="1">
+            <a:spLocks/>
+          </p:cNvSpPr>
+          <p:nvPr/>
         </p:nvSpPr>
         <p:spPr>
           <a:xfrm>
             <a:off x="838200" y="135893"/>
             <a:ext cx="10515600" cy="1325563"/>
           </a:xfrm>
-        </p:spPr>
-        <p:txBody>
-          <a:bodyPr/>
-          <a:lstStyle/>
-          <a:p>
-            <a:r>
-              <a:rPr lang="en-US" dirty="0"/>
-              <a:t>TDD Coding Kata: Birthday Emails 		</a:t>
-            </a:r>
-            <a:r>
-              <a:rPr lang="en-US" i="1" dirty="0"/>
-              <a:t>2/2</a:t>
-            </a:r>
-          </a:p>
-        </p:txBody>
-      </p:sp>
-      <p:sp>
-        <p:nvSpPr>
-          <p:cNvPr id="3" name="Content Placeholder 2">
-            <a:extLst>
-              <a:ext uri="{FF2B5EF4-FFF2-40B4-BE49-F238E27FC236}">
-                <a16:creationId xmlns:a16="http://schemas.microsoft.com/office/drawing/2014/main" id="{11FBF625-48B3-665A-9F70-28EC177CEC29}"/>
-              </a:ext>
-            </a:extLst>
-          </p:cNvPr>
-          <p:cNvSpPr>
-            <a:spLocks noGrp="1"/>
-          </p:cNvSpPr>
-          <p:nvPr>
-            <p:ph idx="1"/>
-          </p:nvPr>
-        </p:nvSpPr>
-        <p:spPr>
-          <a:xfrm>
-            <a:off x="838200" y="1414020"/>
-            <a:ext cx="10515600" cy="5363851"/>
-          </a:xfrm>
-        </p:spPr>
-        <p:txBody>
-          <a:bodyPr>
-            <a:normAutofit fontScale="85000" lnSpcReduction="10000"/>
-          </a:bodyPr>
-          <a:lstStyle/>
-          <a:p>
-            <a:pPr marL="0" indent="0">
-              <a:buNone/>
-            </a:pPr>
-            <a:r>
-              <a:rPr lang="en-US" sz="2200" b="1" dirty="0"/>
-              <a:t>Tips</a:t>
-            </a:r>
-          </a:p>
-          <a:p>
-            <a:pPr marL="0" indent="0">
-              <a:buNone/>
-            </a:pPr>
-            <a:r>
-              <a:rPr lang="en-US" sz="1800" dirty="0"/>
-              <a:t>The program should be invoked by a main program like this one:</a:t>
-            </a:r>
-          </a:p>
-          <a:p>
-            <a:pPr marL="0" indent="0">
-              <a:buNone/>
-            </a:pPr>
-            <a:endParaRPr lang="en-US" sz="1800" dirty="0"/>
-          </a:p>
-          <a:p>
-            <a:pPr marL="0" indent="0">
-              <a:buNone/>
-            </a:pPr>
-            <a:endParaRPr lang="en-US" sz="1800" dirty="0"/>
-          </a:p>
-          <a:p>
-            <a:pPr marL="0" indent="0">
-              <a:buNone/>
-            </a:pPr>
-            <a:endParaRPr lang="en-US" sz="1800" dirty="0"/>
-          </a:p>
-          <a:p>
-            <a:pPr marL="0" indent="0">
-              <a:buNone/>
-            </a:pPr>
-            <a:endParaRPr lang="en-US" sz="1800" dirty="0"/>
-          </a:p>
-          <a:p>
-            <a:pPr marL="0" indent="0">
-              <a:buNone/>
-            </a:pPr>
-            <a:endParaRPr lang="en-US" sz="1800" dirty="0"/>
-          </a:p>
-          <a:p>
-            <a:pPr marL="0" indent="0">
-              <a:buNone/>
-            </a:pPr>
-            <a:r>
-              <a:rPr lang="en-US" sz="1800" dirty="0"/>
-              <a:t>Note that the collaborators of the </a:t>
-            </a:r>
-            <a:r>
-              <a:rPr lang="en-US" sz="1800" dirty="0" err="1">
-                <a:latin typeface="Cascadia Code Light" panose="020B0609020000020004" pitchFamily="49" charset="0"/>
-                <a:ea typeface="Cascadia Code Light" panose="020B0609020000020004" pitchFamily="49" charset="0"/>
-                <a:cs typeface="Cascadia Code Light" panose="020B0609020000020004" pitchFamily="49" charset="0"/>
-              </a:rPr>
-              <a:t>birthdayService</a:t>
-            </a:r>
-            <a:r>
-              <a:rPr lang="en-US" sz="1800" dirty="0"/>
-              <a:t> objects are injected in it. Ideally domain code should never use the new operator. The new operator is called from outside the domain code, to set up an aggregate of objects that work together.</a:t>
-            </a:r>
-          </a:p>
-          <a:p>
-            <a:pPr marL="0" indent="0">
-              <a:buNone/>
-            </a:pPr>
-            <a:endParaRPr lang="en-US" sz="1800" dirty="0"/>
-          </a:p>
-          <a:p>
-            <a:pPr marL="0" indent="0">
-              <a:buNone/>
-            </a:pPr>
-            <a:r>
-              <a:rPr lang="en-US" sz="2200" b="1" dirty="0"/>
-              <a:t>Goals</a:t>
-            </a:r>
-          </a:p>
-          <a:p>
-            <a:pPr marL="0" indent="0">
-              <a:buNone/>
-            </a:pPr>
-            <a:r>
-              <a:rPr lang="en-US" sz="1800" dirty="0"/>
-              <a:t>The goal of this exercise is to produce a solution that is</a:t>
-            </a:r>
-          </a:p>
-          <a:p>
-            <a:pPr marL="0" indent="0">
-              <a:buNone/>
-            </a:pPr>
-            <a:endParaRPr lang="en-US" sz="1800" dirty="0"/>
-          </a:p>
-          <a:p>
-            <a:r>
-              <a:rPr lang="en-US" sz="1800" dirty="0"/>
-              <a:t>Testable; we should be able to test the internal application logic with no need to ever send a real email.</a:t>
-            </a:r>
-          </a:p>
-          <a:p>
-            <a:r>
-              <a:rPr lang="en-US" sz="1800" dirty="0"/>
-              <a:t>Flexible: we anticipate that the data source in the future could change from a flat file to a relational database, or perhaps a web service. We also anticipate that the email service could soon be replaced with a service that sends greetings through Facebook or some other social network.</a:t>
-            </a:r>
-          </a:p>
-          <a:p>
-            <a:r>
-              <a:rPr lang="en-US" sz="1800" dirty="0"/>
-              <a:t>Well-designed: separate clearly the business logic from the infrastructure.</a:t>
-            </a:r>
-          </a:p>
-        </p:txBody>
-      </p:sp>
-      <p:sp>
-        <p:nvSpPr>
-          <p:cNvPr id="5" name="TextBox 4">
-            <a:extLst>
-              <a:ext uri="{FF2B5EF4-FFF2-40B4-BE49-F238E27FC236}">
-                <a16:creationId xmlns:a16="http://schemas.microsoft.com/office/drawing/2014/main" id="{FBAE679C-B281-5B11-F707-39A8338B0C6A}"/>
-              </a:ext>
-            </a:extLst>
-          </p:cNvPr>
-          <p:cNvSpPr txBox="1"/>
-          <p:nvPr/>
-        </p:nvSpPr>
-        <p:spPr>
-          <a:xfrm>
-            <a:off x="908901" y="2105561"/>
-            <a:ext cx="10444899" cy="1323439"/>
-          </a:xfrm>
           <a:prstGeom prst="rect">
             <a:avLst/>
           </a:prstGeom>
-          <a:solidFill>
-            <a:schemeClr val="bg1">
-              <a:lumMod val="95000"/>
-            </a:schemeClr>
-          </a:solidFill>
         </p:spPr>
         <p:txBody>
-          <a:bodyPr wrap="square" rtlCol="0">
-            <a:spAutoFit/>
+          <a:bodyPr vert="horz" lIns="91440" tIns="45720" rIns="91440" bIns="45720" rtlCol="0" anchor="ctr">
+            <a:normAutofit/>
           </a:bodyPr>
-          <a:lstStyle/>
-          <a:p>
-            <a:pPr marL="0" indent="0">
-              <a:buNone/>
-            </a:pPr>
-            <a:r>
-              <a:rPr lang="en-US" sz="1600" dirty="0">
-                <a:latin typeface="Cascadia Code Light" panose="020B0609020000020004" pitchFamily="49" charset="0"/>
-                <a:ea typeface="Cascadia Code Light" panose="020B0609020000020004" pitchFamily="49" charset="0"/>
-                <a:cs typeface="Cascadia Code Light" panose="020B0609020000020004" pitchFamily="49" charset="0"/>
-              </a:rPr>
-              <a:t>public static void main(String[] </a:t>
-            </a:r>
-            <a:r>
-              <a:rPr lang="en-US" sz="1600" dirty="0" err="1">
-                <a:latin typeface="Cascadia Code Light" panose="020B0609020000020004" pitchFamily="49" charset="0"/>
-                <a:ea typeface="Cascadia Code Light" panose="020B0609020000020004" pitchFamily="49" charset="0"/>
-                <a:cs typeface="Cascadia Code Light" panose="020B0609020000020004" pitchFamily="49" charset="0"/>
-              </a:rPr>
-              <a:t>args</a:t>
-            </a:r>
-            <a:r>
-              <a:rPr lang="en-US" sz="1600" dirty="0">
-                <a:latin typeface="Cascadia Code Light" panose="020B0609020000020004" pitchFamily="49" charset="0"/>
-                <a:ea typeface="Cascadia Code Light" panose="020B0609020000020004" pitchFamily="49" charset="0"/>
-                <a:cs typeface="Cascadia Code Light" panose="020B0609020000020004" pitchFamily="49" charset="0"/>
-              </a:rPr>
-              <a:t>) {</a:t>
-            </a:r>
-          </a:p>
-          <a:p>
-            <a:pPr marL="0" indent="0">
-              <a:buNone/>
-            </a:pPr>
-            <a:r>
-              <a:rPr lang="en-US" sz="1600" dirty="0">
-                <a:latin typeface="Cascadia Code Light" panose="020B0609020000020004" pitchFamily="49" charset="0"/>
-                <a:ea typeface="Cascadia Code Light" panose="020B0609020000020004" pitchFamily="49" charset="0"/>
-                <a:cs typeface="Cascadia Code Light" panose="020B0609020000020004" pitchFamily="49" charset="0"/>
-              </a:rPr>
-              <a:t>    ...</a:t>
-            </a:r>
-          </a:p>
-          <a:p>
-            <a:pPr marL="0" indent="0">
-              <a:buNone/>
-            </a:pPr>
-            <a:r>
-              <a:rPr lang="en-US" sz="1600" dirty="0">
-                <a:latin typeface="Cascadia Code Light" panose="020B0609020000020004" pitchFamily="49" charset="0"/>
-                <a:ea typeface="Cascadia Code Light" panose="020B0609020000020004" pitchFamily="49" charset="0"/>
-                <a:cs typeface="Cascadia Code Light" panose="020B0609020000020004" pitchFamily="49" charset="0"/>
-              </a:rPr>
-              <a:t>    var </a:t>
-            </a:r>
-            <a:r>
-              <a:rPr lang="en-US" sz="1600" dirty="0" err="1">
-                <a:latin typeface="Cascadia Code Light" panose="020B0609020000020004" pitchFamily="49" charset="0"/>
-                <a:ea typeface="Cascadia Code Light" panose="020B0609020000020004" pitchFamily="49" charset="0"/>
-                <a:cs typeface="Cascadia Code Light" panose="020B0609020000020004" pitchFamily="49" charset="0"/>
-              </a:rPr>
-              <a:t>birthdayService</a:t>
-            </a:r>
-            <a:r>
-              <a:rPr lang="en-US" sz="1600" dirty="0">
-                <a:latin typeface="Cascadia Code Light" panose="020B0609020000020004" pitchFamily="49" charset="0"/>
-                <a:ea typeface="Cascadia Code Light" panose="020B0609020000020004" pitchFamily="49" charset="0"/>
-                <a:cs typeface="Cascadia Code Light" panose="020B0609020000020004" pitchFamily="49" charset="0"/>
-              </a:rPr>
-              <a:t> = new </a:t>
-            </a:r>
-            <a:r>
-              <a:rPr lang="en-US" sz="1600" dirty="0" err="1">
-                <a:latin typeface="Cascadia Code Light" panose="020B0609020000020004" pitchFamily="49" charset="0"/>
-                <a:ea typeface="Cascadia Code Light" panose="020B0609020000020004" pitchFamily="49" charset="0"/>
-                <a:cs typeface="Cascadia Code Light" panose="020B0609020000020004" pitchFamily="49" charset="0"/>
-              </a:rPr>
-              <a:t>BirthdayService</a:t>
-            </a:r>
-            <a:r>
-              <a:rPr lang="en-US" sz="1600" dirty="0">
-                <a:latin typeface="Cascadia Code Light" panose="020B0609020000020004" pitchFamily="49" charset="0"/>
-                <a:ea typeface="Cascadia Code Light" panose="020B0609020000020004" pitchFamily="49" charset="0"/>
-                <a:cs typeface="Cascadia Code Light" panose="020B0609020000020004" pitchFamily="49" charset="0"/>
-              </a:rPr>
-              <a:t>(</a:t>
-            </a:r>
-            <a:r>
-              <a:rPr lang="en-US" sz="1600" dirty="0" err="1">
-                <a:latin typeface="Cascadia Code Light" panose="020B0609020000020004" pitchFamily="49" charset="0"/>
-                <a:ea typeface="Cascadia Code Light" panose="020B0609020000020004" pitchFamily="49" charset="0"/>
-                <a:cs typeface="Cascadia Code Light" panose="020B0609020000020004" pitchFamily="49" charset="0"/>
-              </a:rPr>
-              <a:t>employeeRepository</a:t>
-            </a:r>
-            <a:r>
-              <a:rPr lang="en-US" sz="1600" dirty="0">
-                <a:latin typeface="Cascadia Code Light" panose="020B0609020000020004" pitchFamily="49" charset="0"/>
-                <a:ea typeface="Cascadia Code Light" panose="020B0609020000020004" pitchFamily="49" charset="0"/>
-                <a:cs typeface="Cascadia Code Light" panose="020B0609020000020004" pitchFamily="49" charset="0"/>
-              </a:rPr>
-              <a:t>, </a:t>
-            </a:r>
-            <a:r>
-              <a:rPr lang="en-US" sz="1600" dirty="0" err="1">
-                <a:latin typeface="Cascadia Code Light" panose="020B0609020000020004" pitchFamily="49" charset="0"/>
-                <a:ea typeface="Cascadia Code Light" panose="020B0609020000020004" pitchFamily="49" charset="0"/>
-                <a:cs typeface="Cascadia Code Light" panose="020B0609020000020004" pitchFamily="49" charset="0"/>
-              </a:rPr>
-              <a:t>emailService</a:t>
-            </a:r>
-            <a:r>
-              <a:rPr lang="en-US" sz="1600" dirty="0">
-                <a:latin typeface="Cascadia Code Light" panose="020B0609020000020004" pitchFamily="49" charset="0"/>
-                <a:ea typeface="Cascadia Code Light" panose="020B0609020000020004" pitchFamily="49" charset="0"/>
-                <a:cs typeface="Cascadia Code Light" panose="020B0609020000020004" pitchFamily="49" charset="0"/>
-              </a:rPr>
-              <a:t>);</a:t>
-            </a:r>
-          </a:p>
-          <a:p>
-            <a:pPr marL="0" indent="0">
-              <a:buNone/>
-            </a:pPr>
-            <a:r>
-              <a:rPr lang="en-US" sz="1600" dirty="0">
-                <a:latin typeface="Cascadia Code Light" panose="020B0609020000020004" pitchFamily="49" charset="0"/>
-                <a:ea typeface="Cascadia Code Light" panose="020B0609020000020004" pitchFamily="49" charset="0"/>
-                <a:cs typeface="Cascadia Code Light" panose="020B0609020000020004" pitchFamily="49" charset="0"/>
-              </a:rPr>
-              <a:t>    </a:t>
-            </a:r>
-            <a:r>
-              <a:rPr lang="en-US" sz="1600" dirty="0" err="1">
-                <a:latin typeface="Cascadia Code Light" panose="020B0609020000020004" pitchFamily="49" charset="0"/>
-                <a:ea typeface="Cascadia Code Light" panose="020B0609020000020004" pitchFamily="49" charset="0"/>
-                <a:cs typeface="Cascadia Code Light" panose="020B0609020000020004" pitchFamily="49" charset="0"/>
-              </a:rPr>
-              <a:t>birthdayService.sendGreetings</a:t>
-            </a:r>
-            <a:r>
-              <a:rPr lang="en-US" sz="1600" dirty="0">
-                <a:latin typeface="Cascadia Code Light" panose="020B0609020000020004" pitchFamily="49" charset="0"/>
-                <a:ea typeface="Cascadia Code Light" panose="020B0609020000020004" pitchFamily="49" charset="0"/>
-                <a:cs typeface="Cascadia Code Light" panose="020B0609020000020004" pitchFamily="49" charset="0"/>
-              </a:rPr>
-              <a:t>(today());</a:t>
-            </a:r>
-          </a:p>
-          <a:p>
-            <a:pPr marL="0" indent="0">
-              <a:buNone/>
-            </a:pPr>
-            <a:r>
-              <a:rPr lang="en-US" sz="1600" dirty="0">
-                <a:latin typeface="Cascadia Code Light" panose="020B0609020000020004" pitchFamily="49" charset="0"/>
-                <a:ea typeface="Cascadia Code Light" panose="020B0609020000020004" pitchFamily="49" charset="0"/>
-                <a:cs typeface="Cascadia Code Light" panose="020B0609020000020004" pitchFamily="49" charset="0"/>
-              </a:rPr>
-              <a:t>}</a:t>
+          <a:lstStyle>
+            <a:lvl1pPr algn="l" defTabSz="914400" rtl="0" eaLnBrk="1" latinLnBrk="0" hangingPunct="1">
+              <a:lnSpc>
+                <a:spcPct val="90000"/>
+              </a:lnSpc>
+              <a:spcBef>
+                <a:spcPct val="0"/>
+              </a:spcBef>
+              <a:buNone/>
+              <a:defRPr sz="4400" kern="1200">
+                <a:solidFill>
+                  <a:schemeClr val="tx1"/>
+                </a:solidFill>
+                <a:latin typeface="+mj-lt"/>
+                <a:ea typeface="+mj-ea"/>
+                <a:cs typeface="+mj-cs"/>
+              </a:defRPr>
+            </a:lvl1pPr>
+          </a:lstStyle>
+          <a:p>
+            <a:r>
+              <a:rPr lang="en-US" dirty="0"/>
+              <a:t>Why TDD?</a:t>
             </a:r>
           </a:p>
         </p:txBody>
@@ -4488,7 +7260,7 @@
     </p:spTree>
     <p:extLst>
       <p:ext uri="{BB962C8B-B14F-4D97-AF65-F5344CB8AC3E}">
-        <p14:creationId xmlns:p14="http://schemas.microsoft.com/office/powerpoint/2010/main" val="1798009566"/>
+        <p14:creationId xmlns:p14="http://schemas.microsoft.com/office/powerpoint/2010/main" val="3877015813"/>
       </p:ext>
     </p:extLst>
   </p:cSld>
@@ -4506,7 +7278,7 @@
         <p:cNvPr id="1" name="">
           <a:extLst>
             <a:ext uri="{FF2B5EF4-FFF2-40B4-BE49-F238E27FC236}">
-              <a16:creationId xmlns:a16="http://schemas.microsoft.com/office/drawing/2014/main" id="{4A299E4C-CB73-070E-F878-C20B5CFD07AA}"/>
+              <a16:creationId xmlns:a16="http://schemas.microsoft.com/office/drawing/2014/main" id="{29A162B6-4884-4C0A-F1C3-794FEB8AFB2B}"/>
             </a:ext>
           </a:extLst>
         </p:cNvPr>
@@ -4521,60 +7293,483 @@
           <a:chExt cx="0" cy="0"/>
         </a:xfrm>
       </p:grpSpPr>
-      <p:sp>
-        <p:nvSpPr>
-          <p:cNvPr id="2" name="Title 1">
-            <a:extLst>
-              <a:ext uri="{FF2B5EF4-FFF2-40B4-BE49-F238E27FC236}">
-                <a16:creationId xmlns:a16="http://schemas.microsoft.com/office/drawing/2014/main" id="{0A067112-4358-A988-D41B-0F36CF031BBA}"/>
-              </a:ext>
-            </a:extLst>
-          </p:cNvPr>
-          <p:cNvSpPr>
-            <a:spLocks noGrp="1"/>
-          </p:cNvSpPr>
-          <p:nvPr>
-            <p:ph type="title"/>
-          </p:nvPr>
+      <p:pic>
+        <p:nvPicPr>
+          <p:cNvPr id="9" name="Picture 8">
+            <a:extLst>
+              <a:ext uri="{FF2B5EF4-FFF2-40B4-BE49-F238E27FC236}">
+                <a16:creationId xmlns:a16="http://schemas.microsoft.com/office/drawing/2014/main" id="{20F535A3-B810-096F-FEDC-59EA37280205}"/>
+              </a:ext>
+            </a:extLst>
+          </p:cNvPr>
+          <p:cNvPicPr>
+            <a:picLocks noChangeAspect="1"/>
+          </p:cNvPicPr>
+          <p:nvPr/>
+        </p:nvPicPr>
+        <p:blipFill>
+          <a:blip r:embed="rId3"/>
+          <a:stretch>
+            <a:fillRect/>
+          </a:stretch>
+        </p:blipFill>
+        <p:spPr>
+          <a:xfrm>
+            <a:off x="5677426" y="670697"/>
+            <a:ext cx="6144482" cy="5830114"/>
+          </a:xfrm>
+          <a:prstGeom prst="rect">
+            <a:avLst/>
+          </a:prstGeom>
+        </p:spPr>
+      </p:pic>
+      <p:sp>
+        <p:nvSpPr>
+          <p:cNvPr id="3" name="Content Placeholder 2">
+            <a:extLst>
+              <a:ext uri="{FF2B5EF4-FFF2-40B4-BE49-F238E27FC236}">
+                <a16:creationId xmlns:a16="http://schemas.microsoft.com/office/drawing/2014/main" id="{13472234-2094-E5F4-92DD-A884EF573105}"/>
+              </a:ext>
+            </a:extLst>
+          </p:cNvPr>
+          <p:cNvSpPr>
+            <a:spLocks noGrp="1"/>
+          </p:cNvSpPr>
+          <p:nvPr>
+            <p:ph idx="1"/>
+          </p:nvPr>
+        </p:nvSpPr>
+        <p:spPr>
+          <a:xfrm>
+            <a:off x="838200" y="1832372"/>
+            <a:ext cx="4839226" cy="5025628"/>
+          </a:xfrm>
+        </p:spPr>
+        <p:txBody>
+          <a:bodyPr>
+            <a:normAutofit/>
+          </a:bodyPr>
+          <a:lstStyle/>
+          <a:p>
+            <a:pPr marL="0" indent="0">
+              <a:buNone/>
+            </a:pPr>
+            <a:r>
+              <a:rPr lang="en-US" dirty="0"/>
+              <a:t>The tri-color TDD hat:</a:t>
+            </a:r>
+          </a:p>
+          <a:p>
+            <a:r>
+              <a:rPr lang="en-US" dirty="0">
+                <a:solidFill>
+                  <a:srgbClr val="FF5050"/>
+                </a:solidFill>
+              </a:rPr>
+              <a:t>Design </a:t>
+            </a:r>
+            <a:r>
+              <a:rPr lang="en-US" dirty="0"/>
+              <a:t>– focus on design and testability</a:t>
+            </a:r>
+          </a:p>
+          <a:p>
+            <a:r>
+              <a:rPr lang="en-US" dirty="0">
+                <a:solidFill>
+                  <a:schemeClr val="accent3">
+                    <a:lumMod val="60000"/>
+                    <a:lumOff val="40000"/>
+                  </a:schemeClr>
+                </a:solidFill>
+              </a:rPr>
+              <a:t>Implement </a:t>
+            </a:r>
+            <a:r>
+              <a:rPr lang="en-US" dirty="0"/>
+              <a:t>– focus on validity</a:t>
+            </a:r>
+          </a:p>
+          <a:p>
+            <a:r>
+              <a:rPr lang="en-US" dirty="0">
+                <a:solidFill>
+                  <a:schemeClr val="accent1">
+                    <a:lumMod val="60000"/>
+                    <a:lumOff val="40000"/>
+                  </a:schemeClr>
+                </a:solidFill>
+              </a:rPr>
+              <a:t>Improve </a:t>
+            </a:r>
+            <a:r>
+              <a:rPr lang="en-US" dirty="0"/>
+              <a:t>– focus on quality</a:t>
+            </a:r>
+          </a:p>
+          <a:p>
+            <a:endParaRPr lang="en-US" dirty="0"/>
+          </a:p>
+        </p:txBody>
+      </p:sp>
+      <p:sp>
+        <p:nvSpPr>
+          <p:cNvPr id="6" name="Title 1">
+            <a:extLst>
+              <a:ext uri="{FF2B5EF4-FFF2-40B4-BE49-F238E27FC236}">
+                <a16:creationId xmlns:a16="http://schemas.microsoft.com/office/drawing/2014/main" id="{7E78B1E4-C248-048E-3CD7-0135F8BF2EF8}"/>
+              </a:ext>
+            </a:extLst>
+          </p:cNvPr>
+          <p:cNvSpPr txBox="1">
+            <a:spLocks/>
+          </p:cNvSpPr>
+          <p:nvPr/>
         </p:nvSpPr>
         <p:spPr>
           <a:xfrm>
             <a:off x="838200" y="135893"/>
             <a:ext cx="10515600" cy="1325563"/>
           </a:xfrm>
+          <a:prstGeom prst="rect">
+            <a:avLst/>
+          </a:prstGeom>
         </p:spPr>
         <p:txBody>
-          <a:bodyPr/>
-          <a:lstStyle/>
+          <a:bodyPr vert="horz" lIns="91440" tIns="45720" rIns="91440" bIns="45720" rtlCol="0" anchor="ctr">
+            <a:normAutofit/>
+          </a:bodyPr>
+          <a:lstStyle>
+            <a:lvl1pPr algn="l" defTabSz="914400" rtl="0" eaLnBrk="1" latinLnBrk="0" hangingPunct="1">
+              <a:lnSpc>
+                <a:spcPct val="90000"/>
+              </a:lnSpc>
+              <a:spcBef>
+                <a:spcPct val="0"/>
+              </a:spcBef>
+              <a:buNone/>
+              <a:defRPr sz="4400" kern="1200">
+                <a:solidFill>
+                  <a:schemeClr val="tx1"/>
+                </a:solidFill>
+                <a:latin typeface="+mj-lt"/>
+                <a:ea typeface="+mj-ea"/>
+                <a:cs typeface="+mj-cs"/>
+              </a:defRPr>
+            </a:lvl1pPr>
+          </a:lstStyle>
           <a:p>
             <a:r>
               <a:rPr lang="en-US" dirty="0"/>
-              <a:t>Additional Resources</a:t>
-            </a:r>
-            <a:endParaRPr lang="en-US" i="1" dirty="0"/>
-          </a:p>
-        </p:txBody>
-      </p:sp>
-      <p:sp>
-        <p:nvSpPr>
-          <p:cNvPr id="3" name="Content Placeholder 2">
-            <a:extLst>
-              <a:ext uri="{FF2B5EF4-FFF2-40B4-BE49-F238E27FC236}">
-                <a16:creationId xmlns:a16="http://schemas.microsoft.com/office/drawing/2014/main" id="{A7511FF8-F787-F926-C107-2C868BF1FE88}"/>
-              </a:ext>
-            </a:extLst>
-          </p:cNvPr>
-          <p:cNvSpPr>
-            <a:spLocks noGrp="1"/>
-          </p:cNvSpPr>
-          <p:nvPr>
-            <p:ph idx="1"/>
-          </p:nvPr>
-        </p:nvSpPr>
+              <a:t>Red &gt; Green &gt; Refactor</a:t>
+            </a:r>
+          </a:p>
+        </p:txBody>
+      </p:sp>
+    </p:spTree>
+    <p:extLst>
+      <p:ext uri="{BB962C8B-B14F-4D97-AF65-F5344CB8AC3E}">
+        <p14:creationId xmlns:p14="http://schemas.microsoft.com/office/powerpoint/2010/main" val="2774515447"/>
+      </p:ext>
+    </p:extLst>
+  </p:cSld>
+  <p:clrMapOvr>
+    <a:masterClrMapping/>
+  </p:clrMapOvr>
+</p:sld>
+</file>
+
+<file path=ppt/slides/slide7.xml><?xml version="1.0" encoding="utf-8"?>
+<p:sld xmlns:a="http://schemas.openxmlformats.org/drawingml/2006/main" xmlns:r="http://schemas.openxmlformats.org/officeDocument/2006/relationships" xmlns:p="http://schemas.openxmlformats.org/presentationml/2006/main">
+  <p:cSld>
+    <p:spTree>
+      <p:nvGrpSpPr>
+        <p:cNvPr id="1" name="">
+          <a:extLst>
+            <a:ext uri="{FF2B5EF4-FFF2-40B4-BE49-F238E27FC236}">
+              <a16:creationId xmlns:a16="http://schemas.microsoft.com/office/drawing/2014/main" id="{416862DD-E2CB-9AB0-6898-9B32B26A0DB6}"/>
+            </a:ext>
+          </a:extLst>
+        </p:cNvPr>
+        <p:cNvGrpSpPr/>
+        <p:nvPr/>
+      </p:nvGrpSpPr>
+      <p:grpSpPr>
+        <a:xfrm>
+          <a:off x="0" y="0"/>
+          <a:ext cx="0" cy="0"/>
+          <a:chOff x="0" y="0"/>
+          <a:chExt cx="0" cy="0"/>
+        </a:xfrm>
+      </p:grpSpPr>
+      <p:pic>
+        <p:nvPicPr>
+          <p:cNvPr id="12" name="Picture 11">
+            <a:extLst>
+              <a:ext uri="{FF2B5EF4-FFF2-40B4-BE49-F238E27FC236}">
+                <a16:creationId xmlns:a16="http://schemas.microsoft.com/office/drawing/2014/main" id="{B84F18C5-2418-64D1-FBC1-9F2D70A73799}"/>
+              </a:ext>
+            </a:extLst>
+          </p:cNvPr>
+          <p:cNvPicPr>
+            <a:picLocks noChangeAspect="1"/>
+          </p:cNvPicPr>
+          <p:nvPr/>
+        </p:nvPicPr>
+        <p:blipFill>
+          <a:blip r:embed="rId2"/>
+          <a:stretch>
+            <a:fillRect/>
+          </a:stretch>
+        </p:blipFill>
         <p:spPr>
           <a:xfrm>
-            <a:off x="838200" y="1414020"/>
-            <a:ext cx="10624794" cy="5363851"/>
+            <a:off x="5104411" y="246727"/>
+            <a:ext cx="7087589" cy="6611273"/>
+          </a:xfrm>
+          <a:prstGeom prst="rect">
+            <a:avLst/>
+          </a:prstGeom>
+        </p:spPr>
+      </p:pic>
+      <p:sp>
+        <p:nvSpPr>
+          <p:cNvPr id="6" name="Title 1">
+            <a:extLst>
+              <a:ext uri="{FF2B5EF4-FFF2-40B4-BE49-F238E27FC236}">
+                <a16:creationId xmlns:a16="http://schemas.microsoft.com/office/drawing/2014/main" id="{970EB419-2865-E0FE-D256-77E9E5D50D06}"/>
+              </a:ext>
+            </a:extLst>
+          </p:cNvPr>
+          <p:cNvSpPr txBox="1">
+            <a:spLocks/>
+          </p:cNvSpPr>
+          <p:nvPr/>
+        </p:nvSpPr>
+        <p:spPr>
+          <a:xfrm>
+            <a:off x="838200" y="135893"/>
+            <a:ext cx="10515600" cy="1325563"/>
+          </a:xfrm>
+          <a:prstGeom prst="rect">
+            <a:avLst/>
+          </a:prstGeom>
+        </p:spPr>
+        <p:txBody>
+          <a:bodyPr vert="horz" lIns="91440" tIns="45720" rIns="91440" bIns="45720" rtlCol="0" anchor="ctr">
+            <a:normAutofit/>
+          </a:bodyPr>
+          <a:lstStyle>
+            <a:lvl1pPr algn="l" defTabSz="914400" rtl="0" eaLnBrk="1" latinLnBrk="0" hangingPunct="1">
+              <a:lnSpc>
+                <a:spcPct val="90000"/>
+              </a:lnSpc>
+              <a:spcBef>
+                <a:spcPct val="0"/>
+              </a:spcBef>
+              <a:buNone/>
+              <a:defRPr sz="4400" kern="1200">
+                <a:solidFill>
+                  <a:schemeClr val="tx1"/>
+                </a:solidFill>
+                <a:latin typeface="+mj-lt"/>
+                <a:ea typeface="+mj-ea"/>
+                <a:cs typeface="+mj-cs"/>
+              </a:defRPr>
+            </a:lvl1pPr>
+          </a:lstStyle>
+          <a:p>
+            <a:r>
+              <a:rPr lang="en-US" dirty="0"/>
+              <a:t>TDD and CI/CD</a:t>
+            </a:r>
+          </a:p>
+        </p:txBody>
+      </p:sp>
+      <p:sp>
+        <p:nvSpPr>
+          <p:cNvPr id="5" name="TextBox 4">
+            <a:extLst>
+              <a:ext uri="{FF2B5EF4-FFF2-40B4-BE49-F238E27FC236}">
+                <a16:creationId xmlns:a16="http://schemas.microsoft.com/office/drawing/2014/main" id="{6D0007B3-8A47-9F2A-3A05-65B09A8F7E62}"/>
+              </a:ext>
+            </a:extLst>
+          </p:cNvPr>
+          <p:cNvSpPr txBox="1"/>
+          <p:nvPr/>
+        </p:nvSpPr>
+        <p:spPr>
+          <a:xfrm>
+            <a:off x="409303" y="1384663"/>
+            <a:ext cx="4841966" cy="3693319"/>
+          </a:xfrm>
+          <a:prstGeom prst="rect">
+            <a:avLst/>
+          </a:prstGeom>
+          <a:noFill/>
+        </p:spPr>
+        <p:txBody>
+          <a:bodyPr wrap="square" rtlCol="0">
+            <a:spAutoFit/>
+          </a:bodyPr>
+          <a:lstStyle/>
+          <a:p>
+            <a:endParaRPr lang="en-US" dirty="0"/>
+          </a:p>
+          <a:p>
+            <a:r>
+              <a:rPr lang="en-US" dirty="0"/>
+              <a:t>CI/CD Pipeline stages</a:t>
+            </a:r>
+          </a:p>
+          <a:p>
+            <a:pPr marL="285750" indent="-285750">
+              <a:buFont typeface="Arial" panose="020B0604020202020204" pitchFamily="34" charset="0"/>
+              <a:buChar char="•"/>
+            </a:pPr>
+            <a:r>
+              <a:rPr lang="en-US" dirty="0"/>
+              <a:t>Commit stage (&lt;5 min)</a:t>
+            </a:r>
+          </a:p>
+          <a:p>
+            <a:pPr marL="285750" indent="-285750">
+              <a:buFont typeface="Arial" panose="020B0604020202020204" pitchFamily="34" charset="0"/>
+              <a:buChar char="•"/>
+            </a:pPr>
+            <a:r>
+              <a:rPr lang="en-US" dirty="0"/>
+              <a:t>Acceptance stage (&lt;60 min)</a:t>
+            </a:r>
+          </a:p>
+          <a:p>
+            <a:pPr marL="285750" indent="-285750">
+              <a:buFont typeface="Arial" panose="020B0604020202020204" pitchFamily="34" charset="0"/>
+              <a:buChar char="•"/>
+            </a:pPr>
+            <a:r>
+              <a:rPr lang="en-US" dirty="0"/>
+              <a:t>Release stage</a:t>
+            </a:r>
+          </a:p>
+          <a:p>
+            <a:pPr marL="742950" lvl="1" indent="-285750">
+              <a:buFont typeface="Arial" panose="020B0604020202020204" pitchFamily="34" charset="0"/>
+              <a:buChar char="•"/>
+            </a:pPr>
+            <a:endParaRPr lang="en-US" dirty="0"/>
+          </a:p>
+          <a:p>
+            <a:pPr marL="742950" lvl="1" indent="-285750">
+              <a:buFont typeface="Arial" panose="020B0604020202020204" pitchFamily="34" charset="0"/>
+              <a:buChar char="•"/>
+            </a:pPr>
+            <a:endParaRPr lang="en-US" dirty="0"/>
+          </a:p>
+          <a:p>
+            <a:pPr marL="742950" lvl="1" indent="-285750">
+              <a:buFont typeface="Arial" panose="020B0604020202020204" pitchFamily="34" charset="0"/>
+              <a:buChar char="•"/>
+            </a:pPr>
+            <a:endParaRPr lang="en-US" dirty="0"/>
+          </a:p>
+          <a:p>
+            <a:r>
+              <a:rPr lang="en-US" dirty="0"/>
+              <a:t>Test-Driven Development</a:t>
+            </a:r>
+          </a:p>
+          <a:p>
+            <a:pPr marL="285750" indent="-285750">
+              <a:buFont typeface="Arial" panose="020B0604020202020204" pitchFamily="34" charset="0"/>
+              <a:buChar char="•"/>
+            </a:pPr>
+            <a:r>
+              <a:rPr lang="en-US" dirty="0"/>
+              <a:t>Promotes small, iterative improvements</a:t>
+            </a:r>
+          </a:p>
+          <a:p>
+            <a:pPr marL="285750" indent="-285750">
+              <a:buFont typeface="Arial" panose="020B0604020202020204" pitchFamily="34" charset="0"/>
+              <a:buChar char="•"/>
+            </a:pPr>
+            <a:r>
+              <a:rPr lang="en-US" dirty="0"/>
+              <a:t>Provides fast feedback for the commit stage</a:t>
+            </a:r>
+          </a:p>
+          <a:p>
+            <a:pPr marL="285750" indent="-285750">
+              <a:buFont typeface="Arial" panose="020B0604020202020204" pitchFamily="34" charset="0"/>
+              <a:buChar char="•"/>
+            </a:pPr>
+            <a:r>
+              <a:rPr lang="en-US" dirty="0"/>
+              <a:t>About 80% confidence of code releasability</a:t>
+            </a:r>
+          </a:p>
+          <a:p>
+            <a:endParaRPr lang="en-US" dirty="0"/>
+          </a:p>
+        </p:txBody>
+      </p:sp>
+    </p:spTree>
+    <p:extLst>
+      <p:ext uri="{BB962C8B-B14F-4D97-AF65-F5344CB8AC3E}">
+        <p14:creationId xmlns:p14="http://schemas.microsoft.com/office/powerpoint/2010/main" val="2646967264"/>
+      </p:ext>
+    </p:extLst>
+  </p:cSld>
+  <p:clrMapOvr>
+    <a:masterClrMapping/>
+  </p:clrMapOvr>
+</p:sld>
+</file>
+
+<file path=ppt/slides/slide8.xml><?xml version="1.0" encoding="utf-8"?>
+<p:sld xmlns:a="http://schemas.openxmlformats.org/drawingml/2006/main" xmlns:r="http://schemas.openxmlformats.org/officeDocument/2006/relationships" xmlns:p="http://schemas.openxmlformats.org/presentationml/2006/main">
+  <p:cSld>
+    <p:spTree>
+      <p:nvGrpSpPr>
+        <p:cNvPr id="1" name="">
+          <a:extLst>
+            <a:ext uri="{FF2B5EF4-FFF2-40B4-BE49-F238E27FC236}">
+              <a16:creationId xmlns:a16="http://schemas.microsoft.com/office/drawing/2014/main" id="{835ADD1E-C712-E2D5-DCC0-5F9B10C8BEA6}"/>
+            </a:ext>
+          </a:extLst>
+        </p:cNvPr>
+        <p:cNvGrpSpPr/>
+        <p:nvPr/>
+      </p:nvGrpSpPr>
+      <p:grpSpPr>
+        <a:xfrm>
+          <a:off x="0" y="0"/>
+          <a:ext cx="0" cy="0"/>
+          <a:chOff x="0" y="0"/>
+          <a:chExt cx="0" cy="0"/>
+        </a:xfrm>
+      </p:grpSpPr>
+      <p:sp>
+        <p:nvSpPr>
+          <p:cNvPr id="3" name="Content Placeholder 2">
+            <a:extLst>
+              <a:ext uri="{FF2B5EF4-FFF2-40B4-BE49-F238E27FC236}">
+                <a16:creationId xmlns:a16="http://schemas.microsoft.com/office/drawing/2014/main" id="{3C295517-55F2-3398-7B10-83578A4750C6}"/>
+              </a:ext>
+            </a:extLst>
+          </p:cNvPr>
+          <p:cNvSpPr>
+            <a:spLocks noGrp="1"/>
+          </p:cNvSpPr>
+          <p:nvPr>
+            <p:ph idx="1"/>
+          </p:nvPr>
+        </p:nvSpPr>
+        <p:spPr>
+          <a:xfrm>
+            <a:off x="838199" y="1253331"/>
+            <a:ext cx="10613571" cy="5468776"/>
           </a:xfrm>
         </p:spPr>
         <p:txBody>
@@ -4583,87 +7778,255 @@
           </a:bodyPr>
           <a:lstStyle/>
           <a:p>
-            <a:r>
-              <a:rPr lang="en-US" sz="1800" dirty="0">
-                <a:hlinkClick r:id="rId2"/>
-              </a:rPr>
-              <a:t>Continuous Delivery </a:t>
-            </a:r>
-            <a:r>
-              <a:rPr lang="en-US" sz="1800" dirty="0" err="1">
-                <a:hlinkClick r:id="rId2"/>
-              </a:rPr>
-              <a:t>Youtube</a:t>
-            </a:r>
-            <a:r>
-              <a:rPr lang="en-US" sz="1800" dirty="0">
-                <a:hlinkClick r:id="rId2"/>
-              </a:rPr>
-              <a:t> Channel</a:t>
-            </a:r>
-            <a:r>
-              <a:rPr lang="en-US" sz="1800" dirty="0"/>
-              <a:t> – TDD and CI/CD </a:t>
-            </a:r>
-          </a:p>
-          <a:p>
-            <a:r>
-              <a:rPr lang="en-US" sz="1800" dirty="0">
-                <a:hlinkClick r:id="rId3"/>
-              </a:rPr>
-              <a:t>Cyber Dojo </a:t>
-            </a:r>
-            <a:r>
-              <a:rPr lang="en-US" sz="1800" dirty="0"/>
-              <a:t>– Online platform for TDD practice</a:t>
-            </a:r>
-          </a:p>
-          <a:p>
-            <a:r>
-              <a:rPr lang="en-US" sz="1800" dirty="0">
-                <a:hlinkClick r:id="rId4"/>
-              </a:rPr>
-              <a:t>“Modern Software Engineering: Doing What Works to Build Better Software </a:t>
-            </a:r>
-            <a:r>
-              <a:rPr lang="en-US" sz="1800" dirty="0" err="1">
-                <a:hlinkClick r:id="rId4"/>
-              </a:rPr>
-              <a:t>Faster”</a:t>
-            </a:r>
-            <a:r>
-              <a:rPr lang="en-US" sz="1800" dirty="0" err="1"/>
-              <a:t>,Dave</a:t>
-            </a:r>
-            <a:r>
-              <a:rPr lang="en-US" sz="1800" dirty="0"/>
-              <a:t> Farley</a:t>
-            </a:r>
-          </a:p>
-          <a:p>
-            <a:r>
-              <a:rPr lang="en-US" sz="1800" dirty="0">
-                <a:hlinkClick r:id="rId5"/>
-              </a:rPr>
-              <a:t>“Test Driven Development: By Example”</a:t>
-            </a:r>
-            <a:r>
-              <a:rPr lang="en-US" sz="1800" dirty="0"/>
-              <a:t>, Kent Beck</a:t>
-            </a:r>
-          </a:p>
-          <a:p>
-            <a:pPr marL="457200" lvl="1" indent="0">
-              <a:buNone/>
-            </a:pPr>
-            <a:endParaRPr lang="en-US" sz="1400" dirty="0"/>
+            <a:endParaRPr lang="en-US" dirty="0"/>
+          </a:p>
+        </p:txBody>
+      </p:sp>
+      <p:sp>
+        <p:nvSpPr>
+          <p:cNvPr id="6" name="Title 1">
+            <a:extLst>
+              <a:ext uri="{FF2B5EF4-FFF2-40B4-BE49-F238E27FC236}">
+                <a16:creationId xmlns:a16="http://schemas.microsoft.com/office/drawing/2014/main" id="{B610FB29-A7C3-884A-01D1-59ADFCA4ECD3}"/>
+              </a:ext>
+            </a:extLst>
+          </p:cNvPr>
+          <p:cNvSpPr txBox="1">
+            <a:spLocks/>
+          </p:cNvSpPr>
+          <p:nvPr/>
+        </p:nvSpPr>
+        <p:spPr>
+          <a:xfrm>
+            <a:off x="838200" y="135893"/>
+            <a:ext cx="10515600" cy="1325563"/>
+          </a:xfrm>
+          <a:prstGeom prst="rect">
+            <a:avLst/>
+          </a:prstGeom>
+        </p:spPr>
+        <p:txBody>
+          <a:bodyPr vert="horz" lIns="91440" tIns="45720" rIns="91440" bIns="45720" rtlCol="0" anchor="ctr">
+            <a:normAutofit/>
+          </a:bodyPr>
+          <a:lstStyle>
+            <a:lvl1pPr algn="l" defTabSz="914400" rtl="0" eaLnBrk="1" latinLnBrk="0" hangingPunct="1">
+              <a:lnSpc>
+                <a:spcPct val="90000"/>
+              </a:lnSpc>
+              <a:spcBef>
+                <a:spcPct val="0"/>
+              </a:spcBef>
+              <a:buNone/>
+              <a:defRPr sz="4400" kern="1200">
+                <a:solidFill>
+                  <a:schemeClr val="tx1"/>
+                </a:solidFill>
+                <a:latin typeface="+mj-lt"/>
+                <a:ea typeface="+mj-ea"/>
+                <a:cs typeface="+mj-cs"/>
+              </a:defRPr>
+            </a:lvl1pPr>
+          </a:lstStyle>
+          <a:p>
+            <a:r>
+              <a:rPr lang="en-US" dirty="0"/>
+              <a:t>TDD Pitfalls</a:t>
+            </a:r>
           </a:p>
         </p:txBody>
       </p:sp>
     </p:spTree>
     <p:extLst>
       <p:ext uri="{BB962C8B-B14F-4D97-AF65-F5344CB8AC3E}">
-        <p14:creationId xmlns:p14="http://schemas.microsoft.com/office/powerpoint/2010/main" val="1894418657"/>
+        <p14:creationId xmlns:p14="http://schemas.microsoft.com/office/powerpoint/2010/main" val="2501867295"/>
+      </p:ext>
+    </p:extLst>
+  </p:cSld>
+  <p:clrMapOvr>
+    <a:masterClrMapping/>
+  </p:clrMapOvr>
+</p:sld>
+</file>
+
+<file path=ppt/slides/slide9.xml><?xml version="1.0" encoding="utf-8"?>
+<p:sld xmlns:a="http://schemas.openxmlformats.org/drawingml/2006/main" xmlns:r="http://schemas.openxmlformats.org/officeDocument/2006/relationships" xmlns:p="http://schemas.openxmlformats.org/presentationml/2006/main">
+  <p:cSld>
+    <p:spTree>
+      <p:nvGrpSpPr>
+        <p:cNvPr id="1" name="">
+          <a:extLst>
+            <a:ext uri="{FF2B5EF4-FFF2-40B4-BE49-F238E27FC236}">
+              <a16:creationId xmlns:a16="http://schemas.microsoft.com/office/drawing/2014/main" id="{5F21A72E-F0A7-6382-431E-F20B897EE0B0}"/>
+            </a:ext>
+          </a:extLst>
+        </p:cNvPr>
+        <p:cNvGrpSpPr/>
+        <p:nvPr/>
+      </p:nvGrpSpPr>
+      <p:grpSpPr>
+        <a:xfrm>
+          <a:off x="0" y="0"/>
+          <a:ext cx="0" cy="0"/>
+          <a:chOff x="0" y="0"/>
+          <a:chExt cx="0" cy="0"/>
+        </a:xfrm>
+      </p:grpSpPr>
+      <p:sp>
+        <p:nvSpPr>
+          <p:cNvPr id="3" name="Content Placeholder 2">
+            <a:extLst>
+              <a:ext uri="{FF2B5EF4-FFF2-40B4-BE49-F238E27FC236}">
+                <a16:creationId xmlns:a16="http://schemas.microsoft.com/office/drawing/2014/main" id="{64DE745D-E382-D4A6-4355-ECB5B319E6B6}"/>
+              </a:ext>
+            </a:extLst>
+          </p:cNvPr>
+          <p:cNvSpPr>
+            <a:spLocks noGrp="1"/>
+          </p:cNvSpPr>
+          <p:nvPr>
+            <p:ph idx="1"/>
+          </p:nvPr>
+        </p:nvSpPr>
+        <p:spPr>
+          <a:xfrm>
+            <a:off x="838199" y="1253331"/>
+            <a:ext cx="10613571" cy="5468776"/>
+          </a:xfrm>
+        </p:spPr>
+        <p:txBody>
+          <a:bodyPr>
+            <a:normAutofit/>
+          </a:bodyPr>
+          <a:lstStyle/>
+          <a:p>
+            <a:r>
+              <a:rPr lang="en-US" dirty="0"/>
+              <a:t>Test Scenario</a:t>
+            </a:r>
+          </a:p>
+          <a:p>
+            <a:pPr lvl="1"/>
+            <a:r>
+              <a:rPr lang="en-US" dirty="0"/>
+              <a:t>Expresses a business case with domain terminology</a:t>
+            </a:r>
+          </a:p>
+          <a:p>
+            <a:pPr lvl="1"/>
+            <a:r>
+              <a:rPr lang="en-US" dirty="0"/>
+              <a:t>Sets up some starting conditions (given)</a:t>
+            </a:r>
+          </a:p>
+          <a:p>
+            <a:pPr lvl="1"/>
+            <a:r>
+              <a:rPr lang="en-US" dirty="0"/>
+              <a:t>Executes some business action (when)</a:t>
+            </a:r>
+          </a:p>
+          <a:p>
+            <a:pPr lvl="1"/>
+            <a:r>
+              <a:rPr lang="en-US" dirty="0"/>
+              <a:t>Verifies the result’s correctness (then)</a:t>
+            </a:r>
+          </a:p>
+          <a:p>
+            <a:pPr lvl="1"/>
+            <a:endParaRPr lang="en-US" dirty="0"/>
+          </a:p>
+        </p:txBody>
+      </p:sp>
+      <p:sp>
+        <p:nvSpPr>
+          <p:cNvPr id="6" name="Title 1">
+            <a:extLst>
+              <a:ext uri="{FF2B5EF4-FFF2-40B4-BE49-F238E27FC236}">
+                <a16:creationId xmlns:a16="http://schemas.microsoft.com/office/drawing/2014/main" id="{DC1A3932-1480-2FFE-D8C4-F66ED4D6D02D}"/>
+              </a:ext>
+            </a:extLst>
+          </p:cNvPr>
+          <p:cNvSpPr txBox="1">
+            <a:spLocks/>
+          </p:cNvSpPr>
+          <p:nvPr/>
+        </p:nvSpPr>
+        <p:spPr>
+          <a:xfrm>
+            <a:off x="838200" y="135893"/>
+            <a:ext cx="10515600" cy="1325563"/>
+          </a:xfrm>
+          <a:prstGeom prst="rect">
+            <a:avLst/>
+          </a:prstGeom>
+        </p:spPr>
+        <p:txBody>
+          <a:bodyPr vert="horz" lIns="91440" tIns="45720" rIns="91440" bIns="45720" rtlCol="0" anchor="ctr">
+            <a:normAutofit/>
+          </a:bodyPr>
+          <a:lstStyle>
+            <a:lvl1pPr algn="l" defTabSz="914400" rtl="0" eaLnBrk="1" latinLnBrk="0" hangingPunct="1">
+              <a:lnSpc>
+                <a:spcPct val="90000"/>
+              </a:lnSpc>
+              <a:spcBef>
+                <a:spcPct val="0"/>
+              </a:spcBef>
+              <a:buNone/>
+              <a:defRPr sz="4400" kern="1200">
+                <a:solidFill>
+                  <a:schemeClr val="tx1"/>
+                </a:solidFill>
+                <a:latin typeface="+mj-lt"/>
+                <a:ea typeface="+mj-ea"/>
+                <a:cs typeface="+mj-cs"/>
+              </a:defRPr>
+            </a:lvl1pPr>
+          </a:lstStyle>
+          <a:p>
+            <a:r>
+              <a:rPr lang="en-US" dirty="0"/>
+              <a:t>Common Testing Terminology</a:t>
+            </a:r>
+          </a:p>
+        </p:txBody>
+      </p:sp>
+      <p:pic>
+        <p:nvPicPr>
+          <p:cNvPr id="4" name="Picture 3">
+            <a:extLst>
+              <a:ext uri="{FF2B5EF4-FFF2-40B4-BE49-F238E27FC236}">
+                <a16:creationId xmlns:a16="http://schemas.microsoft.com/office/drawing/2014/main" id="{F96C54E3-C71F-2489-D11C-B4F6D7EB78DE}"/>
+              </a:ext>
+            </a:extLst>
+          </p:cNvPr>
+          <p:cNvPicPr>
+            <a:picLocks noChangeAspect="1"/>
+          </p:cNvPicPr>
+          <p:nvPr/>
+        </p:nvPicPr>
+        <p:blipFill>
+          <a:blip r:embed="rId2"/>
+          <a:stretch>
+            <a:fillRect/>
+          </a:stretch>
+        </p:blipFill>
+        <p:spPr>
+          <a:xfrm>
+            <a:off x="8541160" y="2114366"/>
+            <a:ext cx="2581635" cy="2629267"/>
+          </a:xfrm>
+          <a:prstGeom prst="rect">
+            <a:avLst/>
+          </a:prstGeom>
+        </p:spPr>
+      </p:pic>
+    </p:spTree>
+    <p:extLst>
+      <p:ext uri="{BB962C8B-B14F-4D97-AF65-F5344CB8AC3E}">
+        <p14:creationId xmlns:p14="http://schemas.microsoft.com/office/powerpoint/2010/main" val="1937506040"/>
       </p:ext>
     </p:extLst>
   </p:cSld>
@@ -4986,4 +8349,319 @@
     </a:ext>
   </a:extLst>
 </a:theme>
+</file>
+
+<file path=ppt/theme/theme2.xml><?xml version="1.0" encoding="utf-8"?>
+<a:theme xmlns:a="http://schemas.openxmlformats.org/drawingml/2006/main" name="Office Theme">
+  <a:themeElements>
+    <a:clrScheme name="Office">
+      <a:dk1>
+        <a:sysClr val="windowText" lastClr="000000"/>
+      </a:dk1>
+      <a:lt1>
+        <a:sysClr val="window" lastClr="FFFFFF"/>
+      </a:lt1>
+      <a:dk2>
+        <a:srgbClr val="0E2841"/>
+      </a:dk2>
+      <a:lt2>
+        <a:srgbClr val="E8E8E8"/>
+      </a:lt2>
+      <a:accent1>
+        <a:srgbClr val="156082"/>
+      </a:accent1>
+      <a:accent2>
+        <a:srgbClr val="E97132"/>
+      </a:accent2>
+      <a:accent3>
+        <a:srgbClr val="196B24"/>
+      </a:accent3>
+      <a:accent4>
+        <a:srgbClr val="0F9ED5"/>
+      </a:accent4>
+      <a:accent5>
+        <a:srgbClr val="A02B93"/>
+      </a:accent5>
+      <a:accent6>
+        <a:srgbClr val="4EA72E"/>
+      </a:accent6>
+      <a:hlink>
+        <a:srgbClr val="467886"/>
+      </a:hlink>
+      <a:folHlink>
+        <a:srgbClr val="96607D"/>
+      </a:folHlink>
+    </a:clrScheme>
+    <a:fontScheme name="Office">
+      <a:majorFont>
+        <a:latin typeface="Aptos Display" panose="02110004020202020204"/>
+        <a:ea typeface=""/>
+        <a:cs typeface=""/>
+        <a:font script="Jpan" typeface="游ゴシック Light"/>
+        <a:font script="Hang" typeface="맑은 고딕"/>
+        <a:font script="Hans" typeface="等线 Light"/>
+        <a:font script="Hant" typeface="新細明體"/>
+        <a:font script="Arab" typeface="Times New Roman"/>
+        <a:font script="Hebr" typeface="Times New Roman"/>
+        <a:font script="Thai" typeface="Angsana New"/>
+        <a:font script="Ethi" typeface="Nyala"/>
+        <a:font script="Beng" typeface="Vrinda"/>
+        <a:font script="Gujr" typeface="Shruti"/>
+        <a:font script="Khmr" typeface="MoolBoran"/>
+        <a:font script="Knda" typeface="Tunga"/>
+        <a:font script="Guru" typeface="Raavi"/>
+        <a:font script="Cans" typeface="Euphemia"/>
+        <a:font script="Cher" typeface="Plantagenet Cherokee"/>
+        <a:font script="Yiii" typeface="Microsoft Yi Baiti"/>
+        <a:font script="Tibt" typeface="Microsoft Himalaya"/>
+        <a:font script="Thaa" typeface="MV Boli"/>
+        <a:font script="Deva" typeface="Mangal"/>
+        <a:font script="Telu" typeface="Gautami"/>
+        <a:font script="Taml" typeface="Latha"/>
+        <a:font script="Syrc" typeface="Estrangelo Edessa"/>
+        <a:font script="Orya" typeface="Kalinga"/>
+        <a:font script="Mlym" typeface="Kartika"/>
+        <a:font script="Laoo" typeface="DokChampa"/>
+        <a:font script="Sinh" typeface="Iskoola Pota"/>
+        <a:font script="Mong" typeface="Mongolian Baiti"/>
+        <a:font script="Viet" typeface="Times New Roman"/>
+        <a:font script="Uigh" typeface="Microsoft Uighur"/>
+        <a:font script="Geor" typeface="Sylfaen"/>
+        <a:font script="Armn" typeface="Arial"/>
+        <a:font script="Bugi" typeface="Leelawadee UI"/>
+        <a:font script="Bopo" typeface="Microsoft JhengHei"/>
+        <a:font script="Java" typeface="Javanese Text"/>
+        <a:font script="Lisu" typeface="Segoe UI"/>
+        <a:font script="Mymr" typeface="Myanmar Text"/>
+        <a:font script="Nkoo" typeface="Ebrima"/>
+        <a:font script="Olck" typeface="Nirmala UI"/>
+        <a:font script="Osma" typeface="Ebrima"/>
+        <a:font script="Phag" typeface="Phagspa"/>
+        <a:font script="Syrn" typeface="Estrangelo Edessa"/>
+        <a:font script="Syrj" typeface="Estrangelo Edessa"/>
+        <a:font script="Syre" typeface="Estrangelo Edessa"/>
+        <a:font script="Sora" typeface="Nirmala UI"/>
+        <a:font script="Tale" typeface="Microsoft Tai Le"/>
+        <a:font script="Talu" typeface="Microsoft New Tai Lue"/>
+        <a:font script="Tfng" typeface="Ebrima"/>
+      </a:majorFont>
+      <a:minorFont>
+        <a:latin typeface="Aptos" panose="02110004020202020204"/>
+        <a:ea typeface=""/>
+        <a:cs typeface=""/>
+        <a:font script="Jpan" typeface="游ゴシック"/>
+        <a:font script="Hang" typeface="맑은 고딕"/>
+        <a:font script="Hans" typeface="等线"/>
+        <a:font script="Hant" typeface="新細明體"/>
+        <a:font script="Arab" typeface="Arial"/>
+        <a:font script="Hebr" typeface="Arial"/>
+        <a:font script="Thai" typeface="Cordia New"/>
+        <a:font script="Ethi" typeface="Nyala"/>
+        <a:font script="Beng" typeface="Vrinda"/>
+        <a:font script="Gujr" typeface="Shruti"/>
+        <a:font script="Khmr" typeface="DaunPenh"/>
+        <a:font script="Knda" typeface="Tunga"/>
+        <a:font script="Guru" typeface="Raavi"/>
+        <a:font script="Cans" typeface="Euphemia"/>
+        <a:font script="Cher" typeface="Plantagenet Cherokee"/>
+        <a:font script="Yiii" typeface="Microsoft Yi Baiti"/>
+        <a:font script="Tibt" typeface="Microsoft Himalaya"/>
+        <a:font script="Thaa" typeface="MV Boli"/>
+        <a:font script="Deva" typeface="Mangal"/>
+        <a:font script="Telu" typeface="Gautami"/>
+        <a:font script="Taml" typeface="Latha"/>
+        <a:font script="Syrc" typeface="Estrangelo Edessa"/>
+        <a:font script="Orya" typeface="Kalinga"/>
+        <a:font script="Mlym" typeface="Kartika"/>
+        <a:font script="Laoo" typeface="DokChampa"/>
+        <a:font script="Sinh" typeface="Iskoola Pota"/>
+        <a:font script="Mong" typeface="Mongolian Baiti"/>
+        <a:font script="Viet" typeface="Arial"/>
+        <a:font script="Uigh" typeface="Microsoft Uighur"/>
+        <a:font script="Geor" typeface="Sylfaen"/>
+        <a:font script="Armn" typeface="Arial"/>
+        <a:font script="Bugi" typeface="Leelawadee UI"/>
+        <a:font script="Bopo" typeface="Microsoft JhengHei"/>
+        <a:font script="Java" typeface="Javanese Text"/>
+        <a:font script="Lisu" typeface="Segoe UI"/>
+        <a:font script="Mymr" typeface="Myanmar Text"/>
+        <a:font script="Nkoo" typeface="Ebrima"/>
+        <a:font script="Olck" typeface="Nirmala UI"/>
+        <a:font script="Osma" typeface="Ebrima"/>
+        <a:font script="Phag" typeface="Phagspa"/>
+        <a:font script="Syrn" typeface="Estrangelo Edessa"/>
+        <a:font script="Syrj" typeface="Estrangelo Edessa"/>
+        <a:font script="Syre" typeface="Estrangelo Edessa"/>
+        <a:font script="Sora" typeface="Nirmala UI"/>
+        <a:font script="Tale" typeface="Microsoft Tai Le"/>
+        <a:font script="Talu" typeface="Microsoft New Tai Lue"/>
+        <a:font script="Tfng" typeface="Ebrima"/>
+      </a:minorFont>
+    </a:fontScheme>
+    <a:fmtScheme name="Office">
+      <a:fillStyleLst>
+        <a:solidFill>
+          <a:schemeClr val="phClr"/>
+        </a:solidFill>
+        <a:gradFill rotWithShape="1">
+          <a:gsLst>
+            <a:gs pos="0">
+              <a:schemeClr val="phClr">
+                <a:lumMod val="110000"/>
+                <a:satMod val="105000"/>
+                <a:tint val="67000"/>
+              </a:schemeClr>
+            </a:gs>
+            <a:gs pos="50000">
+              <a:schemeClr val="phClr">
+                <a:lumMod val="105000"/>
+                <a:satMod val="103000"/>
+                <a:tint val="73000"/>
+              </a:schemeClr>
+            </a:gs>
+            <a:gs pos="100000">
+              <a:schemeClr val="phClr">
+                <a:lumMod val="105000"/>
+                <a:satMod val="109000"/>
+                <a:tint val="81000"/>
+              </a:schemeClr>
+            </a:gs>
+          </a:gsLst>
+          <a:lin ang="5400000" scaled="0"/>
+        </a:gradFill>
+        <a:gradFill rotWithShape="1">
+          <a:gsLst>
+            <a:gs pos="0">
+              <a:schemeClr val="phClr">
+                <a:satMod val="103000"/>
+                <a:lumMod val="102000"/>
+                <a:tint val="94000"/>
+              </a:schemeClr>
+            </a:gs>
+            <a:gs pos="50000">
+              <a:schemeClr val="phClr">
+                <a:satMod val="110000"/>
+                <a:lumMod val="100000"/>
+                <a:shade val="100000"/>
+              </a:schemeClr>
+            </a:gs>
+            <a:gs pos="100000">
+              <a:schemeClr val="phClr">
+                <a:lumMod val="99000"/>
+                <a:satMod val="120000"/>
+                <a:shade val="78000"/>
+              </a:schemeClr>
+            </a:gs>
+          </a:gsLst>
+          <a:lin ang="5400000" scaled="0"/>
+        </a:gradFill>
+      </a:fillStyleLst>
+      <a:lnStyleLst>
+        <a:ln w="12700" cap="flat" cmpd="sng" algn="ctr">
+          <a:solidFill>
+            <a:schemeClr val="phClr"/>
+          </a:solidFill>
+          <a:prstDash val="solid"/>
+          <a:miter lim="800000"/>
+        </a:ln>
+        <a:ln w="19050" cap="flat" cmpd="sng" algn="ctr">
+          <a:solidFill>
+            <a:schemeClr val="phClr"/>
+          </a:solidFill>
+          <a:prstDash val="solid"/>
+          <a:miter lim="800000"/>
+        </a:ln>
+        <a:ln w="25400" cap="flat" cmpd="sng" algn="ctr">
+          <a:solidFill>
+            <a:schemeClr val="phClr"/>
+          </a:solidFill>
+          <a:prstDash val="solid"/>
+          <a:miter lim="800000"/>
+        </a:ln>
+      </a:lnStyleLst>
+      <a:effectStyleLst>
+        <a:effectStyle>
+          <a:effectLst/>
+        </a:effectStyle>
+        <a:effectStyle>
+          <a:effectLst/>
+        </a:effectStyle>
+        <a:effectStyle>
+          <a:effectLst>
+            <a:outerShdw blurRad="57150" dist="19050" dir="5400000" algn="ctr" rotWithShape="0">
+              <a:srgbClr val="000000">
+                <a:alpha val="63000"/>
+              </a:srgbClr>
+            </a:outerShdw>
+          </a:effectLst>
+        </a:effectStyle>
+      </a:effectStyleLst>
+      <a:bgFillStyleLst>
+        <a:solidFill>
+          <a:schemeClr val="phClr"/>
+        </a:solidFill>
+        <a:solidFill>
+          <a:schemeClr val="phClr">
+            <a:tint val="95000"/>
+            <a:satMod val="170000"/>
+          </a:schemeClr>
+        </a:solidFill>
+        <a:gradFill rotWithShape="1">
+          <a:gsLst>
+            <a:gs pos="0">
+              <a:schemeClr val="phClr">
+                <a:tint val="93000"/>
+                <a:satMod val="150000"/>
+                <a:shade val="98000"/>
+                <a:lumMod val="102000"/>
+              </a:schemeClr>
+            </a:gs>
+            <a:gs pos="50000">
+              <a:schemeClr val="phClr">
+                <a:tint val="98000"/>
+                <a:satMod val="130000"/>
+                <a:shade val="90000"/>
+                <a:lumMod val="103000"/>
+              </a:schemeClr>
+            </a:gs>
+            <a:gs pos="100000">
+              <a:schemeClr val="phClr">
+                <a:shade val="63000"/>
+                <a:satMod val="120000"/>
+              </a:schemeClr>
+            </a:gs>
+          </a:gsLst>
+          <a:lin ang="5400000" scaled="0"/>
+        </a:gradFill>
+      </a:bgFillStyleLst>
+    </a:fmtScheme>
+  </a:themeElements>
+  <a:objectDefaults>
+    <a:lnDef>
+      <a:spPr/>
+      <a:bodyPr/>
+      <a:lstStyle/>
+      <a:style>
+        <a:lnRef idx="2">
+          <a:schemeClr val="accent1"/>
+        </a:lnRef>
+        <a:fillRef idx="0">
+          <a:schemeClr val="accent1"/>
+        </a:fillRef>
+        <a:effectRef idx="1">
+          <a:schemeClr val="accent1"/>
+        </a:effectRef>
+        <a:fontRef idx="minor">
+          <a:schemeClr val="tx1"/>
+        </a:fontRef>
+      </a:style>
+    </a:lnDef>
+  </a:objectDefaults>
+  <a:extraClrSchemeLst/>
+  <a:extLst>
+    <a:ext uri="{05A4C25C-085E-4340-85A3-A5531E510DB2}">
+      <thm15:themeFamily xmlns:thm15="http://schemas.microsoft.com/office/thememl/2012/main" name="Office Theme" id="{2E142A2C-CD16-42D6-873A-C26D2A0506FA}" vid="{1BDDFF52-6CD6-40A5-AB3C-68EB2F1E4D0A}"/>
+    </a:ext>
+  </a:extLst>
+</a:theme>
 </file>